--- a/Presentasi.pptx
+++ b/Presentasi.pptx
@@ -7,26 +7,38 @@
   <p:sldIdLst>
     <p:sldId id="256" r:id="rId2"/>
     <p:sldId id="300" r:id="rId3"/>
-    <p:sldId id="301" r:id="rId4"/>
-    <p:sldId id="302" r:id="rId5"/>
-    <p:sldId id="257" r:id="rId6"/>
-    <p:sldId id="303" r:id="rId7"/>
-    <p:sldId id="304" r:id="rId8"/>
-    <p:sldId id="305" r:id="rId9"/>
-    <p:sldId id="306" r:id="rId10"/>
-    <p:sldId id="307" r:id="rId11"/>
-    <p:sldId id="309" r:id="rId12"/>
-    <p:sldId id="310" r:id="rId13"/>
-    <p:sldId id="311" r:id="rId14"/>
-    <p:sldId id="312" r:id="rId15"/>
-    <p:sldId id="313" r:id="rId16"/>
-    <p:sldId id="314" r:id="rId17"/>
-    <p:sldId id="315" r:id="rId18"/>
-    <p:sldId id="316" r:id="rId19"/>
-    <p:sldId id="317" r:id="rId20"/>
-    <p:sldId id="318" r:id="rId21"/>
-    <p:sldId id="319" r:id="rId22"/>
-    <p:sldId id="320" r:id="rId23"/>
+    <p:sldId id="327" r:id="rId4"/>
+    <p:sldId id="328" r:id="rId5"/>
+    <p:sldId id="301" r:id="rId6"/>
+    <p:sldId id="302" r:id="rId7"/>
+    <p:sldId id="257" r:id="rId8"/>
+    <p:sldId id="303" r:id="rId9"/>
+    <p:sldId id="304" r:id="rId10"/>
+    <p:sldId id="305" r:id="rId11"/>
+    <p:sldId id="306" r:id="rId12"/>
+    <p:sldId id="307" r:id="rId13"/>
+    <p:sldId id="309" r:id="rId14"/>
+    <p:sldId id="310" r:id="rId15"/>
+    <p:sldId id="311" r:id="rId16"/>
+    <p:sldId id="312" r:id="rId17"/>
+    <p:sldId id="313" r:id="rId18"/>
+    <p:sldId id="314" r:id="rId19"/>
+    <p:sldId id="315" r:id="rId20"/>
+    <p:sldId id="316" r:id="rId21"/>
+    <p:sldId id="325" r:id="rId22"/>
+    <p:sldId id="321" r:id="rId23"/>
+    <p:sldId id="317" r:id="rId24"/>
+    <p:sldId id="329" r:id="rId25"/>
+    <p:sldId id="318" r:id="rId26"/>
+    <p:sldId id="326" r:id="rId27"/>
+    <p:sldId id="319" r:id="rId28"/>
+    <p:sldId id="320" r:id="rId29"/>
+    <p:sldId id="361" r:id="rId30"/>
+    <p:sldId id="352" r:id="rId31"/>
+    <p:sldId id="332" r:id="rId32"/>
+    <p:sldId id="350" r:id="rId33"/>
+    <p:sldId id="351" r:id="rId34"/>
+    <p:sldId id="367" r:id="rId35"/>
   </p:sldIdLst>
   <p:sldSz cx="12192000" cy="6858000"/>
   <p:notesSz cx="6858000" cy="9144000"/>
@@ -280,7 +292,7 @@
           <a:p>
             <a:fld id="{EFE9470F-09EB-40A2-9C6C-016BB0380DCB}" type="datetimeFigureOut">
               <a:rPr lang="en-US" smtClean="0"/>
-              <a:t>11/12/2022</a:t>
+              <a:t>11/15/2022</a:t>
             </a:fld>
             <a:endParaRPr lang="en-US"/>
           </a:p>
@@ -478,7 +490,7 @@
           <a:p>
             <a:fld id="{EFE9470F-09EB-40A2-9C6C-016BB0380DCB}" type="datetimeFigureOut">
               <a:rPr lang="en-US" smtClean="0"/>
-              <a:t>11/12/2022</a:t>
+              <a:t>11/15/2022</a:t>
             </a:fld>
             <a:endParaRPr lang="en-US"/>
           </a:p>
@@ -686,7 +698,7 @@
           <a:p>
             <a:fld id="{EFE9470F-09EB-40A2-9C6C-016BB0380DCB}" type="datetimeFigureOut">
               <a:rPr lang="en-US" smtClean="0"/>
-              <a:t>11/12/2022</a:t>
+              <a:t>11/15/2022</a:t>
             </a:fld>
             <a:endParaRPr lang="en-US"/>
           </a:p>
@@ -884,7 +896,7 @@
           <a:p>
             <a:fld id="{EFE9470F-09EB-40A2-9C6C-016BB0380DCB}" type="datetimeFigureOut">
               <a:rPr lang="en-US" smtClean="0"/>
-              <a:t>11/12/2022</a:t>
+              <a:t>11/15/2022</a:t>
             </a:fld>
             <a:endParaRPr lang="en-US"/>
           </a:p>
@@ -1159,7 +1171,7 @@
           <a:p>
             <a:fld id="{EFE9470F-09EB-40A2-9C6C-016BB0380DCB}" type="datetimeFigureOut">
               <a:rPr lang="en-US" smtClean="0"/>
-              <a:t>11/12/2022</a:t>
+              <a:t>11/15/2022</a:t>
             </a:fld>
             <a:endParaRPr lang="en-US"/>
           </a:p>
@@ -1424,7 +1436,7 @@
           <a:p>
             <a:fld id="{EFE9470F-09EB-40A2-9C6C-016BB0380DCB}" type="datetimeFigureOut">
               <a:rPr lang="en-US" smtClean="0"/>
-              <a:t>11/12/2022</a:t>
+              <a:t>11/15/2022</a:t>
             </a:fld>
             <a:endParaRPr lang="en-US"/>
           </a:p>
@@ -1836,7 +1848,7 @@
           <a:p>
             <a:fld id="{EFE9470F-09EB-40A2-9C6C-016BB0380DCB}" type="datetimeFigureOut">
               <a:rPr lang="en-US" smtClean="0"/>
-              <a:t>11/12/2022</a:t>
+              <a:t>11/15/2022</a:t>
             </a:fld>
             <a:endParaRPr lang="en-US"/>
           </a:p>
@@ -1977,7 +1989,7 @@
           <a:p>
             <a:fld id="{EFE9470F-09EB-40A2-9C6C-016BB0380DCB}" type="datetimeFigureOut">
               <a:rPr lang="en-US" smtClean="0"/>
-              <a:t>11/12/2022</a:t>
+              <a:t>11/15/2022</a:t>
             </a:fld>
             <a:endParaRPr lang="en-US"/>
           </a:p>
@@ -2090,7 +2102,7 @@
           <a:p>
             <a:fld id="{EFE9470F-09EB-40A2-9C6C-016BB0380DCB}" type="datetimeFigureOut">
               <a:rPr lang="en-US" smtClean="0"/>
-              <a:t>11/12/2022</a:t>
+              <a:t>11/15/2022</a:t>
             </a:fld>
             <a:endParaRPr lang="en-US"/>
           </a:p>
@@ -2401,7 +2413,7 @@
           <a:p>
             <a:fld id="{EFE9470F-09EB-40A2-9C6C-016BB0380DCB}" type="datetimeFigureOut">
               <a:rPr lang="en-US" smtClean="0"/>
-              <a:t>11/12/2022</a:t>
+              <a:t>11/15/2022</a:t>
             </a:fld>
             <a:endParaRPr lang="en-US"/>
           </a:p>
@@ -2689,7 +2701,7 @@
           <a:p>
             <a:fld id="{EFE9470F-09EB-40A2-9C6C-016BB0380DCB}" type="datetimeFigureOut">
               <a:rPr lang="en-US" smtClean="0"/>
-              <a:t>11/12/2022</a:t>
+              <a:t>11/15/2022</a:t>
             </a:fld>
             <a:endParaRPr lang="en-US"/>
           </a:p>
@@ -2930,7 +2942,7 @@
           <a:p>
             <a:fld id="{EFE9470F-09EB-40A2-9C6C-016BB0380DCB}" type="datetimeFigureOut">
               <a:rPr lang="en-US" smtClean="0"/>
-              <a:t>11/12/2022</a:t>
+              <a:t>11/15/2022</a:t>
             </a:fld>
             <a:endParaRPr lang="en-US"/>
           </a:p>
@@ -3613,6 +3625,260 @@
           <p:cNvPr id="2" name="Title 1">
             <a:extLst>
               <a:ext uri="{FF2B5EF4-FFF2-40B4-BE49-F238E27FC236}">
+                <a16:creationId xmlns:a16="http://schemas.microsoft.com/office/drawing/2014/main" id="{F7B5E246-E7F1-4BD9-BD1C-4EDA0B05CE2C}"/>
+              </a:ext>
+            </a:extLst>
+          </p:cNvPr>
+          <p:cNvSpPr>
+            <a:spLocks noGrp="1"/>
+          </p:cNvSpPr>
+          <p:nvPr>
+            <p:ph type="title"/>
+          </p:nvPr>
+        </p:nvSpPr>
+        <p:spPr/>
+        <p:txBody>
+          <a:bodyPr/>
+          <a:lstStyle/>
+          <a:p>
+            <a:r>
+              <a:rPr lang="en-US" dirty="0"/>
+              <a:t>Python Library Install</a:t>
+            </a:r>
+          </a:p>
+        </p:txBody>
+      </p:sp>
+      <p:sp>
+        <p:nvSpPr>
+          <p:cNvPr id="3" name="Content Placeholder 2">
+            <a:extLst>
+              <a:ext uri="{FF2B5EF4-FFF2-40B4-BE49-F238E27FC236}">
+                <a16:creationId xmlns:a16="http://schemas.microsoft.com/office/drawing/2014/main" id="{9E4DE34C-9D69-436E-8E34-025E390E762E}"/>
+              </a:ext>
+            </a:extLst>
+          </p:cNvPr>
+          <p:cNvSpPr>
+            <a:spLocks noGrp="1"/>
+          </p:cNvSpPr>
+          <p:nvPr>
+            <p:ph idx="1"/>
+          </p:nvPr>
+        </p:nvSpPr>
+        <p:spPr>
+          <a:xfrm>
+            <a:off x="838200" y="1825625"/>
+            <a:ext cx="10515600" cy="622300"/>
+          </a:xfrm>
+        </p:spPr>
+        <p:txBody>
+          <a:bodyPr/>
+          <a:lstStyle/>
+          <a:p>
+            <a:r>
+              <a:rPr lang="en-US" dirty="0" err="1"/>
+              <a:t>Paho-mqtt</a:t>
+            </a:r>
+            <a:endParaRPr lang="en-US" dirty="0"/>
+          </a:p>
+        </p:txBody>
+      </p:sp>
+      <p:pic>
+        <p:nvPicPr>
+          <p:cNvPr id="5" name="Picture 4">
+            <a:extLst>
+              <a:ext uri="{FF2B5EF4-FFF2-40B4-BE49-F238E27FC236}">
+                <a16:creationId xmlns:a16="http://schemas.microsoft.com/office/drawing/2014/main" id="{0B22CA94-2747-48FF-8D70-913C75B59E84}"/>
+              </a:ext>
+            </a:extLst>
+          </p:cNvPr>
+          <p:cNvPicPr>
+            <a:picLocks noChangeAspect="1"/>
+          </p:cNvPicPr>
+          <p:nvPr/>
+        </p:nvPicPr>
+        <p:blipFill>
+          <a:blip r:embed="rId2"/>
+          <a:stretch>
+            <a:fillRect/>
+          </a:stretch>
+        </p:blipFill>
+        <p:spPr>
+          <a:xfrm>
+            <a:off x="3286593" y="2447925"/>
+            <a:ext cx="6248400" cy="4410075"/>
+          </a:xfrm>
+          <a:prstGeom prst="rect">
+            <a:avLst/>
+          </a:prstGeom>
+        </p:spPr>
+      </p:pic>
+    </p:spTree>
+    <p:extLst>
+      <p:ext uri="{BB962C8B-B14F-4D97-AF65-F5344CB8AC3E}">
+        <p14:creationId xmlns:p14="http://schemas.microsoft.com/office/powerpoint/2010/main" val="1859008385"/>
+      </p:ext>
+    </p:extLst>
+  </p:cSld>
+  <p:clrMapOvr>
+    <a:masterClrMapping/>
+  </p:clrMapOvr>
+</p:sld>
+</file>
+
+<file path=ppt/slides/slide11.xml><?xml version="1.0" encoding="utf-8"?>
+<p:sld xmlns:a="http://schemas.openxmlformats.org/drawingml/2006/main" xmlns:r="http://schemas.openxmlformats.org/officeDocument/2006/relationships" xmlns:p="http://schemas.openxmlformats.org/presentationml/2006/main">
+  <p:cSld>
+    <p:spTree>
+      <p:nvGrpSpPr>
+        <p:cNvPr id="1" name=""/>
+        <p:cNvGrpSpPr/>
+        <p:nvPr/>
+      </p:nvGrpSpPr>
+      <p:grpSpPr>
+        <a:xfrm>
+          <a:off x="0" y="0"/>
+          <a:ext cx="0" cy="0"/>
+          <a:chOff x="0" y="0"/>
+          <a:chExt cx="0" cy="0"/>
+        </a:xfrm>
+      </p:grpSpPr>
+      <p:sp>
+        <p:nvSpPr>
+          <p:cNvPr id="3" name="Content Placeholder 2">
+            <a:extLst>
+              <a:ext uri="{FF2B5EF4-FFF2-40B4-BE49-F238E27FC236}">
+                <a16:creationId xmlns:a16="http://schemas.microsoft.com/office/drawing/2014/main" id="{0B319795-8C2A-4F0F-BEA8-EE043A276DAB}"/>
+              </a:ext>
+            </a:extLst>
+          </p:cNvPr>
+          <p:cNvSpPr>
+            <a:spLocks noGrp="1"/>
+          </p:cNvSpPr>
+          <p:nvPr>
+            <p:ph idx="1"/>
+          </p:nvPr>
+        </p:nvSpPr>
+        <p:spPr>
+          <a:xfrm>
+            <a:off x="8799226" y="1825625"/>
+            <a:ext cx="2983043" cy="4351338"/>
+          </a:xfrm>
+        </p:spPr>
+        <p:txBody>
+          <a:bodyPr/>
+          <a:lstStyle/>
+          <a:p>
+            <a:endParaRPr lang="en-US" dirty="0"/>
+          </a:p>
+        </p:txBody>
+      </p:sp>
+      <p:pic>
+        <p:nvPicPr>
+          <p:cNvPr id="1026" name="Picture 2" descr="types of joystick A Cybercomputing Page">
+            <a:extLst>
+              <a:ext uri="{FF2B5EF4-FFF2-40B4-BE49-F238E27FC236}">
+                <a16:creationId xmlns:a16="http://schemas.microsoft.com/office/drawing/2014/main" id="{2D486B0B-98C4-44A0-8BF5-0ABFCFFB4E1E}"/>
+              </a:ext>
+            </a:extLst>
+          </p:cNvPr>
+          <p:cNvPicPr>
+            <a:picLocks noChangeAspect="1" noChangeArrowheads="1"/>
+          </p:cNvPicPr>
+          <p:nvPr/>
+        </p:nvPicPr>
+        <p:blipFill>
+          <a:blip r:embed="rId2">
+            <a:extLst>
+              <a:ext uri="{28A0092B-C50C-407E-A947-70E740481C1C}">
+                <a14:useLocalDpi xmlns:a14="http://schemas.microsoft.com/office/drawing/2010/main" val="0"/>
+              </a:ext>
+            </a:extLst>
+          </a:blip>
+          <a:srcRect/>
+          <a:stretch>
+            <a:fillRect/>
+          </a:stretch>
+        </p:blipFill>
+        <p:spPr bwMode="auto">
+          <a:xfrm>
+            <a:off x="409731" y="1869787"/>
+            <a:ext cx="6365823" cy="4623087"/>
+          </a:xfrm>
+          <a:prstGeom prst="rect">
+            <a:avLst/>
+          </a:prstGeom>
+          <a:noFill/>
+          <a:extLst>
+            <a:ext uri="{909E8E84-426E-40DD-AFC4-6F175D3DCCD1}">
+              <a14:hiddenFill xmlns:a14="http://schemas.microsoft.com/office/drawing/2010/main">
+                <a:solidFill>
+                  <a:srgbClr val="FFFFFF"/>
+                </a:solidFill>
+              </a14:hiddenFill>
+            </a:ext>
+          </a:extLst>
+        </p:spPr>
+      </p:pic>
+      <p:sp>
+        <p:nvSpPr>
+          <p:cNvPr id="5" name="Title 4">
+            <a:extLst>
+              <a:ext uri="{FF2B5EF4-FFF2-40B4-BE49-F238E27FC236}">
+                <a16:creationId xmlns:a16="http://schemas.microsoft.com/office/drawing/2014/main" id="{CFF92CCB-4A8F-417F-96B6-4CE9457A89D5}"/>
+              </a:ext>
+            </a:extLst>
+          </p:cNvPr>
+          <p:cNvSpPr>
+            <a:spLocks noGrp="1"/>
+          </p:cNvSpPr>
+          <p:nvPr>
+            <p:ph type="title"/>
+          </p:nvPr>
+        </p:nvSpPr>
+        <p:spPr/>
+        <p:txBody>
+          <a:bodyPr/>
+          <a:lstStyle/>
+          <a:p>
+            <a:endParaRPr lang="en-US"/>
+          </a:p>
+        </p:txBody>
+      </p:sp>
+    </p:spTree>
+    <p:extLst>
+      <p:ext uri="{BB962C8B-B14F-4D97-AF65-F5344CB8AC3E}">
+        <p14:creationId xmlns:p14="http://schemas.microsoft.com/office/powerpoint/2010/main" val="2708025259"/>
+      </p:ext>
+    </p:extLst>
+  </p:cSld>
+  <p:clrMapOvr>
+    <a:masterClrMapping/>
+  </p:clrMapOvr>
+</p:sld>
+</file>
+
+<file path=ppt/slides/slide12.xml><?xml version="1.0" encoding="utf-8"?>
+<p:sld xmlns:a="http://schemas.openxmlformats.org/drawingml/2006/main" xmlns:r="http://schemas.openxmlformats.org/officeDocument/2006/relationships" xmlns:p="http://schemas.openxmlformats.org/presentationml/2006/main">
+  <p:cSld>
+    <p:spTree>
+      <p:nvGrpSpPr>
+        <p:cNvPr id="1" name=""/>
+        <p:cNvGrpSpPr/>
+        <p:nvPr/>
+      </p:nvGrpSpPr>
+      <p:grpSpPr>
+        <a:xfrm>
+          <a:off x="0" y="0"/>
+          <a:ext cx="0" cy="0"/>
+          <a:chOff x="0" y="0"/>
+          <a:chExt cx="0" cy="0"/>
+        </a:xfrm>
+      </p:grpSpPr>
+      <p:sp>
+        <p:nvSpPr>
+          <p:cNvPr id="2" name="Title 1">
+            <a:extLst>
+              <a:ext uri="{FF2B5EF4-FFF2-40B4-BE49-F238E27FC236}">
                 <a16:creationId xmlns:a16="http://schemas.microsoft.com/office/drawing/2014/main" id="{39FFFD0C-14C2-4FA9-9DA9-25FAFE4E3648}"/>
               </a:ext>
             </a:extLst>
@@ -3723,7 +3989,7 @@
 </p:sld>
 </file>
 
-<file path=ppt/slides/slide11.xml><?xml version="1.0" encoding="utf-8"?>
+<file path=ppt/slides/slide13.xml><?xml version="1.0" encoding="utf-8"?>
 <p:sld xmlns:a="http://schemas.openxmlformats.org/drawingml/2006/main" xmlns:r="http://schemas.openxmlformats.org/officeDocument/2006/relationships" xmlns:p="http://schemas.openxmlformats.org/presentationml/2006/main">
   <p:cSld>
     <p:spTree>
@@ -4047,7 +4313,7 @@
 </p:sld>
 </file>
 
-<file path=ppt/slides/slide12.xml><?xml version="1.0" encoding="utf-8"?>
+<file path=ppt/slides/slide14.xml><?xml version="1.0" encoding="utf-8"?>
 <p:sld xmlns:a="http://schemas.openxmlformats.org/drawingml/2006/main" xmlns:r="http://schemas.openxmlformats.org/officeDocument/2006/relationships" xmlns:p="http://schemas.openxmlformats.org/presentationml/2006/main">
   <p:cSld>
     <p:spTree>
@@ -4846,7 +5112,7 @@
 </p:sld>
 </file>
 
-<file path=ppt/slides/slide13.xml><?xml version="1.0" encoding="utf-8"?>
+<file path=ppt/slides/slide15.xml><?xml version="1.0" encoding="utf-8"?>
 <p:sld xmlns:a="http://schemas.openxmlformats.org/drawingml/2006/main" xmlns:r="http://schemas.openxmlformats.org/officeDocument/2006/relationships" xmlns:p="http://schemas.openxmlformats.org/presentationml/2006/main">
   <p:cSld>
     <p:spTree>
@@ -5410,7 +5676,7 @@
 </p:sld>
 </file>
 
-<file path=ppt/slides/slide14.xml><?xml version="1.0" encoding="utf-8"?>
+<file path=ppt/slides/slide16.xml><?xml version="1.0" encoding="utf-8"?>
 <p:sld xmlns:a="http://schemas.openxmlformats.org/drawingml/2006/main" xmlns:r="http://schemas.openxmlformats.org/officeDocument/2006/relationships" xmlns:p="http://schemas.openxmlformats.org/presentationml/2006/main">
   <p:cSld>
     <p:spTree>
@@ -5874,7 +6140,7 @@
 </p:sld>
 </file>
 
-<file path=ppt/slides/slide15.xml><?xml version="1.0" encoding="utf-8"?>
+<file path=ppt/slides/slide17.xml><?xml version="1.0" encoding="utf-8"?>
 <p:sld xmlns:a="http://schemas.openxmlformats.org/drawingml/2006/main" xmlns:r="http://schemas.openxmlformats.org/officeDocument/2006/relationships" xmlns:p="http://schemas.openxmlformats.org/presentationml/2006/main">
   <p:cSld>
     <p:spTree>
@@ -5934,7 +6200,7 @@
 </p:sld>
 </file>
 
-<file path=ppt/slides/slide16.xml><?xml version="1.0" encoding="utf-8"?>
+<file path=ppt/slides/slide18.xml><?xml version="1.0" encoding="utf-8"?>
 <p:sld xmlns:a="http://schemas.openxmlformats.org/drawingml/2006/main" xmlns:r="http://schemas.openxmlformats.org/officeDocument/2006/relationships" xmlns:p="http://schemas.openxmlformats.org/presentationml/2006/main">
   <p:cSld>
     <p:spTree>
@@ -8287,193 +8553,6 @@
 </p:sld>
 </file>
 
-<file path=ppt/slides/slide17.xml><?xml version="1.0" encoding="utf-8"?>
-<p:sld xmlns:a="http://schemas.openxmlformats.org/drawingml/2006/main" xmlns:r="http://schemas.openxmlformats.org/officeDocument/2006/relationships" xmlns:p="http://schemas.openxmlformats.org/presentationml/2006/main">
-  <p:cSld>
-    <p:spTree>
-      <p:nvGrpSpPr>
-        <p:cNvPr id="1" name=""/>
-        <p:cNvGrpSpPr/>
-        <p:nvPr/>
-      </p:nvGrpSpPr>
-      <p:grpSpPr>
-        <a:xfrm>
-          <a:off x="0" y="0"/>
-          <a:ext cx="0" cy="0"/>
-          <a:chOff x="0" y="0"/>
-          <a:chExt cx="0" cy="0"/>
-        </a:xfrm>
-      </p:grpSpPr>
-      <p:sp>
-        <p:nvSpPr>
-          <p:cNvPr id="2" name="Title 1">
-            <a:extLst>
-              <a:ext uri="{FF2B5EF4-FFF2-40B4-BE49-F238E27FC236}">
-                <a16:creationId xmlns:a16="http://schemas.microsoft.com/office/drawing/2014/main" id="{37EE5C23-6667-4C0C-B296-4ABE037095C9}"/>
-              </a:ext>
-            </a:extLst>
-          </p:cNvPr>
-          <p:cNvSpPr>
-            <a:spLocks noGrp="1"/>
-          </p:cNvSpPr>
-          <p:nvPr>
-            <p:ph type="title"/>
-          </p:nvPr>
-        </p:nvSpPr>
-        <p:spPr/>
-        <p:txBody>
-          <a:bodyPr/>
-          <a:lstStyle/>
-          <a:p>
-            <a:r>
-              <a:rPr lang="en-US" dirty="0"/>
-              <a:t>0. </a:t>
-            </a:r>
-            <a:r>
-              <a:rPr lang="en-US" dirty="0" err="1"/>
-              <a:t>Membuat</a:t>
-            </a:r>
-            <a:r>
-              <a:rPr lang="en-US" dirty="0"/>
-              <a:t> Window</a:t>
-            </a:r>
-          </a:p>
-        </p:txBody>
-      </p:sp>
-      <p:sp>
-        <p:nvSpPr>
-          <p:cNvPr id="3" name="Content Placeholder 2">
-            <a:extLst>
-              <a:ext uri="{FF2B5EF4-FFF2-40B4-BE49-F238E27FC236}">
-                <a16:creationId xmlns:a16="http://schemas.microsoft.com/office/drawing/2014/main" id="{1F5E1A1B-8ACA-43FE-A491-FCCD71D7D438}"/>
-              </a:ext>
-            </a:extLst>
-          </p:cNvPr>
-          <p:cNvSpPr>
-            <a:spLocks noGrp="1"/>
-          </p:cNvSpPr>
-          <p:nvPr>
-            <p:ph idx="1"/>
-          </p:nvPr>
-        </p:nvSpPr>
-        <p:spPr>
-          <a:xfrm>
-            <a:off x="6775554" y="1825625"/>
-            <a:ext cx="4578246" cy="4351338"/>
-          </a:xfrm>
-        </p:spPr>
-        <p:txBody>
-          <a:bodyPr/>
-          <a:lstStyle/>
-          <a:p>
-            <a:endParaRPr lang="en-US" dirty="0"/>
-          </a:p>
-        </p:txBody>
-      </p:sp>
-    </p:spTree>
-    <p:extLst>
-      <p:ext uri="{BB962C8B-B14F-4D97-AF65-F5344CB8AC3E}">
-        <p14:creationId xmlns:p14="http://schemas.microsoft.com/office/powerpoint/2010/main" val="4040430438"/>
-      </p:ext>
-    </p:extLst>
-  </p:cSld>
-  <p:clrMapOvr>
-    <a:masterClrMapping/>
-  </p:clrMapOvr>
-</p:sld>
-</file>
-
-<file path=ppt/slides/slide18.xml><?xml version="1.0" encoding="utf-8"?>
-<p:sld xmlns:a="http://schemas.openxmlformats.org/drawingml/2006/main" xmlns:r="http://schemas.openxmlformats.org/officeDocument/2006/relationships" xmlns:p="http://schemas.openxmlformats.org/presentationml/2006/main">
-  <p:cSld>
-    <p:spTree>
-      <p:nvGrpSpPr>
-        <p:cNvPr id="1" name=""/>
-        <p:cNvGrpSpPr/>
-        <p:nvPr/>
-      </p:nvGrpSpPr>
-      <p:grpSpPr>
-        <a:xfrm>
-          <a:off x="0" y="0"/>
-          <a:ext cx="0" cy="0"/>
-          <a:chOff x="0" y="0"/>
-          <a:chExt cx="0" cy="0"/>
-        </a:xfrm>
-      </p:grpSpPr>
-      <p:sp>
-        <p:nvSpPr>
-          <p:cNvPr id="2" name="Title 1">
-            <a:extLst>
-              <a:ext uri="{FF2B5EF4-FFF2-40B4-BE49-F238E27FC236}">
-                <a16:creationId xmlns:a16="http://schemas.microsoft.com/office/drawing/2014/main" id="{F0A9AA0C-EF11-4085-B41E-970D8C721F78}"/>
-              </a:ext>
-            </a:extLst>
-          </p:cNvPr>
-          <p:cNvSpPr>
-            <a:spLocks noGrp="1"/>
-          </p:cNvSpPr>
-          <p:nvPr>
-            <p:ph type="title"/>
-          </p:nvPr>
-        </p:nvSpPr>
-        <p:spPr/>
-        <p:txBody>
-          <a:bodyPr/>
-          <a:lstStyle/>
-          <a:p>
-            <a:r>
-              <a:rPr lang="en-US" dirty="0"/>
-              <a:t>1. </a:t>
-            </a:r>
-            <a:r>
-              <a:rPr lang="en-US" dirty="0" err="1"/>
-              <a:t>Membuat</a:t>
-            </a:r>
-            <a:r>
-              <a:rPr lang="en-US" dirty="0"/>
-              <a:t> Text</a:t>
-            </a:r>
-          </a:p>
-        </p:txBody>
-      </p:sp>
-      <p:sp>
-        <p:nvSpPr>
-          <p:cNvPr id="3" name="Content Placeholder 2">
-            <a:extLst>
-              <a:ext uri="{FF2B5EF4-FFF2-40B4-BE49-F238E27FC236}">
-                <a16:creationId xmlns:a16="http://schemas.microsoft.com/office/drawing/2014/main" id="{6C5D6EC2-0EE3-4157-B65F-B0089D853C9A}"/>
-              </a:ext>
-            </a:extLst>
-          </p:cNvPr>
-          <p:cNvSpPr>
-            <a:spLocks noGrp="1"/>
-          </p:cNvSpPr>
-          <p:nvPr>
-            <p:ph idx="1"/>
-          </p:nvPr>
-        </p:nvSpPr>
-        <p:spPr/>
-        <p:txBody>
-          <a:bodyPr/>
-          <a:lstStyle/>
-          <a:p>
-            <a:endParaRPr lang="en-US"/>
-          </a:p>
-        </p:txBody>
-      </p:sp>
-    </p:spTree>
-    <p:extLst>
-      <p:ext uri="{BB962C8B-B14F-4D97-AF65-F5344CB8AC3E}">
-        <p14:creationId xmlns:p14="http://schemas.microsoft.com/office/powerpoint/2010/main" val="456553876"/>
-      </p:ext>
-    </p:extLst>
-  </p:cSld>
-  <p:clrMapOvr>
-    <a:masterClrMapping/>
-  </p:clrMapOvr>
-</p:sld>
-</file>
-
 <file path=ppt/slides/slide19.xml><?xml version="1.0" encoding="utf-8"?>
 <p:sld xmlns:a="http://schemas.openxmlformats.org/drawingml/2006/main" xmlns:r="http://schemas.openxmlformats.org/officeDocument/2006/relationships" xmlns:p="http://schemas.openxmlformats.org/presentationml/2006/main">
   <p:cSld>
@@ -8496,7 +8575,7 @@
           <p:cNvPr id="2" name="Title 1">
             <a:extLst>
               <a:ext uri="{FF2B5EF4-FFF2-40B4-BE49-F238E27FC236}">
-                <a16:creationId xmlns:a16="http://schemas.microsoft.com/office/drawing/2014/main" id="{D5CCD292-B7C0-4674-9875-9B28311FC6D5}"/>
+                <a16:creationId xmlns:a16="http://schemas.microsoft.com/office/drawing/2014/main" id="{37EE5C23-6667-4C0C-B296-4ABE037095C9}"/>
               </a:ext>
             </a:extLst>
           </p:cNvPr>
@@ -8507,24 +8586,524 @@
             <p:ph type="title"/>
           </p:nvPr>
         </p:nvSpPr>
-        <p:spPr/>
+        <p:spPr>
+          <a:xfrm>
+            <a:off x="3524562" y="0"/>
+            <a:ext cx="5142875" cy="724695"/>
+          </a:xfrm>
+        </p:spPr>
         <p:txBody>
           <a:bodyPr/>
           <a:lstStyle/>
           <a:p>
             <a:r>
               <a:rPr lang="en-US" dirty="0"/>
-              <a:t>3. Joystick Button</a:t>
+              <a:t>0. </a:t>
+            </a:r>
+            <a:r>
+              <a:rPr lang="en-US" dirty="0" err="1"/>
+              <a:t>Membuat</a:t>
+            </a:r>
+            <a:r>
+              <a:rPr lang="en-US" dirty="0"/>
+              <a:t> Window</a:t>
             </a:r>
           </a:p>
         </p:txBody>
       </p:sp>
       <p:sp>
         <p:nvSpPr>
-          <p:cNvPr id="3" name="Content Placeholder 2">
-            <a:extLst>
-              <a:ext uri="{FF2B5EF4-FFF2-40B4-BE49-F238E27FC236}">
-                <a16:creationId xmlns:a16="http://schemas.microsoft.com/office/drawing/2014/main" id="{B310A926-4BF2-49A2-A6F9-A06492AF4C42}"/>
+          <p:cNvPr id="4" name="Content Placeholder 2">
+            <a:extLst>
+              <a:ext uri="{FF2B5EF4-FFF2-40B4-BE49-F238E27FC236}">
+                <a16:creationId xmlns:a16="http://schemas.microsoft.com/office/drawing/2014/main" id="{E19A1ABB-4E05-45E7-8131-00E9ED09568B}"/>
+              </a:ext>
+            </a:extLst>
+          </p:cNvPr>
+          <p:cNvSpPr txBox="1">
+            <a:spLocks/>
+          </p:cNvSpPr>
+          <p:nvPr/>
+        </p:nvSpPr>
+        <p:spPr>
+          <a:xfrm>
+            <a:off x="268573" y="1343465"/>
+            <a:ext cx="5712502" cy="5514535"/>
+          </a:xfrm>
+          <a:prstGeom prst="rect">
+            <a:avLst/>
+          </a:prstGeom>
+        </p:spPr>
+        <p:txBody>
+          <a:bodyPr vert="horz" lIns="91440" tIns="45720" rIns="91440" bIns="45720" rtlCol="0">
+            <a:normAutofit fontScale="55000" lnSpcReduction="20000"/>
+          </a:bodyPr>
+          <a:lstStyle>
+            <a:lvl1pPr marL="228600" indent="-228600" algn="l" defTabSz="914400" rtl="0" eaLnBrk="1" latinLnBrk="0" hangingPunct="1">
+              <a:lnSpc>
+                <a:spcPct val="90000"/>
+              </a:lnSpc>
+              <a:spcBef>
+                <a:spcPts val="1000"/>
+              </a:spcBef>
+              <a:buFont typeface="Arial" panose="020B0604020202020204" pitchFamily="34" charset="0"/>
+              <a:buChar char="•"/>
+              <a:defRPr sz="2800" kern="1200">
+                <a:solidFill>
+                  <a:schemeClr val="tx1"/>
+                </a:solidFill>
+                <a:latin typeface="+mn-lt"/>
+                <a:ea typeface="+mn-ea"/>
+                <a:cs typeface="+mn-cs"/>
+              </a:defRPr>
+            </a:lvl1pPr>
+            <a:lvl2pPr marL="685800" indent="-228600" algn="l" defTabSz="914400" rtl="0" eaLnBrk="1" latinLnBrk="0" hangingPunct="1">
+              <a:lnSpc>
+                <a:spcPct val="90000"/>
+              </a:lnSpc>
+              <a:spcBef>
+                <a:spcPts val="500"/>
+              </a:spcBef>
+              <a:buFont typeface="Arial" panose="020B0604020202020204" pitchFamily="34" charset="0"/>
+              <a:buChar char="•"/>
+              <a:defRPr sz="2400" kern="1200">
+                <a:solidFill>
+                  <a:schemeClr val="tx1"/>
+                </a:solidFill>
+                <a:latin typeface="+mn-lt"/>
+                <a:ea typeface="+mn-ea"/>
+                <a:cs typeface="+mn-cs"/>
+              </a:defRPr>
+            </a:lvl2pPr>
+            <a:lvl3pPr marL="1143000" indent="-228600" algn="l" defTabSz="914400" rtl="0" eaLnBrk="1" latinLnBrk="0" hangingPunct="1">
+              <a:lnSpc>
+                <a:spcPct val="90000"/>
+              </a:lnSpc>
+              <a:spcBef>
+                <a:spcPts val="500"/>
+              </a:spcBef>
+              <a:buFont typeface="Arial" panose="020B0604020202020204" pitchFamily="34" charset="0"/>
+              <a:buChar char="•"/>
+              <a:defRPr sz="2000" kern="1200">
+                <a:solidFill>
+                  <a:schemeClr val="tx1"/>
+                </a:solidFill>
+                <a:latin typeface="+mn-lt"/>
+                <a:ea typeface="+mn-ea"/>
+                <a:cs typeface="+mn-cs"/>
+              </a:defRPr>
+            </a:lvl3pPr>
+            <a:lvl4pPr marL="1600200" indent="-228600" algn="l" defTabSz="914400" rtl="0" eaLnBrk="1" latinLnBrk="0" hangingPunct="1">
+              <a:lnSpc>
+                <a:spcPct val="90000"/>
+              </a:lnSpc>
+              <a:spcBef>
+                <a:spcPts val="500"/>
+              </a:spcBef>
+              <a:buFont typeface="Arial" panose="020B0604020202020204" pitchFamily="34" charset="0"/>
+              <a:buChar char="•"/>
+              <a:defRPr sz="1800" kern="1200">
+                <a:solidFill>
+                  <a:schemeClr val="tx1"/>
+                </a:solidFill>
+                <a:latin typeface="+mn-lt"/>
+                <a:ea typeface="+mn-ea"/>
+                <a:cs typeface="+mn-cs"/>
+              </a:defRPr>
+            </a:lvl4pPr>
+            <a:lvl5pPr marL="2057400" indent="-228600" algn="l" defTabSz="914400" rtl="0" eaLnBrk="1" latinLnBrk="0" hangingPunct="1">
+              <a:lnSpc>
+                <a:spcPct val="90000"/>
+              </a:lnSpc>
+              <a:spcBef>
+                <a:spcPts val="500"/>
+              </a:spcBef>
+              <a:buFont typeface="Arial" panose="020B0604020202020204" pitchFamily="34" charset="0"/>
+              <a:buChar char="•"/>
+              <a:defRPr sz="1800" kern="1200">
+                <a:solidFill>
+                  <a:schemeClr val="tx1"/>
+                </a:solidFill>
+                <a:latin typeface="+mn-lt"/>
+                <a:ea typeface="+mn-ea"/>
+                <a:cs typeface="+mn-cs"/>
+              </a:defRPr>
+            </a:lvl5pPr>
+            <a:lvl6pPr marL="2514600" indent="-228600" algn="l" defTabSz="914400" rtl="0" eaLnBrk="1" latinLnBrk="0" hangingPunct="1">
+              <a:lnSpc>
+                <a:spcPct val="90000"/>
+              </a:lnSpc>
+              <a:spcBef>
+                <a:spcPts val="500"/>
+              </a:spcBef>
+              <a:buFont typeface="Arial" panose="020B0604020202020204" pitchFamily="34" charset="0"/>
+              <a:buChar char="•"/>
+              <a:defRPr sz="1800" kern="1200">
+                <a:solidFill>
+                  <a:schemeClr val="tx1"/>
+                </a:solidFill>
+                <a:latin typeface="+mn-lt"/>
+                <a:ea typeface="+mn-ea"/>
+                <a:cs typeface="+mn-cs"/>
+              </a:defRPr>
+            </a:lvl6pPr>
+            <a:lvl7pPr marL="2971800" indent="-228600" algn="l" defTabSz="914400" rtl="0" eaLnBrk="1" latinLnBrk="0" hangingPunct="1">
+              <a:lnSpc>
+                <a:spcPct val="90000"/>
+              </a:lnSpc>
+              <a:spcBef>
+                <a:spcPts val="500"/>
+              </a:spcBef>
+              <a:buFont typeface="Arial" panose="020B0604020202020204" pitchFamily="34" charset="0"/>
+              <a:buChar char="•"/>
+              <a:defRPr sz="1800" kern="1200">
+                <a:solidFill>
+                  <a:schemeClr val="tx1"/>
+                </a:solidFill>
+                <a:latin typeface="+mn-lt"/>
+                <a:ea typeface="+mn-ea"/>
+                <a:cs typeface="+mn-cs"/>
+              </a:defRPr>
+            </a:lvl7pPr>
+            <a:lvl8pPr marL="3429000" indent="-228600" algn="l" defTabSz="914400" rtl="0" eaLnBrk="1" latinLnBrk="0" hangingPunct="1">
+              <a:lnSpc>
+                <a:spcPct val="90000"/>
+              </a:lnSpc>
+              <a:spcBef>
+                <a:spcPts val="500"/>
+              </a:spcBef>
+              <a:buFont typeface="Arial" panose="020B0604020202020204" pitchFamily="34" charset="0"/>
+              <a:buChar char="•"/>
+              <a:defRPr sz="1800" kern="1200">
+                <a:solidFill>
+                  <a:schemeClr val="tx1"/>
+                </a:solidFill>
+                <a:latin typeface="+mn-lt"/>
+                <a:ea typeface="+mn-ea"/>
+                <a:cs typeface="+mn-cs"/>
+              </a:defRPr>
+            </a:lvl8pPr>
+            <a:lvl9pPr marL="3886200" indent="-228600" algn="l" defTabSz="914400" rtl="0" eaLnBrk="1" latinLnBrk="0" hangingPunct="1">
+              <a:lnSpc>
+                <a:spcPct val="90000"/>
+              </a:lnSpc>
+              <a:spcBef>
+                <a:spcPts val="500"/>
+              </a:spcBef>
+              <a:buFont typeface="Arial" panose="020B0604020202020204" pitchFamily="34" charset="0"/>
+              <a:buChar char="•"/>
+              <a:defRPr sz="1800" kern="1200">
+                <a:solidFill>
+                  <a:schemeClr val="tx1"/>
+                </a:solidFill>
+                <a:latin typeface="+mn-lt"/>
+                <a:ea typeface="+mn-ea"/>
+                <a:cs typeface="+mn-cs"/>
+              </a:defRPr>
+            </a:lvl9pPr>
+          </a:lstStyle>
+          <a:p>
+            <a:pPr marL="0" indent="0">
+              <a:buFont typeface="Arial" panose="020B0604020202020204" pitchFamily="34" charset="0"/>
+              <a:buNone/>
+            </a:pPr>
+            <a:r>
+              <a:rPr lang="en-US" dirty="0"/>
+              <a:t>from PyQt5.QtCore import * </a:t>
+            </a:r>
+          </a:p>
+          <a:p>
+            <a:pPr marL="0" indent="0">
+              <a:buFont typeface="Arial" panose="020B0604020202020204" pitchFamily="34" charset="0"/>
+              <a:buNone/>
+            </a:pPr>
+            <a:r>
+              <a:rPr lang="en-US" dirty="0"/>
+              <a:t>from PyQt5.QtGui import * </a:t>
+            </a:r>
+          </a:p>
+          <a:p>
+            <a:pPr marL="0" indent="0">
+              <a:buFont typeface="Arial" panose="020B0604020202020204" pitchFamily="34" charset="0"/>
+              <a:buNone/>
+            </a:pPr>
+            <a:r>
+              <a:rPr lang="en-US" dirty="0"/>
+              <a:t>from PyQt5.QtQml import * </a:t>
+            </a:r>
+          </a:p>
+          <a:p>
+            <a:pPr marL="0" indent="0">
+              <a:buFont typeface="Arial" panose="020B0604020202020204" pitchFamily="34" charset="0"/>
+              <a:buNone/>
+            </a:pPr>
+            <a:r>
+              <a:rPr lang="en-US" dirty="0"/>
+              <a:t>from PyQt5.QtWidgets import *</a:t>
+            </a:r>
+          </a:p>
+          <a:p>
+            <a:pPr marL="0" indent="0">
+              <a:buFont typeface="Arial" panose="020B0604020202020204" pitchFamily="34" charset="0"/>
+              <a:buNone/>
+            </a:pPr>
+            <a:r>
+              <a:rPr lang="en-US" dirty="0"/>
+              <a:t>from PyQt5.QtQuick import *  </a:t>
+            </a:r>
+          </a:p>
+          <a:p>
+            <a:pPr marL="0" indent="0">
+              <a:buFont typeface="Arial" panose="020B0604020202020204" pitchFamily="34" charset="0"/>
+              <a:buNone/>
+            </a:pPr>
+            <a:r>
+              <a:rPr lang="en-US" dirty="0"/>
+              <a:t>import sys</a:t>
+            </a:r>
+          </a:p>
+          <a:p>
+            <a:pPr marL="0" indent="0">
+              <a:buFont typeface="Arial" panose="020B0604020202020204" pitchFamily="34" charset="0"/>
+              <a:buNone/>
+            </a:pPr>
+            <a:endParaRPr lang="en-US" dirty="0"/>
+          </a:p>
+          <a:p>
+            <a:pPr marL="0" indent="0">
+              <a:buFont typeface="Arial" panose="020B0604020202020204" pitchFamily="34" charset="0"/>
+              <a:buNone/>
+            </a:pPr>
+            <a:r>
+              <a:rPr lang="en-US" dirty="0"/>
+              <a:t>class table(</a:t>
+            </a:r>
+            <a:r>
+              <a:rPr lang="en-US" dirty="0" err="1"/>
+              <a:t>QObject</a:t>
+            </a:r>
+            <a:r>
+              <a:rPr lang="en-US" dirty="0"/>
+              <a:t>):    </a:t>
+            </a:r>
+          </a:p>
+          <a:p>
+            <a:pPr marL="0" indent="0">
+              <a:buFont typeface="Arial" panose="020B0604020202020204" pitchFamily="34" charset="0"/>
+              <a:buNone/>
+            </a:pPr>
+            <a:r>
+              <a:rPr lang="en-US" dirty="0"/>
+              <a:t>    def __</a:t>
+            </a:r>
+            <a:r>
+              <a:rPr lang="en-US" dirty="0" err="1"/>
+              <a:t>init</a:t>
+            </a:r>
+            <a:r>
+              <a:rPr lang="en-US" dirty="0"/>
+              <a:t>__(self, parent = None):</a:t>
+            </a:r>
+          </a:p>
+          <a:p>
+            <a:pPr marL="0" indent="0">
+              <a:buFont typeface="Arial" panose="020B0604020202020204" pitchFamily="34" charset="0"/>
+              <a:buNone/>
+            </a:pPr>
+            <a:r>
+              <a:rPr lang="en-US" dirty="0"/>
+              <a:t>        super().__</a:t>
+            </a:r>
+            <a:r>
+              <a:rPr lang="en-US" dirty="0" err="1"/>
+              <a:t>init</a:t>
+            </a:r>
+            <a:r>
+              <a:rPr lang="en-US" dirty="0"/>
+              <a:t>__(parent)</a:t>
+            </a:r>
+          </a:p>
+          <a:p>
+            <a:pPr marL="0" indent="0">
+              <a:buFont typeface="Arial" panose="020B0604020202020204" pitchFamily="34" charset="0"/>
+              <a:buNone/>
+            </a:pPr>
+            <a:r>
+              <a:rPr lang="en-US" dirty="0"/>
+              <a:t>        </a:t>
+            </a:r>
+            <a:r>
+              <a:rPr lang="en-US" dirty="0" err="1"/>
+              <a:t>self.app</a:t>
+            </a:r>
+            <a:r>
+              <a:rPr lang="en-US" dirty="0"/>
+              <a:t> = </a:t>
+            </a:r>
+            <a:r>
+              <a:rPr lang="en-US" dirty="0" err="1"/>
+              <a:t>QApplication</a:t>
+            </a:r>
+            <a:r>
+              <a:rPr lang="en-US" dirty="0"/>
+              <a:t>(</a:t>
+            </a:r>
+            <a:r>
+              <a:rPr lang="en-US" dirty="0" err="1"/>
+              <a:t>sys.argv</a:t>
+            </a:r>
+            <a:r>
+              <a:rPr lang="en-US" dirty="0"/>
+              <a:t>)</a:t>
+            </a:r>
+          </a:p>
+          <a:p>
+            <a:pPr marL="0" indent="0">
+              <a:buFont typeface="Arial" panose="020B0604020202020204" pitchFamily="34" charset="0"/>
+              <a:buNone/>
+            </a:pPr>
+            <a:r>
+              <a:rPr lang="en-US" dirty="0"/>
+              <a:t>        </a:t>
+            </a:r>
+            <a:r>
+              <a:rPr lang="en-US" dirty="0" err="1"/>
+              <a:t>self.engine</a:t>
+            </a:r>
+            <a:r>
+              <a:rPr lang="en-US" dirty="0"/>
+              <a:t> = </a:t>
+            </a:r>
+            <a:r>
+              <a:rPr lang="en-US" dirty="0" err="1"/>
+              <a:t>QQmlApplicationEngine</a:t>
+            </a:r>
+            <a:r>
+              <a:rPr lang="en-US" dirty="0"/>
+              <a:t>(self)</a:t>
+            </a:r>
+          </a:p>
+          <a:p>
+            <a:pPr marL="0" indent="0">
+              <a:buFont typeface="Arial" panose="020B0604020202020204" pitchFamily="34" charset="0"/>
+              <a:buNone/>
+            </a:pPr>
+            <a:r>
+              <a:rPr lang="en-US" dirty="0"/>
+              <a:t>        </a:t>
+            </a:r>
+            <a:r>
+              <a:rPr lang="en-US" dirty="0" err="1"/>
+              <a:t>self.engine.rootContext</a:t>
+            </a:r>
+            <a:r>
+              <a:rPr lang="en-US" dirty="0"/>
+              <a:t>().</a:t>
+            </a:r>
+            <a:r>
+              <a:rPr lang="en-US" dirty="0" err="1"/>
+              <a:t>setContextProperty</a:t>
+            </a:r>
+            <a:r>
+              <a:rPr lang="en-US" dirty="0"/>
+              <a:t>("backend", self)    </a:t>
+            </a:r>
+          </a:p>
+          <a:p>
+            <a:pPr marL="0" indent="0">
+              <a:buFont typeface="Arial" panose="020B0604020202020204" pitchFamily="34" charset="0"/>
+              <a:buNone/>
+            </a:pPr>
+            <a:r>
+              <a:rPr lang="en-US" dirty="0"/>
+              <a:t>        </a:t>
+            </a:r>
+            <a:r>
+              <a:rPr lang="en-US" dirty="0" err="1"/>
+              <a:t>self.engine.load</a:t>
+            </a:r>
+            <a:r>
+              <a:rPr lang="en-US" dirty="0"/>
+              <a:t>(</a:t>
+            </a:r>
+            <a:r>
+              <a:rPr lang="en-US" dirty="0" err="1"/>
+              <a:t>QUrl</a:t>
+            </a:r>
+            <a:r>
+              <a:rPr lang="en-US" dirty="0"/>
+              <a:t>("</a:t>
+            </a:r>
+            <a:r>
+              <a:rPr lang="en-US" dirty="0" err="1"/>
+              <a:t>main.qml</a:t>
+            </a:r>
+            <a:r>
+              <a:rPr lang="en-US" dirty="0"/>
+              <a:t>"))</a:t>
+            </a:r>
+          </a:p>
+          <a:p>
+            <a:pPr marL="0" indent="0">
+              <a:buFont typeface="Arial" panose="020B0604020202020204" pitchFamily="34" charset="0"/>
+              <a:buNone/>
+            </a:pPr>
+            <a:r>
+              <a:rPr lang="en-US" dirty="0"/>
+              <a:t>        </a:t>
+            </a:r>
+            <a:r>
+              <a:rPr lang="en-US" dirty="0" err="1"/>
+              <a:t>sys.exit</a:t>
+            </a:r>
+            <a:r>
+              <a:rPr lang="en-US" dirty="0"/>
+              <a:t>(</a:t>
+            </a:r>
+            <a:r>
+              <a:rPr lang="en-US" dirty="0" err="1"/>
+              <a:t>self.app.exec</a:t>
+            </a:r>
+            <a:r>
+              <a:rPr lang="en-US" dirty="0"/>
+              <a:t>_())</a:t>
+            </a:r>
+          </a:p>
+          <a:p>
+            <a:pPr marL="0" indent="0">
+              <a:buFont typeface="Arial" panose="020B0604020202020204" pitchFamily="34" charset="0"/>
+              <a:buNone/>
+            </a:pPr>
+            <a:endParaRPr lang="en-US" dirty="0"/>
+          </a:p>
+          <a:p>
+            <a:pPr marL="0" indent="0">
+              <a:buFont typeface="Arial" panose="020B0604020202020204" pitchFamily="34" charset="0"/>
+              <a:buNone/>
+            </a:pPr>
+            <a:r>
+              <a:rPr lang="en-US" dirty="0"/>
+              <a:t>if __name__ == "__main__":</a:t>
+            </a:r>
+          </a:p>
+          <a:p>
+            <a:pPr marL="0" indent="0">
+              <a:buFont typeface="Arial" panose="020B0604020202020204" pitchFamily="34" charset="0"/>
+              <a:buNone/>
+            </a:pPr>
+            <a:r>
+              <a:rPr lang="en-US" dirty="0"/>
+              <a:t>    main = table()</a:t>
+            </a:r>
+          </a:p>
+        </p:txBody>
+      </p:sp>
+      <p:sp>
+        <p:nvSpPr>
+          <p:cNvPr id="5" name="Content Placeholder 2">
+            <a:extLst>
+              <a:ext uri="{FF2B5EF4-FFF2-40B4-BE49-F238E27FC236}">
+                <a16:creationId xmlns:a16="http://schemas.microsoft.com/office/drawing/2014/main" id="{5F471004-C909-4359-B947-6987485E7E67}"/>
               </a:ext>
             </a:extLst>
           </p:cNvPr>
@@ -8535,19 +9114,227 @@
             <p:ph idx="1"/>
           </p:nvPr>
         </p:nvSpPr>
-        <p:spPr/>
+        <p:spPr>
+          <a:xfrm>
+            <a:off x="6553200" y="1752740"/>
+            <a:ext cx="5042095" cy="4868668"/>
+          </a:xfrm>
+        </p:spPr>
         <p:txBody>
-          <a:bodyPr/>
+          <a:bodyPr>
+            <a:normAutofit fontScale="62500" lnSpcReduction="20000"/>
+          </a:bodyPr>
           <a:lstStyle/>
           <a:p>
-            <a:endParaRPr lang="en-US"/>
+            <a:pPr marL="0" indent="0">
+              <a:buNone/>
+            </a:pPr>
+            <a:r>
+              <a:rPr lang="en-US" dirty="0"/>
+              <a:t>import </a:t>
+            </a:r>
+            <a:r>
+              <a:rPr lang="en-US" dirty="0" err="1"/>
+              <a:t>QtQuick</a:t>
+            </a:r>
+            <a:r>
+              <a:rPr lang="en-US" dirty="0"/>
+              <a:t> 2.12</a:t>
+            </a:r>
+          </a:p>
+          <a:p>
+            <a:pPr marL="0" indent="0">
+              <a:buNone/>
+            </a:pPr>
+            <a:r>
+              <a:rPr lang="en-US" dirty="0"/>
+              <a:t>import </a:t>
+            </a:r>
+            <a:r>
+              <a:rPr lang="en-US" dirty="0" err="1"/>
+              <a:t>QtQuick.Window</a:t>
+            </a:r>
+            <a:r>
+              <a:rPr lang="en-US" dirty="0"/>
+              <a:t> 2.13</a:t>
+            </a:r>
+          </a:p>
+          <a:p>
+            <a:pPr marL="0" indent="0">
+              <a:buNone/>
+            </a:pPr>
+            <a:r>
+              <a:rPr lang="en-US" dirty="0"/>
+              <a:t>import </a:t>
+            </a:r>
+            <a:r>
+              <a:rPr lang="en-US" dirty="0" err="1"/>
+              <a:t>QtQuick.Controls</a:t>
+            </a:r>
+            <a:r>
+              <a:rPr lang="en-US" dirty="0"/>
+              <a:t> 2.0</a:t>
+            </a:r>
+          </a:p>
+          <a:p>
+            <a:pPr marL="0" indent="0">
+              <a:buNone/>
+            </a:pPr>
+            <a:r>
+              <a:rPr lang="en-US" dirty="0"/>
+              <a:t>import </a:t>
+            </a:r>
+            <a:r>
+              <a:rPr lang="en-US" dirty="0" err="1"/>
+              <a:t>QtQuick.Controls.Styles</a:t>
+            </a:r>
+            <a:r>
+              <a:rPr lang="en-US" dirty="0"/>
+              <a:t> 1.4</a:t>
+            </a:r>
+          </a:p>
+          <a:p>
+            <a:pPr marL="0" indent="0">
+              <a:buNone/>
+            </a:pPr>
+            <a:r>
+              <a:rPr lang="en-US" dirty="0"/>
+              <a:t>import </a:t>
+            </a:r>
+            <a:r>
+              <a:rPr lang="en-US" dirty="0" err="1"/>
+              <a:t>QtQuick.Extras</a:t>
+            </a:r>
+            <a:r>
+              <a:rPr lang="en-US" dirty="0"/>
+              <a:t> 1.4</a:t>
+            </a:r>
+          </a:p>
+          <a:p>
+            <a:pPr marL="0" indent="0">
+              <a:buNone/>
+            </a:pPr>
+            <a:r>
+              <a:rPr lang="en-US" dirty="0"/>
+              <a:t>import </a:t>
+            </a:r>
+            <a:r>
+              <a:rPr lang="en-US" dirty="0" err="1"/>
+              <a:t>QtQuick.Extras.Private</a:t>
+            </a:r>
+            <a:r>
+              <a:rPr lang="en-US" dirty="0"/>
+              <a:t> 1.0</a:t>
+            </a:r>
+          </a:p>
+          <a:p>
+            <a:pPr marL="0" indent="0">
+              <a:buNone/>
+            </a:pPr>
+            <a:r>
+              <a:rPr lang="en-US" dirty="0"/>
+              <a:t>Window {</a:t>
+            </a:r>
+          </a:p>
+          <a:p>
+            <a:pPr marL="0" indent="0">
+              <a:buNone/>
+            </a:pPr>
+            <a:r>
+              <a:rPr lang="en-US" dirty="0"/>
+              <a:t>	id : root</a:t>
+            </a:r>
+          </a:p>
+          <a:p>
+            <a:pPr marL="0" indent="0">
+              <a:buNone/>
+            </a:pPr>
+            <a:r>
+              <a:rPr lang="en-US" dirty="0"/>
+              <a:t>	width: 400</a:t>
+            </a:r>
+          </a:p>
+          <a:p>
+            <a:pPr marL="0" indent="0">
+              <a:buNone/>
+            </a:pPr>
+            <a:r>
+              <a:rPr lang="en-US" dirty="0"/>
+              <a:t>	height: 400</a:t>
+            </a:r>
+          </a:p>
+          <a:p>
+            <a:pPr marL="0" indent="0">
+              <a:buNone/>
+            </a:pPr>
+            <a:r>
+              <a:rPr lang="en-US" dirty="0"/>
+              <a:t>	title:"</a:t>
+            </a:r>
+            <a:r>
+              <a:rPr lang="en-US" dirty="0" err="1"/>
+              <a:t>membuat</a:t>
+            </a:r>
+            <a:r>
+              <a:rPr lang="en-US" dirty="0"/>
+              <a:t> windows"</a:t>
+            </a:r>
+          </a:p>
+          <a:p>
+            <a:pPr marL="0" indent="0">
+              <a:buNone/>
+            </a:pPr>
+            <a:r>
+              <a:rPr lang="en-US" dirty="0"/>
+              <a:t>	color : "pink"</a:t>
+            </a:r>
+          </a:p>
+          <a:p>
+            <a:pPr marL="0" indent="0">
+              <a:buNone/>
+            </a:pPr>
+            <a:r>
+              <a:rPr lang="en-US" dirty="0"/>
+              <a:t>    	visible: true</a:t>
+            </a:r>
+          </a:p>
+          <a:p>
+            <a:pPr marL="0" indent="0">
+              <a:buNone/>
+            </a:pPr>
+            <a:r>
+              <a:rPr lang="en-US" dirty="0"/>
+              <a:t>    	//flags: </a:t>
+            </a:r>
+            <a:r>
+              <a:rPr lang="en-US" dirty="0" err="1"/>
+              <a:t>Qt.WindowMaximized</a:t>
+            </a:r>
+            <a:r>
+              <a:rPr lang="en-US" dirty="0"/>
+              <a:t> //</a:t>
+            </a:r>
+            <a:r>
+              <a:rPr lang="en-US" dirty="0" err="1"/>
+              <a:t>Qt.Dialog</a:t>
+            </a:r>
+            <a:endParaRPr lang="en-US" dirty="0"/>
+          </a:p>
+          <a:p>
+            <a:pPr marL="0" indent="0">
+              <a:buNone/>
+            </a:pPr>
+            <a:r>
+              <a:rPr lang="en-US" dirty="0"/>
+              <a:t>}</a:t>
+            </a:r>
           </a:p>
         </p:txBody>
       </p:sp>
     </p:spTree>
     <p:extLst>
       <p:ext uri="{BB962C8B-B14F-4D97-AF65-F5344CB8AC3E}">
-        <p14:creationId xmlns:p14="http://schemas.microsoft.com/office/powerpoint/2010/main" val="517372755"/>
+        <p14:creationId xmlns:p14="http://schemas.microsoft.com/office/powerpoint/2010/main" val="4040430438"/>
       </p:ext>
     </p:extLst>
   </p:cSld>
@@ -8857,7 +9644,7 @@
           <p:cNvPr id="2" name="Title 1">
             <a:extLst>
               <a:ext uri="{FF2B5EF4-FFF2-40B4-BE49-F238E27FC236}">
-                <a16:creationId xmlns:a16="http://schemas.microsoft.com/office/drawing/2014/main" id="{E85F1800-529C-4D64-BC3A-994716D1322D}"/>
+                <a16:creationId xmlns:a16="http://schemas.microsoft.com/office/drawing/2014/main" id="{F0A9AA0C-EF11-4085-B41E-970D8C721F78}"/>
               </a:ext>
             </a:extLst>
           </p:cNvPr>
@@ -8875,17 +9662,25 @@
           <a:p>
             <a:r>
               <a:rPr lang="en-US" dirty="0"/>
-              <a:t>4. Joystick Hats</a:t>
+              <a:t>1. </a:t>
+            </a:r>
+            <a:r>
+              <a:rPr lang="en-US" dirty="0" err="1"/>
+              <a:t>Membuat</a:t>
+            </a:r>
+            <a:r>
+              <a:rPr lang="en-US" dirty="0"/>
+              <a:t> Text</a:t>
             </a:r>
           </a:p>
         </p:txBody>
       </p:sp>
       <p:sp>
         <p:nvSpPr>
-          <p:cNvPr id="3" name="Content Placeholder 2">
-            <a:extLst>
-              <a:ext uri="{FF2B5EF4-FFF2-40B4-BE49-F238E27FC236}">
-                <a16:creationId xmlns:a16="http://schemas.microsoft.com/office/drawing/2014/main" id="{9A5EB8B5-1C2D-4D47-8D9A-FE5808896EC0}"/>
+          <p:cNvPr id="4" name="Content Placeholder 2">
+            <a:extLst>
+              <a:ext uri="{FF2B5EF4-FFF2-40B4-BE49-F238E27FC236}">
+                <a16:creationId xmlns:a16="http://schemas.microsoft.com/office/drawing/2014/main" id="{34B92E15-AF6D-45B6-A755-6AADAD829125}"/>
               </a:ext>
             </a:extLst>
           </p:cNvPr>
@@ -8896,19 +9691,106 @@
             <p:ph idx="1"/>
           </p:nvPr>
         </p:nvSpPr>
-        <p:spPr/>
+        <p:spPr>
+          <a:xfrm>
+            <a:off x="6991351" y="2396002"/>
+            <a:ext cx="3752850" cy="4096873"/>
+          </a:xfrm>
+        </p:spPr>
         <p:txBody>
-          <a:bodyPr/>
+          <a:bodyPr>
+            <a:normAutofit/>
+          </a:bodyPr>
           <a:lstStyle/>
           <a:p>
-            <a:endParaRPr lang="en-US"/>
+            <a:pPr marL="0" indent="0">
+              <a:buNone/>
+            </a:pPr>
+            <a:r>
+              <a:rPr lang="en-US" dirty="0"/>
+              <a:t>Rectangle{</a:t>
+            </a:r>
+          </a:p>
+          <a:p>
+            <a:pPr marL="0" indent="0">
+              <a:buNone/>
+            </a:pPr>
+            <a:r>
+              <a:rPr lang="en-US" dirty="0"/>
+              <a:t>	……</a:t>
+            </a:r>
+          </a:p>
+          <a:p>
+            <a:pPr marL="0" indent="0">
+              <a:buNone/>
+            </a:pPr>
+            <a:r>
+              <a:rPr lang="en-US" dirty="0"/>
+              <a:t>	Text{</a:t>
+            </a:r>
+          </a:p>
+          <a:p>
+            <a:pPr marL="0" indent="0">
+              <a:buNone/>
+            </a:pPr>
+            <a:r>
+              <a:rPr lang="en-US" dirty="0"/>
+              <a:t>		………</a:t>
+            </a:r>
+          </a:p>
+          <a:p>
+            <a:pPr marL="0" indent="0">
+              <a:buNone/>
+            </a:pPr>
+            <a:r>
+              <a:rPr lang="en-US" dirty="0"/>
+              <a:t>		}</a:t>
+            </a:r>
+          </a:p>
+          <a:p>
+            <a:pPr marL="0" indent="0">
+              <a:buNone/>
+            </a:pPr>
+            <a:r>
+              <a:rPr lang="en-US" dirty="0"/>
+              <a:t>	}</a:t>
+            </a:r>
           </a:p>
         </p:txBody>
       </p:sp>
+      <p:pic>
+        <p:nvPicPr>
+          <p:cNvPr id="5" name="Picture 4">
+            <a:extLst>
+              <a:ext uri="{FF2B5EF4-FFF2-40B4-BE49-F238E27FC236}">
+                <a16:creationId xmlns:a16="http://schemas.microsoft.com/office/drawing/2014/main" id="{5FF305C6-C0E2-4C56-BA93-1F182D181173}"/>
+              </a:ext>
+            </a:extLst>
+          </p:cNvPr>
+          <p:cNvPicPr>
+            <a:picLocks noChangeAspect="1"/>
+          </p:cNvPicPr>
+          <p:nvPr/>
+        </p:nvPicPr>
+        <p:blipFill rotWithShape="1">
+          <a:blip r:embed="rId2"/>
+          <a:srcRect l="23502" t="5324" r="23797" b="69166"/>
+          <a:stretch/>
+        </p:blipFill>
+        <p:spPr>
+          <a:xfrm>
+            <a:off x="299235" y="2590800"/>
+            <a:ext cx="6273015" cy="2400301"/>
+          </a:xfrm>
+          <a:prstGeom prst="rect">
+            <a:avLst/>
+          </a:prstGeom>
+        </p:spPr>
+      </p:pic>
     </p:spTree>
     <p:extLst>
       <p:ext uri="{BB962C8B-B14F-4D97-AF65-F5344CB8AC3E}">
-        <p14:creationId xmlns:p14="http://schemas.microsoft.com/office/powerpoint/2010/main" val="1026273934"/>
+        <p14:creationId xmlns:p14="http://schemas.microsoft.com/office/powerpoint/2010/main" val="456553876"/>
       </p:ext>
     </p:extLst>
   </p:cSld>
@@ -8940,7 +9822,7 @@
           <p:cNvPr id="2" name="Title 1">
             <a:extLst>
               <a:ext uri="{FF2B5EF4-FFF2-40B4-BE49-F238E27FC236}">
-                <a16:creationId xmlns:a16="http://schemas.microsoft.com/office/drawing/2014/main" id="{5A376D37-7156-468A-B570-8E86417B583C}"/>
+                <a16:creationId xmlns:a16="http://schemas.microsoft.com/office/drawing/2014/main" id="{37E831B1-DCFF-4502-BB1C-0292FAC73226}"/>
               </a:ext>
             </a:extLst>
           </p:cNvPr>
@@ -8958,40 +9840,317 @@
           <a:p>
             <a:r>
               <a:rPr lang="en-US" dirty="0"/>
-              <a:t>5. Joystick Axes</a:t>
+              <a:t>1. </a:t>
+            </a:r>
+            <a:r>
+              <a:rPr lang="en-US" dirty="0" err="1"/>
+              <a:t>Membuat</a:t>
+            </a:r>
+            <a:r>
+              <a:rPr lang="en-US" dirty="0"/>
+              <a:t> Text</a:t>
             </a:r>
           </a:p>
         </p:txBody>
       </p:sp>
       <p:sp>
         <p:nvSpPr>
-          <p:cNvPr id="3" name="Content Placeholder 2">
-            <a:extLst>
-              <a:ext uri="{FF2B5EF4-FFF2-40B4-BE49-F238E27FC236}">
-                <a16:creationId xmlns:a16="http://schemas.microsoft.com/office/drawing/2014/main" id="{9E393210-6703-4119-ACC9-B9EB32B0261A}"/>
-              </a:ext>
-            </a:extLst>
-          </p:cNvPr>
-          <p:cNvSpPr>
-            <a:spLocks noGrp="1"/>
-          </p:cNvSpPr>
-          <p:nvPr>
-            <p:ph idx="1"/>
-          </p:nvPr>
+          <p:cNvPr id="5" name="TextBox 4">
+            <a:extLst>
+              <a:ext uri="{FF2B5EF4-FFF2-40B4-BE49-F238E27FC236}">
+                <a16:creationId xmlns:a16="http://schemas.microsoft.com/office/drawing/2014/main" id="{B1F7CF56-42C8-4863-B0D1-5D46A6CEA43F}"/>
+              </a:ext>
+            </a:extLst>
+          </p:cNvPr>
+          <p:cNvSpPr txBox="1"/>
+          <p:nvPr/>
         </p:nvSpPr>
-        <p:spPr/>
+        <p:spPr>
+          <a:xfrm>
+            <a:off x="0" y="2514600"/>
+            <a:ext cx="4876800" cy="2862322"/>
+          </a:xfrm>
+          <a:prstGeom prst="rect">
+            <a:avLst/>
+          </a:prstGeom>
+          <a:noFill/>
+        </p:spPr>
         <p:txBody>
-          <a:bodyPr/>
+          <a:bodyPr wrap="square">
+            <a:spAutoFit/>
+          </a:bodyPr>
           <a:lstStyle/>
           <a:p>
-            <a:endParaRPr lang="en-US"/>
+            <a:r>
+              <a:rPr lang="en-US" dirty="0"/>
+              <a:t>Rectangle{</a:t>
+            </a:r>
+          </a:p>
+          <a:p>
+            <a:r>
+              <a:rPr lang="en-US" dirty="0"/>
+              <a:t>		</a:t>
+            </a:r>
+          </a:p>
+          <a:p>
+            <a:r>
+              <a:rPr lang="en-US" dirty="0" err="1"/>
+              <a:t>anchors.horizontalCenter</a:t>
+            </a:r>
+            <a:r>
+              <a:rPr lang="en-US" dirty="0"/>
+              <a:t>: </a:t>
+            </a:r>
+            <a:r>
+              <a:rPr lang="en-US" dirty="0" err="1"/>
+              <a:t>parent.horizontalCenter</a:t>
+            </a:r>
+            <a:endParaRPr lang="en-US" dirty="0"/>
+          </a:p>
+          <a:p>
+            <a:r>
+              <a:rPr lang="en-US" dirty="0"/>
+              <a:t>y:20</a:t>
+            </a:r>
+          </a:p>
+          <a:p>
+            <a:r>
+              <a:rPr lang="en-US" dirty="0"/>
+              <a:t>width : 400</a:t>
+            </a:r>
+          </a:p>
+          <a:p>
+            <a:r>
+              <a:rPr lang="en-US" dirty="0"/>
+              <a:t>height : 120</a:t>
+            </a:r>
+          </a:p>
+          <a:p>
+            <a:r>
+              <a:rPr lang="en-US" dirty="0"/>
+              <a:t>color : "#04b6f0"</a:t>
+            </a:r>
+          </a:p>
+          <a:p>
+            <a:r>
+              <a:rPr lang="en-US" dirty="0" err="1"/>
+              <a:t>border.color</a:t>
+            </a:r>
+            <a:r>
+              <a:rPr lang="en-US" dirty="0"/>
+              <a:t>: "white"</a:t>
+            </a:r>
+          </a:p>
+          <a:p>
+            <a:r>
+              <a:rPr lang="en-US" dirty="0" err="1"/>
+              <a:t>border.width</a:t>
+            </a:r>
+            <a:r>
+              <a:rPr lang="en-US" dirty="0"/>
+              <a:t>: 5</a:t>
+            </a:r>
+          </a:p>
+          <a:p>
+            <a:r>
+              <a:rPr lang="en-US" dirty="0"/>
+              <a:t>}</a:t>
+            </a:r>
+          </a:p>
+        </p:txBody>
+      </p:sp>
+      <p:sp>
+        <p:nvSpPr>
+          <p:cNvPr id="7" name="TextBox 6">
+            <a:extLst>
+              <a:ext uri="{FF2B5EF4-FFF2-40B4-BE49-F238E27FC236}">
+                <a16:creationId xmlns:a16="http://schemas.microsoft.com/office/drawing/2014/main" id="{A1D07C6E-49CB-4675-BB81-2959D2E9BEC9}"/>
+              </a:ext>
+            </a:extLst>
+          </p:cNvPr>
+          <p:cNvSpPr txBox="1"/>
+          <p:nvPr/>
+        </p:nvSpPr>
+        <p:spPr>
+          <a:xfrm>
+            <a:off x="5257800" y="2514600"/>
+            <a:ext cx="6934200" cy="3416320"/>
+          </a:xfrm>
+          <a:prstGeom prst="rect">
+            <a:avLst/>
+          </a:prstGeom>
+          <a:noFill/>
+        </p:spPr>
+        <p:txBody>
+          <a:bodyPr wrap="square">
+            <a:spAutoFit/>
+          </a:bodyPr>
+          <a:lstStyle/>
+          <a:p>
+            <a:r>
+              <a:rPr lang="en-US" dirty="0"/>
+              <a:t>Text{</a:t>
+            </a:r>
+          </a:p>
+          <a:p>
+            <a:r>
+              <a:rPr lang="en-US" dirty="0"/>
+              <a:t>		</a:t>
+            </a:r>
+          </a:p>
+          <a:p>
+            <a:r>
+              <a:rPr lang="en-US" dirty="0"/>
+              <a:t>	</a:t>
+            </a:r>
+            <a:r>
+              <a:rPr lang="en-US" dirty="0" err="1"/>
+              <a:t>anchors.horizontalCenter</a:t>
+            </a:r>
+            <a:r>
+              <a:rPr lang="en-US" dirty="0"/>
+              <a:t>: </a:t>
+            </a:r>
+            <a:r>
+              <a:rPr lang="en-US" dirty="0" err="1"/>
+              <a:t>parent.horizontalCenter</a:t>
+            </a:r>
+            <a:endParaRPr lang="en-US" dirty="0"/>
+          </a:p>
+          <a:p>
+            <a:r>
+              <a:rPr lang="en-US" dirty="0"/>
+              <a:t>	y: 5</a:t>
+            </a:r>
+          </a:p>
+          <a:p>
+            <a:r>
+              <a:rPr lang="en-US" dirty="0"/>
+              <a:t>	//</a:t>
+            </a:r>
+            <a:r>
+              <a:rPr lang="en-US" dirty="0" err="1"/>
+              <a:t>anchors.verticalCenter</a:t>
+            </a:r>
+            <a:r>
+              <a:rPr lang="en-US" dirty="0"/>
+              <a:t>: </a:t>
+            </a:r>
+            <a:r>
+              <a:rPr lang="en-US" dirty="0" err="1"/>
+              <a:t>parent.verticalCenter</a:t>
+            </a:r>
+            <a:endParaRPr lang="en-US" dirty="0"/>
+          </a:p>
+          <a:p>
+            <a:r>
+              <a:rPr lang="en-US" dirty="0"/>
+              <a:t>	width : 400</a:t>
+            </a:r>
+          </a:p>
+          <a:p>
+            <a:r>
+              <a:rPr lang="en-US" dirty="0"/>
+              <a:t>	text : "</a:t>
+            </a:r>
+            <a:r>
+              <a:rPr lang="en-US" dirty="0" err="1"/>
+              <a:t>Ardumeka</a:t>
+            </a:r>
+            <a:r>
+              <a:rPr lang="en-US" dirty="0"/>
+              <a:t> </a:t>
+            </a:r>
+            <a:r>
+              <a:rPr lang="en-US" dirty="0" err="1"/>
+              <a:t>PyGame</a:t>
+            </a:r>
+            <a:r>
+              <a:rPr lang="en-US" dirty="0"/>
+              <a:t> Joystick Benchmark"</a:t>
+            </a:r>
+          </a:p>
+          <a:p>
+            <a:r>
+              <a:rPr lang="en-US" dirty="0"/>
+              <a:t>	</a:t>
+            </a:r>
+            <a:r>
+              <a:rPr lang="en-US" dirty="0" err="1"/>
+              <a:t>wrapMode</a:t>
+            </a:r>
+            <a:r>
+              <a:rPr lang="en-US" dirty="0"/>
+              <a:t>: </a:t>
+            </a:r>
+            <a:r>
+              <a:rPr lang="en-US" dirty="0" err="1"/>
+              <a:t>Text.WordWrap</a:t>
+            </a:r>
+            <a:r>
+              <a:rPr lang="en-US" dirty="0"/>
+              <a:t> </a:t>
+            </a:r>
+          </a:p>
+          <a:p>
+            <a:r>
+              <a:rPr lang="en-US" dirty="0"/>
+              <a:t>	</a:t>
+            </a:r>
+            <a:r>
+              <a:rPr lang="en-US" dirty="0" err="1"/>
+              <a:t>horizontalAlignment</a:t>
+            </a:r>
+            <a:r>
+              <a:rPr lang="en-US" dirty="0"/>
+              <a:t>: </a:t>
+            </a:r>
+            <a:r>
+              <a:rPr lang="en-US" dirty="0" err="1"/>
+              <a:t>Text.AlignHCenter</a:t>
+            </a:r>
+            <a:r>
+              <a:rPr lang="en-US" dirty="0"/>
+              <a:t>//</a:t>
+            </a:r>
+            <a:r>
+              <a:rPr lang="en-US" dirty="0" err="1"/>
+              <a:t>Text.AlignJustify</a:t>
+            </a:r>
+            <a:endParaRPr lang="en-US" dirty="0"/>
+          </a:p>
+          <a:p>
+            <a:r>
+              <a:rPr lang="en-US" dirty="0"/>
+              <a:t>	color : "#111111"</a:t>
+            </a:r>
+          </a:p>
+          <a:p>
+            <a:r>
+              <a:rPr lang="en-US" dirty="0"/>
+              <a:t>	</a:t>
+            </a:r>
+            <a:r>
+              <a:rPr lang="en-US" dirty="0" err="1"/>
+              <a:t>font.pixelSize</a:t>
+            </a:r>
+            <a:r>
+              <a:rPr lang="en-US" dirty="0"/>
+              <a:t> : 25</a:t>
+            </a:r>
+          </a:p>
+          <a:p>
+            <a:r>
+              <a:rPr lang="en-US" dirty="0"/>
+              <a:t>}</a:t>
+            </a:r>
           </a:p>
         </p:txBody>
       </p:sp>
     </p:spTree>
     <p:extLst>
       <p:ext uri="{BB962C8B-B14F-4D97-AF65-F5344CB8AC3E}">
-        <p14:creationId xmlns:p14="http://schemas.microsoft.com/office/powerpoint/2010/main" val="4218124205"/>
+        <p14:creationId xmlns:p14="http://schemas.microsoft.com/office/powerpoint/2010/main" val="4218909023"/>
       </p:ext>
     </p:extLst>
   </p:cSld>
@@ -9023,7 +10182,7 @@
           <p:cNvPr id="2" name="Title 1">
             <a:extLst>
               <a:ext uri="{FF2B5EF4-FFF2-40B4-BE49-F238E27FC236}">
-                <a16:creationId xmlns:a16="http://schemas.microsoft.com/office/drawing/2014/main" id="{A56AF4B2-24CD-4DBF-92FD-1E24BCA5F19F}"/>
+                <a16:creationId xmlns:a16="http://schemas.microsoft.com/office/drawing/2014/main" id="{C76E9113-FE37-4F55-B79E-75EDC71057A6}"/>
               </a:ext>
             </a:extLst>
           </p:cNvPr>
@@ -9041,17 +10200,298 @@
           <a:p>
             <a:r>
               <a:rPr lang="en-US" dirty="0"/>
-              <a:t>MQTT Integration</a:t>
+              <a:t>2. </a:t>
+            </a:r>
+            <a:r>
+              <a:rPr lang="en-US" dirty="0" err="1"/>
+              <a:t>Memasukkan</a:t>
+            </a:r>
+            <a:r>
+              <a:rPr lang="en-US" dirty="0"/>
+              <a:t> </a:t>
+            </a:r>
+            <a:r>
+              <a:rPr lang="en-US" dirty="0" err="1"/>
+              <a:t>gambar</a:t>
+            </a:r>
+            <a:endParaRPr lang="en-US" dirty="0"/>
+          </a:p>
+        </p:txBody>
+      </p:sp>
+      <p:pic>
+        <p:nvPicPr>
+          <p:cNvPr id="4" name="Picture 3">
+            <a:extLst>
+              <a:ext uri="{FF2B5EF4-FFF2-40B4-BE49-F238E27FC236}">
+                <a16:creationId xmlns:a16="http://schemas.microsoft.com/office/drawing/2014/main" id="{D7ED933A-B228-4093-8D01-D7D02C3DFE7D}"/>
+              </a:ext>
+            </a:extLst>
+          </p:cNvPr>
+          <p:cNvPicPr>
+            <a:picLocks noChangeAspect="1"/>
+          </p:cNvPicPr>
+          <p:nvPr/>
+        </p:nvPicPr>
+        <p:blipFill rotWithShape="1">
+          <a:blip r:embed="rId2"/>
+          <a:srcRect l="78764" t="5324" r="2351" b="69166"/>
+          <a:stretch/>
+        </p:blipFill>
+        <p:spPr>
+          <a:xfrm>
+            <a:off x="247650" y="2074323"/>
+            <a:ext cx="3314700" cy="3539427"/>
+          </a:xfrm>
+          <a:prstGeom prst="rect">
+            <a:avLst/>
+          </a:prstGeom>
+        </p:spPr>
+      </p:pic>
+      <p:sp>
+        <p:nvSpPr>
+          <p:cNvPr id="6" name="TextBox 5">
+            <a:extLst>
+              <a:ext uri="{FF2B5EF4-FFF2-40B4-BE49-F238E27FC236}">
+                <a16:creationId xmlns:a16="http://schemas.microsoft.com/office/drawing/2014/main" id="{AFEA6FAE-5A11-49EE-B628-1C89A3CA1440}"/>
+              </a:ext>
+            </a:extLst>
+          </p:cNvPr>
+          <p:cNvSpPr txBox="1"/>
+          <p:nvPr/>
+        </p:nvSpPr>
+        <p:spPr>
+          <a:xfrm>
+            <a:off x="4305300" y="1905506"/>
+            <a:ext cx="5162550" cy="3046988"/>
+          </a:xfrm>
+          <a:prstGeom prst="rect">
+            <a:avLst/>
+          </a:prstGeom>
+          <a:noFill/>
+        </p:spPr>
+        <p:txBody>
+          <a:bodyPr wrap="square">
+            <a:spAutoFit/>
+          </a:bodyPr>
+          <a:lstStyle/>
+          <a:p>
+            <a:r>
+              <a:rPr lang="en-US" dirty="0"/>
+              <a:t>	</a:t>
+            </a:r>
+            <a:r>
+              <a:rPr lang="en-US" sz="2400" dirty="0"/>
+              <a:t>Image{</a:t>
+            </a:r>
+          </a:p>
+          <a:p>
+            <a:r>
+              <a:rPr lang="en-US" sz="2400" dirty="0"/>
+              <a:t>		x : 650</a:t>
+            </a:r>
+          </a:p>
+          <a:p>
+            <a:r>
+              <a:rPr lang="en-US" sz="2400" dirty="0"/>
+              <a:t>		y : 20</a:t>
+            </a:r>
+          </a:p>
+          <a:p>
+            <a:r>
+              <a:rPr lang="en-US" sz="2400" dirty="0"/>
+              <a:t>		width : 120</a:t>
+            </a:r>
+          </a:p>
+          <a:p>
+            <a:r>
+              <a:rPr lang="en-US" sz="2400" dirty="0"/>
+              <a:t>		height : 120</a:t>
+            </a:r>
+          </a:p>
+          <a:p>
+            <a:r>
+              <a:rPr lang="en-US" sz="2400" dirty="0"/>
+              <a:t>		source : "pygame.png"</a:t>
+            </a:r>
+          </a:p>
+          <a:p>
+            <a:r>
+              <a:rPr lang="en-US" sz="2400" dirty="0"/>
+              <a:t>		</a:t>
+            </a:r>
+          </a:p>
+          <a:p>
+            <a:r>
+              <a:rPr lang="en-US" sz="2400" dirty="0"/>
+              <a:t>	}</a:t>
             </a:r>
           </a:p>
         </p:txBody>
       </p:sp>
       <p:sp>
         <p:nvSpPr>
-          <p:cNvPr id="3" name="Content Placeholder 2">
-            <a:extLst>
-              <a:ext uri="{FF2B5EF4-FFF2-40B4-BE49-F238E27FC236}">
-                <a16:creationId xmlns:a16="http://schemas.microsoft.com/office/drawing/2014/main" id="{AD0004C9-E2D5-4485-9BFA-DD82082E38E2}"/>
+          <p:cNvPr id="7" name="TextBox 6">
+            <a:extLst>
+              <a:ext uri="{FF2B5EF4-FFF2-40B4-BE49-F238E27FC236}">
+                <a16:creationId xmlns:a16="http://schemas.microsoft.com/office/drawing/2014/main" id="{4C292A6D-D8AE-42E0-927F-B3D4EF6F164C}"/>
+              </a:ext>
+            </a:extLst>
+          </p:cNvPr>
+          <p:cNvSpPr txBox="1"/>
+          <p:nvPr/>
+        </p:nvSpPr>
+        <p:spPr>
+          <a:xfrm>
+            <a:off x="5010150" y="5613750"/>
+            <a:ext cx="6076950" cy="830997"/>
+          </a:xfrm>
+          <a:prstGeom prst="rect">
+            <a:avLst/>
+          </a:prstGeom>
+          <a:noFill/>
+        </p:spPr>
+        <p:txBody>
+          <a:bodyPr wrap="square">
+            <a:spAutoFit/>
+          </a:bodyPr>
+          <a:lstStyle/>
+          <a:p>
+            <a:r>
+              <a:rPr lang="en-US" sz="2400" dirty="0" err="1"/>
+              <a:t>Catatan</a:t>
+            </a:r>
+            <a:r>
+              <a:rPr lang="en-US" sz="2400" dirty="0"/>
+              <a:t> : File </a:t>
+            </a:r>
+            <a:r>
+              <a:rPr lang="en-US" sz="2400" dirty="0" err="1"/>
+              <a:t>gambar</a:t>
+            </a:r>
+            <a:r>
+              <a:rPr lang="en-US" sz="2400" dirty="0"/>
+              <a:t> </a:t>
+            </a:r>
+            <a:r>
+              <a:rPr lang="en-US" sz="2400" dirty="0" err="1"/>
+              <a:t>harus</a:t>
+            </a:r>
+            <a:r>
+              <a:rPr lang="en-US" sz="2400" dirty="0"/>
+              <a:t> </a:t>
+            </a:r>
+            <a:r>
+              <a:rPr lang="en-US" sz="2400" dirty="0" err="1"/>
+              <a:t>ada</a:t>
+            </a:r>
+            <a:r>
+              <a:rPr lang="en-US" sz="2400" dirty="0"/>
+              <a:t> di folder yang </a:t>
+            </a:r>
+            <a:r>
+              <a:rPr lang="en-US" sz="2400" dirty="0" err="1"/>
+              <a:t>sama</a:t>
+            </a:r>
+            <a:r>
+              <a:rPr lang="en-US" sz="2400" dirty="0"/>
+              <a:t> </a:t>
+            </a:r>
+          </a:p>
+        </p:txBody>
+      </p:sp>
+    </p:spTree>
+    <p:extLst>
+      <p:ext uri="{BB962C8B-B14F-4D97-AF65-F5344CB8AC3E}">
+        <p14:creationId xmlns:p14="http://schemas.microsoft.com/office/powerpoint/2010/main" val="3267117751"/>
+      </p:ext>
+    </p:extLst>
+  </p:cSld>
+  <p:clrMapOvr>
+    <a:masterClrMapping/>
+  </p:clrMapOvr>
+</p:sld>
+</file>
+
+<file path=ppt/slides/slide23.xml><?xml version="1.0" encoding="utf-8"?>
+<p:sld xmlns:a="http://schemas.openxmlformats.org/drawingml/2006/main" xmlns:r="http://schemas.openxmlformats.org/officeDocument/2006/relationships" xmlns:p="http://schemas.openxmlformats.org/presentationml/2006/main">
+  <p:cSld>
+    <p:spTree>
+      <p:nvGrpSpPr>
+        <p:cNvPr id="1" name=""/>
+        <p:cNvGrpSpPr/>
+        <p:nvPr/>
+      </p:nvGrpSpPr>
+      <p:grpSpPr>
+        <a:xfrm>
+          <a:off x="0" y="0"/>
+          <a:ext cx="0" cy="0"/>
+          <a:chOff x="0" y="0"/>
+          <a:chExt cx="0" cy="0"/>
+        </a:xfrm>
+      </p:grpSpPr>
+      <p:sp>
+        <p:nvSpPr>
+          <p:cNvPr id="2" name="Title 1">
+            <a:extLst>
+              <a:ext uri="{FF2B5EF4-FFF2-40B4-BE49-F238E27FC236}">
+                <a16:creationId xmlns:a16="http://schemas.microsoft.com/office/drawing/2014/main" id="{D5CCD292-B7C0-4674-9875-9B28311FC6D5}"/>
+              </a:ext>
+            </a:extLst>
+          </p:cNvPr>
+          <p:cNvSpPr>
+            <a:spLocks noGrp="1"/>
+          </p:cNvSpPr>
+          <p:nvPr>
+            <p:ph type="title"/>
+          </p:nvPr>
+        </p:nvSpPr>
+        <p:spPr/>
+        <p:txBody>
+          <a:bodyPr/>
+          <a:lstStyle/>
+          <a:p>
+            <a:r>
+              <a:rPr lang="en-US" dirty="0"/>
+              <a:t>3. Joystick Button</a:t>
+            </a:r>
+          </a:p>
+        </p:txBody>
+      </p:sp>
+      <p:pic>
+        <p:nvPicPr>
+          <p:cNvPr id="4" name="Picture 3">
+            <a:extLst>
+              <a:ext uri="{FF2B5EF4-FFF2-40B4-BE49-F238E27FC236}">
+                <a16:creationId xmlns:a16="http://schemas.microsoft.com/office/drawing/2014/main" id="{6FADCC6A-67BA-4C66-9EE4-53A0C9E78B34}"/>
+              </a:ext>
+            </a:extLst>
+          </p:cNvPr>
+          <p:cNvPicPr>
+            <a:picLocks noChangeAspect="1"/>
+          </p:cNvPicPr>
+          <p:nvPr/>
+        </p:nvPicPr>
+        <p:blipFill rotWithShape="1">
+          <a:blip r:embed="rId2"/>
+          <a:srcRect l="62267" t="55989" r="8538" b="7886"/>
+          <a:stretch/>
+        </p:blipFill>
+        <p:spPr>
+          <a:xfrm>
+            <a:off x="476250" y="1962150"/>
+            <a:ext cx="3895266" cy="3810000"/>
+          </a:xfrm>
+          <a:prstGeom prst="rect">
+            <a:avLst/>
+          </a:prstGeom>
+        </p:spPr>
+      </p:pic>
+      <p:sp>
+        <p:nvSpPr>
+          <p:cNvPr id="5" name="Content Placeholder 2">
+            <a:extLst>
+              <a:ext uri="{FF2B5EF4-FFF2-40B4-BE49-F238E27FC236}">
+                <a16:creationId xmlns:a16="http://schemas.microsoft.com/office/drawing/2014/main" id="{0D00AAFC-DC92-4438-9819-0F216C944033}"/>
               </a:ext>
             </a:extLst>
           </p:cNvPr>
@@ -9062,12 +10502,2045 @@
             <p:ph idx="1"/>
           </p:nvPr>
         </p:nvSpPr>
+        <p:spPr>
+          <a:xfrm>
+            <a:off x="4629151" y="1962150"/>
+            <a:ext cx="3752850" cy="4096873"/>
+          </a:xfrm>
+        </p:spPr>
+        <p:txBody>
+          <a:bodyPr>
+            <a:normAutofit/>
+          </a:bodyPr>
+          <a:lstStyle/>
+          <a:p>
+            <a:pPr marL="0" indent="0">
+              <a:buNone/>
+            </a:pPr>
+            <a:r>
+              <a:rPr lang="en-US" dirty="0"/>
+              <a:t>Rectangle{</a:t>
+            </a:r>
+          </a:p>
+          <a:p>
+            <a:pPr marL="0" indent="0">
+              <a:buNone/>
+            </a:pPr>
+            <a:r>
+              <a:rPr lang="en-US" dirty="0"/>
+              <a:t>	……</a:t>
+            </a:r>
+          </a:p>
+          <a:p>
+            <a:pPr marL="0" indent="0">
+              <a:buNone/>
+            </a:pPr>
+            <a:r>
+              <a:rPr lang="en-US" dirty="0"/>
+              <a:t>	Text{</a:t>
+            </a:r>
+          </a:p>
+          <a:p>
+            <a:pPr marL="0" indent="0">
+              <a:buNone/>
+            </a:pPr>
+            <a:r>
+              <a:rPr lang="en-US" dirty="0"/>
+              <a:t>		………</a:t>
+            </a:r>
+          </a:p>
+          <a:p>
+            <a:pPr marL="0" indent="0">
+              <a:buNone/>
+            </a:pPr>
+            <a:r>
+              <a:rPr lang="en-US" dirty="0"/>
+              <a:t>		}</a:t>
+            </a:r>
+          </a:p>
+          <a:p>
+            <a:pPr marL="0" indent="0">
+              <a:buNone/>
+            </a:pPr>
+            <a:r>
+              <a:rPr lang="en-US" dirty="0"/>
+              <a:t>	}</a:t>
+            </a:r>
+          </a:p>
+        </p:txBody>
+      </p:sp>
+      <p:sp>
+        <p:nvSpPr>
+          <p:cNvPr id="6" name="Content Placeholder 2">
+            <a:extLst>
+              <a:ext uri="{FF2B5EF4-FFF2-40B4-BE49-F238E27FC236}">
+                <a16:creationId xmlns:a16="http://schemas.microsoft.com/office/drawing/2014/main" id="{6E94D5CA-B4D5-4127-A3B5-9686D5CE0494}"/>
+              </a:ext>
+            </a:extLst>
+          </p:cNvPr>
+          <p:cNvSpPr txBox="1">
+            <a:spLocks/>
+          </p:cNvSpPr>
+          <p:nvPr/>
+        </p:nvSpPr>
+        <p:spPr>
+          <a:xfrm>
+            <a:off x="8087186" y="1962149"/>
+            <a:ext cx="3752850" cy="4096873"/>
+          </a:xfrm>
+          <a:prstGeom prst="rect">
+            <a:avLst/>
+          </a:prstGeom>
+        </p:spPr>
+        <p:txBody>
+          <a:bodyPr vert="horz" lIns="91440" tIns="45720" rIns="91440" bIns="45720" rtlCol="0">
+            <a:normAutofit/>
+          </a:bodyPr>
+          <a:lstStyle>
+            <a:lvl1pPr marL="228600" indent="-228600" algn="l" defTabSz="914400" rtl="0" eaLnBrk="1" latinLnBrk="0" hangingPunct="1">
+              <a:lnSpc>
+                <a:spcPct val="90000"/>
+              </a:lnSpc>
+              <a:spcBef>
+                <a:spcPts val="1000"/>
+              </a:spcBef>
+              <a:buFont typeface="Arial" panose="020B0604020202020204" pitchFamily="34" charset="0"/>
+              <a:buChar char="•"/>
+              <a:defRPr sz="2800" kern="1200">
+                <a:solidFill>
+                  <a:schemeClr val="tx1"/>
+                </a:solidFill>
+                <a:latin typeface="+mn-lt"/>
+                <a:ea typeface="+mn-ea"/>
+                <a:cs typeface="+mn-cs"/>
+              </a:defRPr>
+            </a:lvl1pPr>
+            <a:lvl2pPr marL="685800" indent="-228600" algn="l" defTabSz="914400" rtl="0" eaLnBrk="1" latinLnBrk="0" hangingPunct="1">
+              <a:lnSpc>
+                <a:spcPct val="90000"/>
+              </a:lnSpc>
+              <a:spcBef>
+                <a:spcPts val="500"/>
+              </a:spcBef>
+              <a:buFont typeface="Arial" panose="020B0604020202020204" pitchFamily="34" charset="0"/>
+              <a:buChar char="•"/>
+              <a:defRPr sz="2400" kern="1200">
+                <a:solidFill>
+                  <a:schemeClr val="tx1"/>
+                </a:solidFill>
+                <a:latin typeface="+mn-lt"/>
+                <a:ea typeface="+mn-ea"/>
+                <a:cs typeface="+mn-cs"/>
+              </a:defRPr>
+            </a:lvl2pPr>
+            <a:lvl3pPr marL="1143000" indent="-228600" algn="l" defTabSz="914400" rtl="0" eaLnBrk="1" latinLnBrk="0" hangingPunct="1">
+              <a:lnSpc>
+                <a:spcPct val="90000"/>
+              </a:lnSpc>
+              <a:spcBef>
+                <a:spcPts val="500"/>
+              </a:spcBef>
+              <a:buFont typeface="Arial" panose="020B0604020202020204" pitchFamily="34" charset="0"/>
+              <a:buChar char="•"/>
+              <a:defRPr sz="2000" kern="1200">
+                <a:solidFill>
+                  <a:schemeClr val="tx1"/>
+                </a:solidFill>
+                <a:latin typeface="+mn-lt"/>
+                <a:ea typeface="+mn-ea"/>
+                <a:cs typeface="+mn-cs"/>
+              </a:defRPr>
+            </a:lvl3pPr>
+            <a:lvl4pPr marL="1600200" indent="-228600" algn="l" defTabSz="914400" rtl="0" eaLnBrk="1" latinLnBrk="0" hangingPunct="1">
+              <a:lnSpc>
+                <a:spcPct val="90000"/>
+              </a:lnSpc>
+              <a:spcBef>
+                <a:spcPts val="500"/>
+              </a:spcBef>
+              <a:buFont typeface="Arial" panose="020B0604020202020204" pitchFamily="34" charset="0"/>
+              <a:buChar char="•"/>
+              <a:defRPr sz="1800" kern="1200">
+                <a:solidFill>
+                  <a:schemeClr val="tx1"/>
+                </a:solidFill>
+                <a:latin typeface="+mn-lt"/>
+                <a:ea typeface="+mn-ea"/>
+                <a:cs typeface="+mn-cs"/>
+              </a:defRPr>
+            </a:lvl4pPr>
+            <a:lvl5pPr marL="2057400" indent="-228600" algn="l" defTabSz="914400" rtl="0" eaLnBrk="1" latinLnBrk="0" hangingPunct="1">
+              <a:lnSpc>
+                <a:spcPct val="90000"/>
+              </a:lnSpc>
+              <a:spcBef>
+                <a:spcPts val="500"/>
+              </a:spcBef>
+              <a:buFont typeface="Arial" panose="020B0604020202020204" pitchFamily="34" charset="0"/>
+              <a:buChar char="•"/>
+              <a:defRPr sz="1800" kern="1200">
+                <a:solidFill>
+                  <a:schemeClr val="tx1"/>
+                </a:solidFill>
+                <a:latin typeface="+mn-lt"/>
+                <a:ea typeface="+mn-ea"/>
+                <a:cs typeface="+mn-cs"/>
+              </a:defRPr>
+            </a:lvl5pPr>
+            <a:lvl6pPr marL="2514600" indent="-228600" algn="l" defTabSz="914400" rtl="0" eaLnBrk="1" latinLnBrk="0" hangingPunct="1">
+              <a:lnSpc>
+                <a:spcPct val="90000"/>
+              </a:lnSpc>
+              <a:spcBef>
+                <a:spcPts val="500"/>
+              </a:spcBef>
+              <a:buFont typeface="Arial" panose="020B0604020202020204" pitchFamily="34" charset="0"/>
+              <a:buChar char="•"/>
+              <a:defRPr sz="1800" kern="1200">
+                <a:solidFill>
+                  <a:schemeClr val="tx1"/>
+                </a:solidFill>
+                <a:latin typeface="+mn-lt"/>
+                <a:ea typeface="+mn-ea"/>
+                <a:cs typeface="+mn-cs"/>
+              </a:defRPr>
+            </a:lvl6pPr>
+            <a:lvl7pPr marL="2971800" indent="-228600" algn="l" defTabSz="914400" rtl="0" eaLnBrk="1" latinLnBrk="0" hangingPunct="1">
+              <a:lnSpc>
+                <a:spcPct val="90000"/>
+              </a:lnSpc>
+              <a:spcBef>
+                <a:spcPts val="500"/>
+              </a:spcBef>
+              <a:buFont typeface="Arial" panose="020B0604020202020204" pitchFamily="34" charset="0"/>
+              <a:buChar char="•"/>
+              <a:defRPr sz="1800" kern="1200">
+                <a:solidFill>
+                  <a:schemeClr val="tx1"/>
+                </a:solidFill>
+                <a:latin typeface="+mn-lt"/>
+                <a:ea typeface="+mn-ea"/>
+                <a:cs typeface="+mn-cs"/>
+              </a:defRPr>
+            </a:lvl7pPr>
+            <a:lvl8pPr marL="3429000" indent="-228600" algn="l" defTabSz="914400" rtl="0" eaLnBrk="1" latinLnBrk="0" hangingPunct="1">
+              <a:lnSpc>
+                <a:spcPct val="90000"/>
+              </a:lnSpc>
+              <a:spcBef>
+                <a:spcPts val="500"/>
+              </a:spcBef>
+              <a:buFont typeface="Arial" panose="020B0604020202020204" pitchFamily="34" charset="0"/>
+              <a:buChar char="•"/>
+              <a:defRPr sz="1800" kern="1200">
+                <a:solidFill>
+                  <a:schemeClr val="tx1"/>
+                </a:solidFill>
+                <a:latin typeface="+mn-lt"/>
+                <a:ea typeface="+mn-ea"/>
+                <a:cs typeface="+mn-cs"/>
+              </a:defRPr>
+            </a:lvl8pPr>
+            <a:lvl9pPr marL="3886200" indent="-228600" algn="l" defTabSz="914400" rtl="0" eaLnBrk="1" latinLnBrk="0" hangingPunct="1">
+              <a:lnSpc>
+                <a:spcPct val="90000"/>
+              </a:lnSpc>
+              <a:spcBef>
+                <a:spcPts val="500"/>
+              </a:spcBef>
+              <a:buFont typeface="Arial" panose="020B0604020202020204" pitchFamily="34" charset="0"/>
+              <a:buChar char="•"/>
+              <a:defRPr sz="1800" kern="1200">
+                <a:solidFill>
+                  <a:schemeClr val="tx1"/>
+                </a:solidFill>
+                <a:latin typeface="+mn-lt"/>
+                <a:ea typeface="+mn-ea"/>
+                <a:cs typeface="+mn-cs"/>
+              </a:defRPr>
+            </a:lvl9pPr>
+          </a:lstStyle>
+          <a:p>
+            <a:pPr marL="0" indent="0">
+              <a:buFont typeface="Arial" panose="020B0604020202020204" pitchFamily="34" charset="0"/>
+              <a:buNone/>
+            </a:pPr>
+            <a:r>
+              <a:rPr lang="en-US" dirty="0"/>
+              <a:t>Timer{</a:t>
+            </a:r>
+          </a:p>
+          <a:p>
+            <a:pPr marL="0" indent="0">
+              <a:buFont typeface="Arial" panose="020B0604020202020204" pitchFamily="34" charset="0"/>
+              <a:buNone/>
+            </a:pPr>
+            <a:r>
+              <a:rPr lang="en-US" dirty="0"/>
+              <a:t>	id : </a:t>
+            </a:r>
+            <a:r>
+              <a:rPr lang="en-US" dirty="0" err="1"/>
+              <a:t>gui_timer</a:t>
+            </a:r>
+            <a:endParaRPr lang="en-US" dirty="0"/>
+          </a:p>
+          <a:p>
+            <a:pPr marL="0" indent="0">
+              <a:buFont typeface="Arial" panose="020B0604020202020204" pitchFamily="34" charset="0"/>
+              <a:buNone/>
+            </a:pPr>
+            <a:r>
+              <a:rPr lang="en-US" dirty="0"/>
+              <a:t>	……	</a:t>
+            </a:r>
+          </a:p>
+          <a:p>
+            <a:pPr marL="0" indent="0">
+              <a:buFont typeface="Arial" panose="020B0604020202020204" pitchFamily="34" charset="0"/>
+              <a:buNone/>
+            </a:pPr>
+            <a:r>
+              <a:rPr lang="en-US" dirty="0"/>
+              <a:t>	}</a:t>
+            </a:r>
+          </a:p>
+        </p:txBody>
+      </p:sp>
+      <p:sp>
+        <p:nvSpPr>
+          <p:cNvPr id="7" name="TextBox 6">
+            <a:extLst>
+              <a:ext uri="{FF2B5EF4-FFF2-40B4-BE49-F238E27FC236}">
+                <a16:creationId xmlns:a16="http://schemas.microsoft.com/office/drawing/2014/main" id="{9B1D9EF8-B402-45A3-9EF1-06D766F41066}"/>
+              </a:ext>
+            </a:extLst>
+          </p:cNvPr>
+          <p:cNvSpPr txBox="1"/>
+          <p:nvPr/>
+        </p:nvSpPr>
+        <p:spPr>
+          <a:xfrm>
+            <a:off x="4629151" y="5458857"/>
+            <a:ext cx="7181850" cy="1200329"/>
+          </a:xfrm>
+          <a:prstGeom prst="rect">
+            <a:avLst/>
+          </a:prstGeom>
+          <a:noFill/>
+        </p:spPr>
+        <p:txBody>
+          <a:bodyPr wrap="square">
+            <a:spAutoFit/>
+          </a:bodyPr>
+          <a:lstStyle/>
+          <a:p>
+            <a:r>
+              <a:rPr lang="en-US" sz="2400" dirty="0" err="1"/>
+              <a:t>Catatan</a:t>
+            </a:r>
+            <a:r>
+              <a:rPr lang="en-US" sz="2400" dirty="0"/>
+              <a:t> : </a:t>
+            </a:r>
+            <a:r>
+              <a:rPr lang="en-US" sz="2400" dirty="0" err="1"/>
+              <a:t>materi</a:t>
+            </a:r>
+            <a:r>
+              <a:rPr lang="en-US" sz="2400" dirty="0"/>
+              <a:t> </a:t>
+            </a:r>
+            <a:r>
+              <a:rPr lang="en-US" sz="2400" dirty="0" err="1"/>
+              <a:t>detailnya</a:t>
+            </a:r>
+            <a:r>
+              <a:rPr lang="en-US" sz="2400" dirty="0"/>
+              <a:t> </a:t>
+            </a:r>
+            <a:r>
+              <a:rPr lang="en-US" sz="2400" dirty="0" err="1"/>
+              <a:t>pengembangan</a:t>
+            </a:r>
+            <a:r>
+              <a:rPr lang="en-US" sz="2400" dirty="0"/>
+              <a:t> </a:t>
+            </a:r>
+            <a:r>
+              <a:rPr lang="en-US" sz="2400" dirty="0" err="1"/>
+              <a:t>dari</a:t>
+            </a:r>
+            <a:r>
+              <a:rPr lang="en-US" sz="2400" dirty="0"/>
+              <a:t> </a:t>
+            </a:r>
+            <a:r>
+              <a:rPr lang="en-US" sz="2400" dirty="0" err="1"/>
+              <a:t>materi</a:t>
+            </a:r>
+            <a:r>
+              <a:rPr lang="en-US" sz="2400" dirty="0"/>
+              <a:t> variable transfer. Goal </a:t>
+            </a:r>
+            <a:r>
+              <a:rPr lang="en-US" sz="2400" dirty="0" err="1"/>
+              <a:t>nya</a:t>
+            </a:r>
+            <a:r>
+              <a:rPr lang="en-US" sz="2400" dirty="0"/>
+              <a:t> Ketika </a:t>
+            </a:r>
+            <a:r>
+              <a:rPr lang="en-US" sz="2400" dirty="0" err="1"/>
+              <a:t>tombol</a:t>
+            </a:r>
+            <a:r>
+              <a:rPr lang="en-US" sz="2400" dirty="0"/>
+              <a:t> joystick </a:t>
+            </a:r>
+            <a:r>
+              <a:rPr lang="en-US" sz="2400" dirty="0" err="1"/>
+              <a:t>ditekan</a:t>
+            </a:r>
+            <a:r>
+              <a:rPr lang="en-US" sz="2400" dirty="0"/>
+              <a:t> </a:t>
+            </a:r>
+            <a:r>
+              <a:rPr lang="en-US" sz="2400" dirty="0" err="1"/>
+              <a:t>maka</a:t>
+            </a:r>
+            <a:r>
+              <a:rPr lang="en-US" sz="2400" dirty="0"/>
+              <a:t> </a:t>
+            </a:r>
+            <a:r>
+              <a:rPr lang="en-US" sz="2400" dirty="0" err="1"/>
+              <a:t>kotak</a:t>
+            </a:r>
+            <a:r>
+              <a:rPr lang="en-US" sz="2400" dirty="0"/>
+              <a:t> </a:t>
+            </a:r>
+            <a:r>
+              <a:rPr lang="en-US" sz="2400" dirty="0" err="1"/>
+              <a:t>akan</a:t>
+            </a:r>
+            <a:r>
+              <a:rPr lang="en-US" sz="2400" dirty="0"/>
+              <a:t> </a:t>
+            </a:r>
+            <a:r>
+              <a:rPr lang="en-US" sz="2400" dirty="0" err="1"/>
+              <a:t>berubah</a:t>
+            </a:r>
+            <a:r>
+              <a:rPr lang="en-US" sz="2400" dirty="0"/>
+              <a:t> </a:t>
+            </a:r>
+            <a:r>
+              <a:rPr lang="en-US" sz="2400" dirty="0" err="1"/>
+              <a:t>warna</a:t>
+            </a:r>
+            <a:endParaRPr lang="en-US" sz="2400" dirty="0"/>
+          </a:p>
+        </p:txBody>
+      </p:sp>
+    </p:spTree>
+    <p:extLst>
+      <p:ext uri="{BB962C8B-B14F-4D97-AF65-F5344CB8AC3E}">
+        <p14:creationId xmlns:p14="http://schemas.microsoft.com/office/powerpoint/2010/main" val="517372755"/>
+      </p:ext>
+    </p:extLst>
+  </p:cSld>
+  <p:clrMapOvr>
+    <a:masterClrMapping/>
+  </p:clrMapOvr>
+</p:sld>
+</file>
+
+<file path=ppt/slides/slide24.xml><?xml version="1.0" encoding="utf-8"?>
+<p:sld xmlns:a="http://schemas.openxmlformats.org/drawingml/2006/main" xmlns:r="http://schemas.openxmlformats.org/officeDocument/2006/relationships" xmlns:p="http://schemas.openxmlformats.org/presentationml/2006/main">
+  <p:cSld>
+    <p:spTree>
+      <p:nvGrpSpPr>
+        <p:cNvPr id="1" name=""/>
+        <p:cNvGrpSpPr/>
+        <p:nvPr/>
+      </p:nvGrpSpPr>
+      <p:grpSpPr>
+        <a:xfrm>
+          <a:off x="0" y="0"/>
+          <a:ext cx="0" cy="0"/>
+          <a:chOff x="0" y="0"/>
+          <a:chExt cx="0" cy="0"/>
+        </a:xfrm>
+      </p:grpSpPr>
+      <p:sp>
+        <p:nvSpPr>
+          <p:cNvPr id="2" name="Title 1">
+            <a:extLst>
+              <a:ext uri="{FF2B5EF4-FFF2-40B4-BE49-F238E27FC236}">
+                <a16:creationId xmlns:a16="http://schemas.microsoft.com/office/drawing/2014/main" id="{D5308188-859F-4FE5-8630-A993D0DCC06F}"/>
+              </a:ext>
+            </a:extLst>
+          </p:cNvPr>
+          <p:cNvSpPr>
+            <a:spLocks noGrp="1"/>
+          </p:cNvSpPr>
+          <p:nvPr>
+            <p:ph type="title"/>
+          </p:nvPr>
+        </p:nvSpPr>
         <p:spPr/>
         <p:txBody>
           <a:bodyPr/>
           <a:lstStyle/>
           <a:p>
+            <a:r>
+              <a:rPr lang="en-US" dirty="0"/>
+              <a:t>Integrate python with </a:t>
+            </a:r>
+            <a:r>
+              <a:rPr lang="en-US" dirty="0" err="1"/>
+              <a:t>qml</a:t>
+            </a:r>
+            <a:endParaRPr lang="en-US" dirty="0"/>
+          </a:p>
+        </p:txBody>
+      </p:sp>
+      <p:sp>
+        <p:nvSpPr>
+          <p:cNvPr id="4" name="TextBox 3">
+            <a:extLst>
+              <a:ext uri="{FF2B5EF4-FFF2-40B4-BE49-F238E27FC236}">
+                <a16:creationId xmlns:a16="http://schemas.microsoft.com/office/drawing/2014/main" id="{45C5B499-C43D-46D5-B5EC-0175AE4106F7}"/>
+              </a:ext>
+            </a:extLst>
+          </p:cNvPr>
+          <p:cNvSpPr txBox="1"/>
+          <p:nvPr/>
+        </p:nvSpPr>
+        <p:spPr>
+          <a:xfrm>
+            <a:off x="4475870" y="1367522"/>
+            <a:ext cx="5627077" cy="646331"/>
+          </a:xfrm>
+          <a:prstGeom prst="rect">
+            <a:avLst/>
+          </a:prstGeom>
+          <a:noFill/>
+        </p:spPr>
+        <p:txBody>
+          <a:bodyPr wrap="square" rtlCol="0">
+            <a:spAutoFit/>
+          </a:bodyPr>
+          <a:lstStyle/>
+          <a:p>
+            <a:r>
+              <a:rPr lang="en-US" sz="3600" dirty="0"/>
+              <a:t>Python =&gt; QML</a:t>
+            </a:r>
+          </a:p>
+        </p:txBody>
+      </p:sp>
+      <p:sp>
+        <p:nvSpPr>
+          <p:cNvPr id="5" name="Rectangle 4">
+            <a:extLst>
+              <a:ext uri="{FF2B5EF4-FFF2-40B4-BE49-F238E27FC236}">
+                <a16:creationId xmlns:a16="http://schemas.microsoft.com/office/drawing/2014/main" id="{481E72FB-15FC-48A6-8374-205A192BED8A}"/>
+              </a:ext>
+            </a:extLst>
+          </p:cNvPr>
+          <p:cNvSpPr/>
+          <p:nvPr/>
+        </p:nvSpPr>
+        <p:spPr>
+          <a:xfrm>
+            <a:off x="6451210" y="2693085"/>
+            <a:ext cx="5740790" cy="2585323"/>
+          </a:xfrm>
+          <a:prstGeom prst="rect">
+            <a:avLst/>
+          </a:prstGeom>
+        </p:spPr>
+        <p:txBody>
+          <a:bodyPr wrap="square">
+            <a:spAutoFit/>
+          </a:bodyPr>
+          <a:lstStyle/>
+          <a:p>
+            <a:r>
+              <a:rPr lang="en-US" dirty="0"/>
+              <a:t>Timer{</a:t>
+            </a:r>
+          </a:p>
+          <a:p>
+            <a:r>
+              <a:rPr lang="en-US" dirty="0"/>
+              <a:t>		</a:t>
+            </a:r>
+            <a:r>
+              <a:rPr lang="en-US" dirty="0" err="1"/>
+              <a:t>id:transferdata</a:t>
+            </a:r>
+            <a:endParaRPr lang="en-US" dirty="0"/>
+          </a:p>
+          <a:p>
+            <a:r>
+              <a:rPr lang="en-US" dirty="0"/>
+              <a:t>		interval: 50</a:t>
+            </a:r>
+          </a:p>
+          <a:p>
+            <a:r>
+              <a:rPr lang="en-US" dirty="0"/>
+              <a:t>		repeat: true</a:t>
+            </a:r>
+          </a:p>
+          <a:p>
+            <a:r>
+              <a:rPr lang="en-US" dirty="0"/>
+              <a:t>		running: true</a:t>
+            </a:r>
+          </a:p>
+          <a:p>
+            <a:r>
+              <a:rPr lang="en-US" dirty="0"/>
+              <a:t>		</a:t>
+            </a:r>
+            <a:r>
+              <a:rPr lang="en-US" dirty="0" err="1"/>
+              <a:t>onTriggered</a:t>
+            </a:r>
+            <a:r>
+              <a:rPr lang="en-US" dirty="0"/>
+              <a:t>: {</a:t>
+            </a:r>
+          </a:p>
+          <a:p>
+            <a:r>
+              <a:rPr lang="en-US" dirty="0"/>
+              <a:t>		</a:t>
+            </a:r>
+            <a:r>
+              <a:rPr lang="en-US" dirty="0" err="1"/>
+              <a:t>pot_val.text</a:t>
+            </a:r>
+            <a:r>
+              <a:rPr lang="en-US" dirty="0"/>
+              <a:t> = </a:t>
+            </a:r>
+            <a:r>
+              <a:rPr lang="en-US" dirty="0" err="1"/>
+              <a:t>backend.get_analog</a:t>
+            </a:r>
+            <a:r>
+              <a:rPr lang="en-US" dirty="0"/>
+              <a:t>()</a:t>
+            </a:r>
+          </a:p>
+          <a:p>
+            <a:r>
+              <a:rPr lang="en-US" dirty="0"/>
+              <a:t>		}</a:t>
+            </a:r>
+          </a:p>
+          <a:p>
+            <a:r>
+              <a:rPr lang="en-US" dirty="0"/>
+              <a:t>	}</a:t>
+            </a:r>
+          </a:p>
+        </p:txBody>
+      </p:sp>
+      <p:sp>
+        <p:nvSpPr>
+          <p:cNvPr id="6" name="Rectangle 5">
+            <a:extLst>
+              <a:ext uri="{FF2B5EF4-FFF2-40B4-BE49-F238E27FC236}">
+                <a16:creationId xmlns:a16="http://schemas.microsoft.com/office/drawing/2014/main" id="{7AE42608-495A-41FE-BE8E-D9FA3E008F5B}"/>
+              </a:ext>
+            </a:extLst>
+          </p:cNvPr>
+          <p:cNvSpPr/>
+          <p:nvPr/>
+        </p:nvSpPr>
+        <p:spPr>
+          <a:xfrm>
+            <a:off x="355210" y="3524081"/>
+            <a:ext cx="6096000" cy="923330"/>
+          </a:xfrm>
+          <a:prstGeom prst="rect">
+            <a:avLst/>
+          </a:prstGeom>
+        </p:spPr>
+        <p:txBody>
+          <a:bodyPr>
+            <a:spAutoFit/>
+          </a:bodyPr>
+          <a:lstStyle/>
+          <a:p>
+            <a:r>
+              <a:rPr lang="en-US" dirty="0"/>
+              <a:t>##########KIRIM DATA ANALOG KE GAUGE##############</a:t>
+            </a:r>
+          </a:p>
+          <a:p>
+            <a:r>
+              <a:rPr lang="en-US" dirty="0"/>
+              <a:t>    @</a:t>
+            </a:r>
+            <a:r>
+              <a:rPr lang="en-US" dirty="0" err="1"/>
+              <a:t>pyqtSlot</a:t>
+            </a:r>
+            <a:r>
+              <a:rPr lang="en-US" dirty="0"/>
+              <a:t>(result=float)</a:t>
+            </a:r>
+          </a:p>
+          <a:p>
+            <a:r>
+              <a:rPr lang="en-US" dirty="0"/>
+              <a:t>    def </a:t>
+            </a:r>
+            <a:r>
+              <a:rPr lang="en-US" dirty="0" err="1"/>
+              <a:t>get_analog</a:t>
+            </a:r>
+            <a:r>
+              <a:rPr lang="en-US" dirty="0"/>
+              <a:t>(self):  return analog</a:t>
+            </a:r>
+          </a:p>
+        </p:txBody>
+      </p:sp>
+    </p:spTree>
+    <p:extLst>
+      <p:ext uri="{BB962C8B-B14F-4D97-AF65-F5344CB8AC3E}">
+        <p14:creationId xmlns:p14="http://schemas.microsoft.com/office/powerpoint/2010/main" val="629500011"/>
+      </p:ext>
+    </p:extLst>
+  </p:cSld>
+  <p:clrMapOvr>
+    <a:masterClrMapping/>
+  </p:clrMapOvr>
+</p:sld>
+</file>
+
+<file path=ppt/slides/slide25.xml><?xml version="1.0" encoding="utf-8"?>
+<p:sld xmlns:a="http://schemas.openxmlformats.org/drawingml/2006/main" xmlns:r="http://schemas.openxmlformats.org/officeDocument/2006/relationships" xmlns:p="http://schemas.openxmlformats.org/presentationml/2006/main">
+  <p:cSld>
+    <p:spTree>
+      <p:nvGrpSpPr>
+        <p:cNvPr id="1" name=""/>
+        <p:cNvGrpSpPr/>
+        <p:nvPr/>
+      </p:nvGrpSpPr>
+      <p:grpSpPr>
+        <a:xfrm>
+          <a:off x="0" y="0"/>
+          <a:ext cx="0" cy="0"/>
+          <a:chOff x="0" y="0"/>
+          <a:chExt cx="0" cy="0"/>
+        </a:xfrm>
+      </p:grpSpPr>
+      <p:sp>
+        <p:nvSpPr>
+          <p:cNvPr id="2" name="Title 1">
+            <a:extLst>
+              <a:ext uri="{FF2B5EF4-FFF2-40B4-BE49-F238E27FC236}">
+                <a16:creationId xmlns:a16="http://schemas.microsoft.com/office/drawing/2014/main" id="{E85F1800-529C-4D64-BC3A-994716D1322D}"/>
+              </a:ext>
+            </a:extLst>
+          </p:cNvPr>
+          <p:cNvSpPr>
+            <a:spLocks noGrp="1"/>
+          </p:cNvSpPr>
+          <p:nvPr>
+            <p:ph type="title"/>
+          </p:nvPr>
+        </p:nvSpPr>
+        <p:spPr/>
+        <p:txBody>
+          <a:bodyPr/>
+          <a:lstStyle/>
+          <a:p>
+            <a:r>
+              <a:rPr lang="en-US" dirty="0"/>
+              <a:t>4. Joystick Hats</a:t>
+            </a:r>
+          </a:p>
+        </p:txBody>
+      </p:sp>
+      <p:pic>
+        <p:nvPicPr>
+          <p:cNvPr id="4" name="Picture 3">
+            <a:extLst>
+              <a:ext uri="{FF2B5EF4-FFF2-40B4-BE49-F238E27FC236}">
+                <a16:creationId xmlns:a16="http://schemas.microsoft.com/office/drawing/2014/main" id="{06F97913-6E77-4163-AEF3-C55A1CE4E1D0}"/>
+              </a:ext>
+            </a:extLst>
+          </p:cNvPr>
+          <p:cNvPicPr>
+            <a:picLocks noChangeAspect="1"/>
+          </p:cNvPicPr>
+          <p:nvPr/>
+        </p:nvPicPr>
+        <p:blipFill rotWithShape="1">
+          <a:blip r:embed="rId2"/>
+          <a:srcRect l="7309" t="55133" r="63496" b="8742"/>
+          <a:stretch/>
+        </p:blipFill>
+        <p:spPr>
+          <a:xfrm>
+            <a:off x="571500" y="1825625"/>
+            <a:ext cx="3895266" cy="3810000"/>
+          </a:xfrm>
+          <a:prstGeom prst="rect">
+            <a:avLst/>
+          </a:prstGeom>
+        </p:spPr>
+      </p:pic>
+      <p:sp>
+        <p:nvSpPr>
+          <p:cNvPr id="5" name="Content Placeholder 2">
+            <a:extLst>
+              <a:ext uri="{FF2B5EF4-FFF2-40B4-BE49-F238E27FC236}">
+                <a16:creationId xmlns:a16="http://schemas.microsoft.com/office/drawing/2014/main" id="{6C0AD54A-B422-4AA7-857C-8C5124BC02DD}"/>
+              </a:ext>
+            </a:extLst>
+          </p:cNvPr>
+          <p:cNvSpPr>
+            <a:spLocks noGrp="1"/>
+          </p:cNvSpPr>
+          <p:nvPr>
+            <p:ph idx="1"/>
+          </p:nvPr>
+        </p:nvSpPr>
+        <p:spPr>
+          <a:xfrm>
+            <a:off x="5276851" y="1825625"/>
+            <a:ext cx="3752850" cy="4096873"/>
+          </a:xfrm>
+        </p:spPr>
+        <p:txBody>
+          <a:bodyPr>
+            <a:normAutofit/>
+          </a:bodyPr>
+          <a:lstStyle/>
+          <a:p>
+            <a:pPr marL="0" indent="0">
+              <a:buNone/>
+            </a:pPr>
+            <a:r>
+              <a:rPr lang="en-US" dirty="0"/>
+              <a:t>Rectangle{</a:t>
+            </a:r>
+          </a:p>
+          <a:p>
+            <a:pPr marL="0" indent="0">
+              <a:buNone/>
+            </a:pPr>
+            <a:r>
+              <a:rPr lang="en-US" dirty="0"/>
+              <a:t>	……</a:t>
+            </a:r>
+          </a:p>
+          <a:p>
+            <a:pPr marL="0" indent="0">
+              <a:buNone/>
+            </a:pPr>
+            <a:r>
+              <a:rPr lang="en-US" dirty="0"/>
+              <a:t>	Canvas{</a:t>
+            </a:r>
+          </a:p>
+          <a:p>
+            <a:pPr marL="0" indent="0">
+              <a:buNone/>
+            </a:pPr>
+            <a:r>
+              <a:rPr lang="en-US" dirty="0"/>
+              <a:t>		………</a:t>
+            </a:r>
+          </a:p>
+          <a:p>
+            <a:pPr marL="0" indent="0">
+              <a:buNone/>
+            </a:pPr>
+            <a:r>
+              <a:rPr lang="en-US" dirty="0"/>
+              <a:t>		}</a:t>
+            </a:r>
+          </a:p>
+          <a:p>
+            <a:pPr marL="0" indent="0">
+              <a:buNone/>
+            </a:pPr>
+            <a:r>
+              <a:rPr lang="en-US" dirty="0"/>
+              <a:t>	}</a:t>
+            </a:r>
+          </a:p>
+        </p:txBody>
+      </p:sp>
+      <p:sp>
+        <p:nvSpPr>
+          <p:cNvPr id="7" name="TextBox 6">
+            <a:extLst>
+              <a:ext uri="{FF2B5EF4-FFF2-40B4-BE49-F238E27FC236}">
+                <a16:creationId xmlns:a16="http://schemas.microsoft.com/office/drawing/2014/main" id="{4F483719-3EC8-4A31-A56E-141BD88C6B15}"/>
+              </a:ext>
+            </a:extLst>
+          </p:cNvPr>
+          <p:cNvSpPr txBox="1"/>
+          <p:nvPr/>
+        </p:nvSpPr>
+        <p:spPr>
+          <a:xfrm>
+            <a:off x="4648201" y="5035460"/>
+            <a:ext cx="7181850" cy="1200329"/>
+          </a:xfrm>
+          <a:prstGeom prst="rect">
+            <a:avLst/>
+          </a:prstGeom>
+          <a:noFill/>
+        </p:spPr>
+        <p:txBody>
+          <a:bodyPr wrap="square">
+            <a:spAutoFit/>
+          </a:bodyPr>
+          <a:lstStyle/>
+          <a:p>
+            <a:r>
+              <a:rPr lang="en-US" sz="2400" dirty="0" err="1"/>
+              <a:t>Catatan</a:t>
+            </a:r>
+            <a:r>
+              <a:rPr lang="en-US" sz="2400" dirty="0"/>
+              <a:t> : </a:t>
+            </a:r>
+            <a:r>
+              <a:rPr lang="en-US" sz="2400" dirty="0" err="1"/>
+              <a:t>materi</a:t>
+            </a:r>
+            <a:r>
+              <a:rPr lang="en-US" sz="2400" dirty="0"/>
+              <a:t> </a:t>
+            </a:r>
+            <a:r>
+              <a:rPr lang="en-US" sz="2400" dirty="0" err="1"/>
+              <a:t>detailnya</a:t>
+            </a:r>
+            <a:r>
+              <a:rPr lang="en-US" sz="2400" dirty="0"/>
+              <a:t> </a:t>
+            </a:r>
+            <a:r>
+              <a:rPr lang="en-US" sz="2400" dirty="0" err="1"/>
+              <a:t>pengembangan</a:t>
+            </a:r>
+            <a:r>
+              <a:rPr lang="en-US" sz="2400" dirty="0"/>
+              <a:t> </a:t>
+            </a:r>
+            <a:r>
+              <a:rPr lang="en-US" sz="2400" dirty="0" err="1"/>
+              <a:t>dari</a:t>
+            </a:r>
+            <a:r>
+              <a:rPr lang="en-US" sz="2400" dirty="0"/>
+              <a:t> </a:t>
+            </a:r>
+            <a:r>
+              <a:rPr lang="en-US" sz="2400" dirty="0" err="1"/>
+              <a:t>materi</a:t>
+            </a:r>
+            <a:r>
+              <a:rPr lang="en-US" sz="2400" dirty="0"/>
+              <a:t> variable transfer. Goal </a:t>
+            </a:r>
+            <a:r>
+              <a:rPr lang="en-US" sz="2400" dirty="0" err="1"/>
+              <a:t>nya</a:t>
+            </a:r>
+            <a:r>
+              <a:rPr lang="en-US" sz="2400" dirty="0"/>
+              <a:t> Ketika </a:t>
+            </a:r>
+            <a:r>
+              <a:rPr lang="en-US" sz="2400" dirty="0" err="1"/>
+              <a:t>tombol</a:t>
+            </a:r>
+            <a:r>
+              <a:rPr lang="en-US" sz="2400" dirty="0"/>
+              <a:t> joystick </a:t>
+            </a:r>
+            <a:r>
+              <a:rPr lang="en-US" sz="2400" dirty="0" err="1"/>
+              <a:t>ditekan</a:t>
+            </a:r>
+            <a:r>
+              <a:rPr lang="en-US" sz="2400" dirty="0"/>
+              <a:t> </a:t>
+            </a:r>
+            <a:r>
+              <a:rPr lang="en-US" sz="2400" dirty="0" err="1"/>
+              <a:t>maka</a:t>
+            </a:r>
+            <a:r>
+              <a:rPr lang="en-US" sz="2400" dirty="0"/>
+              <a:t> </a:t>
+            </a:r>
+            <a:r>
+              <a:rPr lang="en-US" sz="2400" dirty="0" err="1"/>
+              <a:t>segitiga</a:t>
+            </a:r>
+            <a:r>
+              <a:rPr lang="en-US" sz="2400" dirty="0"/>
+              <a:t> </a:t>
+            </a:r>
+            <a:r>
+              <a:rPr lang="en-US" sz="2400" dirty="0" err="1"/>
+              <a:t>akan</a:t>
+            </a:r>
+            <a:r>
+              <a:rPr lang="en-US" sz="2400" dirty="0"/>
+              <a:t> </a:t>
+            </a:r>
+            <a:r>
+              <a:rPr lang="en-US" sz="2400" dirty="0" err="1"/>
+              <a:t>berubah</a:t>
+            </a:r>
+            <a:r>
+              <a:rPr lang="en-US" sz="2400" dirty="0"/>
+              <a:t> </a:t>
+            </a:r>
+            <a:r>
+              <a:rPr lang="en-US" sz="2400" dirty="0" err="1"/>
+              <a:t>warna</a:t>
+            </a:r>
+            <a:endParaRPr lang="en-US" sz="2400" dirty="0"/>
+          </a:p>
+        </p:txBody>
+      </p:sp>
+    </p:spTree>
+    <p:extLst>
+      <p:ext uri="{BB962C8B-B14F-4D97-AF65-F5344CB8AC3E}">
+        <p14:creationId xmlns:p14="http://schemas.microsoft.com/office/powerpoint/2010/main" val="1026273934"/>
+      </p:ext>
+    </p:extLst>
+  </p:cSld>
+  <p:clrMapOvr>
+    <a:masterClrMapping/>
+  </p:clrMapOvr>
+</p:sld>
+</file>
+
+<file path=ppt/slides/slide26.xml><?xml version="1.0" encoding="utf-8"?>
+<p:sld xmlns:a="http://schemas.openxmlformats.org/drawingml/2006/main" xmlns:r="http://schemas.openxmlformats.org/officeDocument/2006/relationships" xmlns:p="http://schemas.openxmlformats.org/presentationml/2006/main">
+  <p:cSld>
+    <p:spTree>
+      <p:nvGrpSpPr>
+        <p:cNvPr id="1" name=""/>
+        <p:cNvGrpSpPr/>
+        <p:nvPr/>
+      </p:nvGrpSpPr>
+      <p:grpSpPr>
+        <a:xfrm>
+          <a:off x="0" y="0"/>
+          <a:ext cx="0" cy="0"/>
+          <a:chOff x="0" y="0"/>
+          <a:chExt cx="0" cy="0"/>
+        </a:xfrm>
+      </p:grpSpPr>
+      <p:sp>
+        <p:nvSpPr>
+          <p:cNvPr id="2" name="Title 1">
+            <a:extLst>
+              <a:ext uri="{FF2B5EF4-FFF2-40B4-BE49-F238E27FC236}">
+                <a16:creationId xmlns:a16="http://schemas.microsoft.com/office/drawing/2014/main" id="{D0F4F6BA-0CFF-4C77-8C84-E5D946FADA14}"/>
+              </a:ext>
+            </a:extLst>
+          </p:cNvPr>
+          <p:cNvSpPr>
+            <a:spLocks noGrp="1"/>
+          </p:cNvSpPr>
+          <p:nvPr>
+            <p:ph type="title"/>
+          </p:nvPr>
+        </p:nvSpPr>
+        <p:spPr/>
+        <p:txBody>
+          <a:bodyPr/>
+          <a:lstStyle/>
+          <a:p>
             <a:endParaRPr lang="en-US"/>
+          </a:p>
+        </p:txBody>
+      </p:sp>
+      <p:sp>
+        <p:nvSpPr>
+          <p:cNvPr id="5" name="TextBox 4">
+            <a:extLst>
+              <a:ext uri="{FF2B5EF4-FFF2-40B4-BE49-F238E27FC236}">
+                <a16:creationId xmlns:a16="http://schemas.microsoft.com/office/drawing/2014/main" id="{6B4AC89B-66F8-4A90-9110-A2EE0CD6B9CA}"/>
+              </a:ext>
+            </a:extLst>
+          </p:cNvPr>
+          <p:cNvSpPr txBox="1"/>
+          <p:nvPr/>
+        </p:nvSpPr>
+        <p:spPr>
+          <a:xfrm>
+            <a:off x="209550" y="1908393"/>
+            <a:ext cx="4095750" cy="2862322"/>
+          </a:xfrm>
+          <a:prstGeom prst="rect">
+            <a:avLst/>
+          </a:prstGeom>
+          <a:noFill/>
+        </p:spPr>
+        <p:txBody>
+          <a:bodyPr wrap="square">
+            <a:spAutoFit/>
+          </a:bodyPr>
+          <a:lstStyle/>
+          <a:p>
+            <a:r>
+              <a:rPr lang="en-US" dirty="0"/>
+              <a:t>Rectangle{</a:t>
+            </a:r>
+          </a:p>
+          <a:p>
+            <a:r>
+              <a:rPr lang="en-US" dirty="0"/>
+              <a:t>		//</a:t>
+            </a:r>
+            <a:r>
+              <a:rPr lang="en-US" dirty="0" err="1"/>
+              <a:t>bawah</a:t>
+            </a:r>
+            <a:endParaRPr lang="en-US" dirty="0"/>
+          </a:p>
+          <a:p>
+            <a:r>
+              <a:rPr lang="en-US" dirty="0"/>
+              <a:t>		x: 130</a:t>
+            </a:r>
+          </a:p>
+          <a:p>
+            <a:r>
+              <a:rPr lang="en-US" dirty="0"/>
+              <a:t>		y: 420</a:t>
+            </a:r>
+          </a:p>
+          <a:p>
+            <a:r>
+              <a:rPr lang="en-US" dirty="0"/>
+              <a:t>		width : 70</a:t>
+            </a:r>
+          </a:p>
+          <a:p>
+            <a:r>
+              <a:rPr lang="en-US" dirty="0"/>
+              <a:t>		height : 70</a:t>
+            </a:r>
+          </a:p>
+          <a:p>
+            <a:r>
+              <a:rPr lang="en-US" dirty="0"/>
+              <a:t>		color : "transparent"</a:t>
+            </a:r>
+          </a:p>
+          <a:p>
+            <a:r>
+              <a:rPr lang="en-US" dirty="0"/>
+              <a:t>		rotation  : 180</a:t>
+            </a:r>
+          </a:p>
+          <a:p>
+            <a:r>
+              <a:rPr lang="en-US" dirty="0"/>
+              <a:t>	}</a:t>
+            </a:r>
+          </a:p>
+          <a:p>
+            <a:r>
+              <a:rPr lang="en-US" dirty="0"/>
+              <a:t>	</a:t>
+            </a:r>
+          </a:p>
+        </p:txBody>
+      </p:sp>
+      <p:sp>
+        <p:nvSpPr>
+          <p:cNvPr id="7" name="TextBox 6">
+            <a:extLst>
+              <a:ext uri="{FF2B5EF4-FFF2-40B4-BE49-F238E27FC236}">
+                <a16:creationId xmlns:a16="http://schemas.microsoft.com/office/drawing/2014/main" id="{FFABBFFA-3459-4886-8D8F-2DAEC377CD51}"/>
+              </a:ext>
+            </a:extLst>
+          </p:cNvPr>
+          <p:cNvSpPr txBox="1"/>
+          <p:nvPr/>
+        </p:nvSpPr>
+        <p:spPr>
+          <a:xfrm>
+            <a:off x="5634038" y="1908393"/>
+            <a:ext cx="6124574" cy="5078313"/>
+          </a:xfrm>
+          <a:prstGeom prst="rect">
+            <a:avLst/>
+          </a:prstGeom>
+          <a:noFill/>
+        </p:spPr>
+        <p:txBody>
+          <a:bodyPr wrap="square">
+            <a:spAutoFit/>
+          </a:bodyPr>
+          <a:lstStyle/>
+          <a:p>
+            <a:r>
+              <a:rPr lang="en-US" dirty="0"/>
+              <a:t>Canvas {</a:t>
+            </a:r>
+          </a:p>
+          <a:p>
+            <a:r>
+              <a:rPr lang="en-US" dirty="0"/>
+              <a:t>        id : </a:t>
+            </a:r>
+            <a:r>
+              <a:rPr lang="en-US" dirty="0" err="1"/>
+              <a:t>down_canv</a:t>
+            </a:r>
+            <a:endParaRPr lang="en-US" dirty="0"/>
+          </a:p>
+          <a:p>
+            <a:r>
+              <a:rPr lang="en-US" dirty="0"/>
+              <a:t>        width: </a:t>
+            </a:r>
+            <a:r>
+              <a:rPr lang="en-US" dirty="0" err="1"/>
+              <a:t>parent.width</a:t>
+            </a:r>
+            <a:r>
+              <a:rPr lang="en-US" dirty="0"/>
+              <a:t> ; height: </a:t>
+            </a:r>
+            <a:r>
+              <a:rPr lang="en-US" dirty="0" err="1"/>
+              <a:t>parent.height</a:t>
+            </a:r>
+            <a:endParaRPr lang="en-US" dirty="0"/>
+          </a:p>
+          <a:p>
+            <a:r>
+              <a:rPr lang="en-US" dirty="0"/>
+              <a:t>        </a:t>
+            </a:r>
+            <a:r>
+              <a:rPr lang="en-US" dirty="0" err="1"/>
+              <a:t>anchors.centerIn</a:t>
+            </a:r>
+            <a:r>
+              <a:rPr lang="en-US" dirty="0"/>
+              <a:t>: parent		</a:t>
+            </a:r>
+          </a:p>
+          <a:p>
+            <a:r>
+              <a:rPr lang="en-US" dirty="0"/>
+              <a:t>        </a:t>
+            </a:r>
+            <a:r>
+              <a:rPr lang="en-US" dirty="0" err="1"/>
+              <a:t>onPaint</a:t>
+            </a:r>
+            <a:r>
+              <a:rPr lang="en-US" dirty="0"/>
+              <a:t>: {</a:t>
+            </a:r>
+          </a:p>
+          <a:p>
+            <a:r>
+              <a:rPr lang="en-US" dirty="0"/>
+              <a:t>            var </a:t>
+            </a:r>
+            <a:r>
+              <a:rPr lang="en-US" dirty="0" err="1"/>
+              <a:t>ctx</a:t>
+            </a:r>
+            <a:r>
+              <a:rPr lang="en-US" dirty="0"/>
+              <a:t> = </a:t>
+            </a:r>
+            <a:r>
+              <a:rPr lang="en-US" dirty="0" err="1"/>
+              <a:t>getContext</a:t>
+            </a:r>
+            <a:r>
+              <a:rPr lang="en-US" dirty="0"/>
+              <a:t>("2d")</a:t>
+            </a:r>
+          </a:p>
+          <a:p>
+            <a:r>
+              <a:rPr lang="en-US" dirty="0"/>
+              <a:t>            </a:t>
+            </a:r>
+            <a:r>
+              <a:rPr lang="en-US" dirty="0" err="1"/>
+              <a:t>ctx.beginPath</a:t>
+            </a:r>
+            <a:r>
+              <a:rPr lang="en-US" dirty="0"/>
+              <a:t>();</a:t>
+            </a:r>
+          </a:p>
+          <a:p>
+            <a:r>
+              <a:rPr lang="en-US" dirty="0"/>
+              <a:t>            </a:t>
+            </a:r>
+            <a:r>
+              <a:rPr lang="en-US" dirty="0" err="1"/>
+              <a:t>ctx.moveTo</a:t>
+            </a:r>
+            <a:r>
+              <a:rPr lang="en-US" dirty="0"/>
+              <a:t>((width )/2, 10);</a:t>
+            </a:r>
+          </a:p>
+          <a:p>
+            <a:r>
+              <a:rPr lang="en-US" dirty="0"/>
+              <a:t>            </a:t>
+            </a:r>
+            <a:r>
+              <a:rPr lang="en-US" dirty="0" err="1"/>
+              <a:t>ctx.lineTo</a:t>
+            </a:r>
+            <a:r>
+              <a:rPr lang="en-US" dirty="0"/>
+              <a:t>(10, 60);</a:t>
+            </a:r>
+          </a:p>
+          <a:p>
+            <a:r>
+              <a:rPr lang="en-US" dirty="0"/>
+              <a:t>            </a:t>
+            </a:r>
+            <a:r>
+              <a:rPr lang="en-US" dirty="0" err="1"/>
+              <a:t>ctx.lineTo</a:t>
+            </a:r>
+            <a:r>
+              <a:rPr lang="en-US" dirty="0"/>
+              <a:t>(width - 10 , 60);</a:t>
+            </a:r>
+          </a:p>
+          <a:p>
+            <a:r>
+              <a:rPr lang="en-US" dirty="0"/>
+              <a:t>            </a:t>
+            </a:r>
+            <a:r>
+              <a:rPr lang="en-US" dirty="0" err="1"/>
+              <a:t>ctx.closePath</a:t>
+            </a:r>
+            <a:r>
+              <a:rPr lang="en-US" dirty="0"/>
+              <a:t>();</a:t>
+            </a:r>
+          </a:p>
+          <a:p>
+            <a:r>
+              <a:rPr lang="en-US" dirty="0"/>
+              <a:t>            </a:t>
+            </a:r>
+            <a:r>
+              <a:rPr lang="en-US" dirty="0" err="1"/>
+              <a:t>ctx.lineWidth</a:t>
+            </a:r>
+            <a:r>
+              <a:rPr lang="en-US" dirty="0"/>
+              <a:t> = 10;</a:t>
+            </a:r>
+          </a:p>
+          <a:p>
+            <a:r>
+              <a:rPr lang="en-US" dirty="0"/>
+              <a:t>            </a:t>
+            </a:r>
+            <a:r>
+              <a:rPr lang="en-US" dirty="0" err="1"/>
+              <a:t>ctx.strokeStyle</a:t>
+            </a:r>
+            <a:r>
+              <a:rPr lang="en-US" dirty="0"/>
+              <a:t> = 'white';</a:t>
+            </a:r>
+          </a:p>
+          <a:p>
+            <a:r>
+              <a:rPr lang="en-US" dirty="0"/>
+              <a:t>            </a:t>
+            </a:r>
+            <a:r>
+              <a:rPr lang="en-US" dirty="0" err="1"/>
+              <a:t>ctx.stroke</a:t>
+            </a:r>
+            <a:r>
+              <a:rPr lang="en-US" dirty="0"/>
+              <a:t>();</a:t>
+            </a:r>
+          </a:p>
+          <a:p>
+            <a:r>
+              <a:rPr lang="en-US" dirty="0"/>
+              <a:t>            </a:t>
+            </a:r>
+            <a:r>
+              <a:rPr lang="en-US" dirty="0" err="1"/>
+              <a:t>ctx.fillStyle</a:t>
+            </a:r>
+            <a:r>
+              <a:rPr lang="en-US" dirty="0"/>
+              <a:t> = </a:t>
+            </a:r>
+            <a:r>
+              <a:rPr lang="en-US" dirty="0" err="1"/>
+              <a:t>plotColordown</a:t>
+            </a:r>
+            <a:r>
+              <a:rPr lang="en-US" dirty="0"/>
+              <a:t>;</a:t>
+            </a:r>
+          </a:p>
+          <a:p>
+            <a:r>
+              <a:rPr lang="en-US" dirty="0"/>
+              <a:t>            </a:t>
+            </a:r>
+            <a:r>
+              <a:rPr lang="en-US" dirty="0" err="1"/>
+              <a:t>ctx.fill</a:t>
+            </a:r>
+            <a:r>
+              <a:rPr lang="en-US" dirty="0"/>
+              <a:t>();</a:t>
+            </a:r>
+          </a:p>
+          <a:p>
+            <a:r>
+              <a:rPr lang="en-US" dirty="0"/>
+              <a:t>        }</a:t>
+            </a:r>
+          </a:p>
+          <a:p>
+            <a:r>
+              <a:rPr lang="en-US" dirty="0"/>
+              <a:t>}</a:t>
+            </a:r>
+          </a:p>
+        </p:txBody>
+      </p:sp>
+      <p:sp>
+        <p:nvSpPr>
+          <p:cNvPr id="9" name="TextBox 8">
+            <a:extLst>
+              <a:ext uri="{FF2B5EF4-FFF2-40B4-BE49-F238E27FC236}">
+                <a16:creationId xmlns:a16="http://schemas.microsoft.com/office/drawing/2014/main" id="{BD0B2DF2-CFA3-4C28-B38C-C1C629E4A402}"/>
+              </a:ext>
+            </a:extLst>
+          </p:cNvPr>
+          <p:cNvSpPr txBox="1"/>
+          <p:nvPr/>
+        </p:nvSpPr>
+        <p:spPr>
+          <a:xfrm>
+            <a:off x="0" y="5439460"/>
+            <a:ext cx="5181600" cy="646331"/>
+          </a:xfrm>
+          <a:prstGeom prst="rect">
+            <a:avLst/>
+          </a:prstGeom>
+          <a:noFill/>
+        </p:spPr>
+        <p:txBody>
+          <a:bodyPr wrap="square">
+            <a:spAutoFit/>
+          </a:bodyPr>
+          <a:lstStyle/>
+          <a:p>
+            <a:r>
+              <a:rPr lang="en-US" dirty="0"/>
+              <a:t>property color </a:t>
+            </a:r>
+            <a:r>
+              <a:rPr lang="en-US" dirty="0" err="1"/>
+              <a:t>plotColordown</a:t>
+            </a:r>
+            <a:r>
+              <a:rPr lang="en-US" dirty="0"/>
+              <a:t> : "blue"</a:t>
+            </a:r>
+          </a:p>
+          <a:p>
+            <a:r>
+              <a:rPr lang="en-US" dirty="0" err="1"/>
+              <a:t>onPlotColordownChanged</a:t>
+            </a:r>
+            <a:r>
+              <a:rPr lang="en-US" dirty="0"/>
+              <a:t>: </a:t>
+            </a:r>
+            <a:r>
+              <a:rPr lang="en-US" dirty="0" err="1"/>
+              <a:t>down_canv.requestPaint</a:t>
+            </a:r>
+            <a:r>
+              <a:rPr lang="en-US" dirty="0"/>
+              <a:t>()</a:t>
+            </a:r>
+          </a:p>
+        </p:txBody>
+      </p:sp>
+    </p:spTree>
+    <p:extLst>
+      <p:ext uri="{BB962C8B-B14F-4D97-AF65-F5344CB8AC3E}">
+        <p14:creationId xmlns:p14="http://schemas.microsoft.com/office/powerpoint/2010/main" val="4196545019"/>
+      </p:ext>
+    </p:extLst>
+  </p:cSld>
+  <p:clrMapOvr>
+    <a:masterClrMapping/>
+  </p:clrMapOvr>
+</p:sld>
+</file>
+
+<file path=ppt/slides/slide27.xml><?xml version="1.0" encoding="utf-8"?>
+<p:sld xmlns:a="http://schemas.openxmlformats.org/drawingml/2006/main" xmlns:r="http://schemas.openxmlformats.org/officeDocument/2006/relationships" xmlns:p="http://schemas.openxmlformats.org/presentationml/2006/main">
+  <p:cSld>
+    <p:spTree>
+      <p:nvGrpSpPr>
+        <p:cNvPr id="1" name=""/>
+        <p:cNvGrpSpPr/>
+        <p:nvPr/>
+      </p:nvGrpSpPr>
+      <p:grpSpPr>
+        <a:xfrm>
+          <a:off x="0" y="0"/>
+          <a:ext cx="0" cy="0"/>
+          <a:chOff x="0" y="0"/>
+          <a:chExt cx="0" cy="0"/>
+        </a:xfrm>
+      </p:grpSpPr>
+      <p:sp>
+        <p:nvSpPr>
+          <p:cNvPr id="2" name="Title 1">
+            <a:extLst>
+              <a:ext uri="{FF2B5EF4-FFF2-40B4-BE49-F238E27FC236}">
+                <a16:creationId xmlns:a16="http://schemas.microsoft.com/office/drawing/2014/main" id="{5A376D37-7156-468A-B570-8E86417B583C}"/>
+              </a:ext>
+            </a:extLst>
+          </p:cNvPr>
+          <p:cNvSpPr>
+            <a:spLocks noGrp="1"/>
+          </p:cNvSpPr>
+          <p:nvPr>
+            <p:ph type="title"/>
+          </p:nvPr>
+        </p:nvSpPr>
+        <p:spPr/>
+        <p:txBody>
+          <a:bodyPr/>
+          <a:lstStyle/>
+          <a:p>
+            <a:r>
+              <a:rPr lang="en-US" dirty="0"/>
+              <a:t>5. Joystick Axes</a:t>
+            </a:r>
+          </a:p>
+        </p:txBody>
+      </p:sp>
+      <p:pic>
+        <p:nvPicPr>
+          <p:cNvPr id="4" name="Picture 3">
+            <a:extLst>
+              <a:ext uri="{FF2B5EF4-FFF2-40B4-BE49-F238E27FC236}">
+                <a16:creationId xmlns:a16="http://schemas.microsoft.com/office/drawing/2014/main" id="{DA24437A-9E97-41C7-B385-433C6C174526}"/>
+              </a:ext>
+            </a:extLst>
+          </p:cNvPr>
+          <p:cNvPicPr>
+            <a:picLocks noChangeAspect="1"/>
+          </p:cNvPicPr>
+          <p:nvPr/>
+        </p:nvPicPr>
+        <p:blipFill rotWithShape="1">
+          <a:blip r:embed="rId2"/>
+          <a:srcRect l="36008" t="67487" r="39006" b="19944"/>
+          <a:stretch/>
+        </p:blipFill>
+        <p:spPr>
+          <a:xfrm>
+            <a:off x="838200" y="2675731"/>
+            <a:ext cx="3333750" cy="1325563"/>
+          </a:xfrm>
+          <a:prstGeom prst="rect">
+            <a:avLst/>
+          </a:prstGeom>
+        </p:spPr>
+      </p:pic>
+      <p:sp>
+        <p:nvSpPr>
+          <p:cNvPr id="6" name="TextBox 5">
+            <a:extLst>
+              <a:ext uri="{FF2B5EF4-FFF2-40B4-BE49-F238E27FC236}">
+                <a16:creationId xmlns:a16="http://schemas.microsoft.com/office/drawing/2014/main" id="{08667DA6-7CE1-44D0-8743-B80B62A8CE03}"/>
+              </a:ext>
+            </a:extLst>
+          </p:cNvPr>
+          <p:cNvSpPr txBox="1"/>
+          <p:nvPr/>
+        </p:nvSpPr>
+        <p:spPr>
+          <a:xfrm>
+            <a:off x="5467350" y="1907351"/>
+            <a:ext cx="3333750" cy="2862322"/>
+          </a:xfrm>
+          <a:prstGeom prst="rect">
+            <a:avLst/>
+          </a:prstGeom>
+          <a:noFill/>
+        </p:spPr>
+        <p:txBody>
+          <a:bodyPr wrap="square">
+            <a:spAutoFit/>
+          </a:bodyPr>
+          <a:lstStyle/>
+          <a:p>
+            <a:r>
+              <a:rPr lang="en-US" dirty="0"/>
+              <a:t>Rectangle {</a:t>
+            </a:r>
+          </a:p>
+          <a:p>
+            <a:r>
+              <a:rPr lang="en-US" dirty="0"/>
+              <a:t>     id : axis1</a:t>
+            </a:r>
+          </a:p>
+          <a:p>
+            <a:r>
+              <a:rPr lang="en-US" dirty="0"/>
+              <a:t>     width: 50</a:t>
+            </a:r>
+          </a:p>
+          <a:p>
+            <a:r>
+              <a:rPr lang="en-US" dirty="0"/>
+              <a:t>     height: 50</a:t>
+            </a:r>
+          </a:p>
+          <a:p>
+            <a:r>
+              <a:rPr lang="en-US" dirty="0"/>
+              <a:t>     color: "#122e55"</a:t>
+            </a:r>
+          </a:p>
+          <a:p>
+            <a:r>
+              <a:rPr lang="en-US" dirty="0"/>
+              <a:t>     </a:t>
+            </a:r>
+            <a:r>
+              <a:rPr lang="en-US" dirty="0" err="1"/>
+              <a:t>border.color</a:t>
+            </a:r>
+            <a:r>
+              <a:rPr lang="en-US" dirty="0"/>
+              <a:t>: "white"</a:t>
+            </a:r>
+          </a:p>
+          <a:p>
+            <a:r>
+              <a:rPr lang="en-US" dirty="0"/>
+              <a:t>     </a:t>
+            </a:r>
+            <a:r>
+              <a:rPr lang="en-US" dirty="0" err="1"/>
+              <a:t>border.width</a:t>
+            </a:r>
+            <a:r>
+              <a:rPr lang="en-US" dirty="0"/>
+              <a:t>: 2</a:t>
+            </a:r>
+          </a:p>
+          <a:p>
+            <a:r>
+              <a:rPr lang="en-US" dirty="0"/>
+              <a:t>     radius: width*0.5</a:t>
+            </a:r>
+          </a:p>
+          <a:p>
+            <a:r>
+              <a:rPr lang="en-US" dirty="0"/>
+              <a:t>    </a:t>
+            </a:r>
+          </a:p>
+          <a:p>
+            <a:r>
+              <a:rPr lang="en-US" dirty="0"/>
+              <a:t>}</a:t>
+            </a:r>
+          </a:p>
+        </p:txBody>
+      </p:sp>
+      <p:sp>
+        <p:nvSpPr>
+          <p:cNvPr id="7" name="TextBox 6">
+            <a:extLst>
+              <a:ext uri="{FF2B5EF4-FFF2-40B4-BE49-F238E27FC236}">
+                <a16:creationId xmlns:a16="http://schemas.microsoft.com/office/drawing/2014/main" id="{CD7EC4A9-5882-4233-9A0F-62019C463C02}"/>
+              </a:ext>
+            </a:extLst>
+          </p:cNvPr>
+          <p:cNvSpPr txBox="1"/>
+          <p:nvPr/>
+        </p:nvSpPr>
+        <p:spPr>
+          <a:xfrm>
+            <a:off x="4648201" y="5035460"/>
+            <a:ext cx="7181850" cy="1200329"/>
+          </a:xfrm>
+          <a:prstGeom prst="rect">
+            <a:avLst/>
+          </a:prstGeom>
+          <a:noFill/>
+        </p:spPr>
+        <p:txBody>
+          <a:bodyPr wrap="square">
+            <a:spAutoFit/>
+          </a:bodyPr>
+          <a:lstStyle/>
+          <a:p>
+            <a:r>
+              <a:rPr lang="en-US" sz="2400" dirty="0" err="1"/>
+              <a:t>Catatan</a:t>
+            </a:r>
+            <a:r>
+              <a:rPr lang="en-US" sz="2400" dirty="0"/>
+              <a:t> : Goal </a:t>
+            </a:r>
+            <a:r>
+              <a:rPr lang="en-US" sz="2400" dirty="0" err="1"/>
+              <a:t>nya</a:t>
+            </a:r>
+            <a:r>
+              <a:rPr lang="en-US" sz="2400" dirty="0"/>
+              <a:t> Ketika </a:t>
+            </a:r>
+            <a:r>
+              <a:rPr lang="en-US" sz="2400" dirty="0" err="1"/>
+              <a:t>tombol</a:t>
+            </a:r>
+            <a:r>
+              <a:rPr lang="en-US" sz="2400" dirty="0"/>
+              <a:t> joystick </a:t>
+            </a:r>
+            <a:r>
+              <a:rPr lang="en-US" sz="2400" dirty="0" err="1"/>
+              <a:t>ditekan</a:t>
+            </a:r>
+            <a:r>
+              <a:rPr lang="en-US" sz="2400" dirty="0"/>
+              <a:t> </a:t>
+            </a:r>
+            <a:r>
+              <a:rPr lang="en-US" sz="2400" dirty="0" err="1"/>
+              <a:t>maka</a:t>
+            </a:r>
+            <a:r>
+              <a:rPr lang="en-US" sz="2400" dirty="0"/>
+              <a:t> </a:t>
+            </a:r>
+            <a:r>
+              <a:rPr lang="en-US" sz="2400" dirty="0" err="1"/>
+              <a:t>lingkaran</a:t>
+            </a:r>
+            <a:r>
+              <a:rPr lang="en-US" sz="2400" dirty="0"/>
+              <a:t> </a:t>
+            </a:r>
+            <a:r>
+              <a:rPr lang="en-US" sz="2400" dirty="0" err="1"/>
+              <a:t>akan</a:t>
+            </a:r>
+            <a:r>
+              <a:rPr lang="en-US" sz="2400" dirty="0"/>
+              <a:t> </a:t>
+            </a:r>
+            <a:r>
+              <a:rPr lang="en-US" sz="2400" dirty="0" err="1"/>
+              <a:t>berubah</a:t>
+            </a:r>
+            <a:r>
+              <a:rPr lang="en-US" sz="2400" dirty="0"/>
+              <a:t> </a:t>
+            </a:r>
+            <a:r>
+              <a:rPr lang="en-US" sz="2400" dirty="0" err="1"/>
+              <a:t>warna</a:t>
+            </a:r>
+            <a:r>
+              <a:rPr lang="en-US" sz="2400" dirty="0"/>
+              <a:t> dan </a:t>
+            </a:r>
+            <a:r>
+              <a:rPr lang="en-US" sz="2400" dirty="0" err="1"/>
+              <a:t>apabila</a:t>
+            </a:r>
+            <a:r>
+              <a:rPr lang="en-US" sz="2400" dirty="0"/>
+              <a:t> analog </a:t>
+            </a:r>
+            <a:r>
+              <a:rPr lang="en-US" sz="2400" dirty="0" err="1"/>
+              <a:t>dipindah</a:t>
+            </a:r>
+            <a:r>
+              <a:rPr lang="en-US" sz="2400" dirty="0"/>
+              <a:t> </a:t>
+            </a:r>
+            <a:r>
+              <a:rPr lang="en-US" sz="2400" dirty="0" err="1"/>
+              <a:t>maka</a:t>
+            </a:r>
+            <a:r>
+              <a:rPr lang="en-US" sz="2400" dirty="0"/>
+              <a:t> </a:t>
+            </a:r>
+            <a:r>
+              <a:rPr lang="en-US" sz="2400" dirty="0" err="1"/>
+              <a:t>posisi</a:t>
+            </a:r>
+            <a:r>
+              <a:rPr lang="en-US" sz="2400" dirty="0"/>
+              <a:t> </a:t>
+            </a:r>
+            <a:r>
+              <a:rPr lang="en-US" sz="2400" dirty="0" err="1"/>
+              <a:t>lingkaran</a:t>
+            </a:r>
+            <a:r>
+              <a:rPr lang="en-US" sz="2400" dirty="0"/>
+              <a:t> </a:t>
+            </a:r>
+            <a:r>
+              <a:rPr lang="en-US" sz="2400" dirty="0" err="1"/>
+              <a:t>berpindah</a:t>
+            </a:r>
+            <a:r>
+              <a:rPr lang="en-US" sz="2400" dirty="0"/>
+              <a:t> </a:t>
+            </a:r>
+          </a:p>
+        </p:txBody>
+      </p:sp>
+    </p:spTree>
+    <p:extLst>
+      <p:ext uri="{BB962C8B-B14F-4D97-AF65-F5344CB8AC3E}">
+        <p14:creationId xmlns:p14="http://schemas.microsoft.com/office/powerpoint/2010/main" val="4218124205"/>
+      </p:ext>
+    </p:extLst>
+  </p:cSld>
+  <p:clrMapOvr>
+    <a:masterClrMapping/>
+  </p:clrMapOvr>
+</p:sld>
+</file>
+
+<file path=ppt/slides/slide28.xml><?xml version="1.0" encoding="utf-8"?>
+<p:sld xmlns:a="http://schemas.openxmlformats.org/drawingml/2006/main" xmlns:r="http://schemas.openxmlformats.org/officeDocument/2006/relationships" xmlns:p="http://schemas.openxmlformats.org/presentationml/2006/main">
+  <p:cSld>
+    <p:spTree>
+      <p:nvGrpSpPr>
+        <p:cNvPr id="1" name=""/>
+        <p:cNvGrpSpPr/>
+        <p:nvPr/>
+      </p:nvGrpSpPr>
+      <p:grpSpPr>
+        <a:xfrm>
+          <a:off x="0" y="0"/>
+          <a:ext cx="0" cy="0"/>
+          <a:chOff x="0" y="0"/>
+          <a:chExt cx="0" cy="0"/>
+        </a:xfrm>
+      </p:grpSpPr>
+      <p:sp>
+        <p:nvSpPr>
+          <p:cNvPr id="2" name="Title 1">
+            <a:extLst>
+              <a:ext uri="{FF2B5EF4-FFF2-40B4-BE49-F238E27FC236}">
+                <a16:creationId xmlns:a16="http://schemas.microsoft.com/office/drawing/2014/main" id="{A56AF4B2-24CD-4DBF-92FD-1E24BCA5F19F}"/>
+              </a:ext>
+            </a:extLst>
+          </p:cNvPr>
+          <p:cNvSpPr>
+            <a:spLocks noGrp="1"/>
+          </p:cNvSpPr>
+          <p:nvPr>
+            <p:ph type="title"/>
+          </p:nvPr>
+        </p:nvSpPr>
+        <p:spPr/>
+        <p:txBody>
+          <a:bodyPr/>
+          <a:lstStyle/>
+          <a:p>
+            <a:r>
+              <a:rPr lang="en-US" dirty="0"/>
+              <a:t>MQTT Integration</a:t>
+            </a:r>
+          </a:p>
+        </p:txBody>
+      </p:sp>
+      <p:pic>
+        <p:nvPicPr>
+          <p:cNvPr id="5" name="Picture 4">
+            <a:extLst>
+              <a:ext uri="{FF2B5EF4-FFF2-40B4-BE49-F238E27FC236}">
+                <a16:creationId xmlns:a16="http://schemas.microsoft.com/office/drawing/2014/main" id="{936A62CC-A2B0-4DDC-93C0-AC316110C1F7}"/>
+              </a:ext>
+            </a:extLst>
+          </p:cNvPr>
+          <p:cNvPicPr>
+            <a:picLocks noChangeAspect="1"/>
+          </p:cNvPicPr>
+          <p:nvPr/>
+        </p:nvPicPr>
+        <p:blipFill>
+          <a:blip r:embed="rId2"/>
+          <a:stretch>
+            <a:fillRect/>
+          </a:stretch>
+        </p:blipFill>
+        <p:spPr>
+          <a:xfrm>
+            <a:off x="6366135" y="2937792"/>
+            <a:ext cx="5825865" cy="3920208"/>
+          </a:xfrm>
+          <a:prstGeom prst="rect">
+            <a:avLst/>
+          </a:prstGeom>
+        </p:spPr>
+      </p:pic>
+      <p:pic>
+        <p:nvPicPr>
+          <p:cNvPr id="6" name="Picture 5">
+            <a:extLst>
+              <a:ext uri="{FF2B5EF4-FFF2-40B4-BE49-F238E27FC236}">
+                <a16:creationId xmlns:a16="http://schemas.microsoft.com/office/drawing/2014/main" id="{1939FB57-C920-4F8F-9049-FF715AAB8639}"/>
+              </a:ext>
+            </a:extLst>
+          </p:cNvPr>
+          <p:cNvPicPr>
+            <a:picLocks noChangeAspect="1"/>
+          </p:cNvPicPr>
+          <p:nvPr/>
+        </p:nvPicPr>
+        <p:blipFill>
+          <a:blip r:embed="rId3"/>
+          <a:stretch>
+            <a:fillRect/>
+          </a:stretch>
+        </p:blipFill>
+        <p:spPr>
+          <a:xfrm>
+            <a:off x="142782" y="2937792"/>
+            <a:ext cx="4959000" cy="3920208"/>
+          </a:xfrm>
+          <a:prstGeom prst="rect">
+            <a:avLst/>
+          </a:prstGeom>
+        </p:spPr>
+      </p:pic>
+      <p:sp>
+        <p:nvSpPr>
+          <p:cNvPr id="7" name="TextBox 6">
+            <a:extLst>
+              <a:ext uri="{FF2B5EF4-FFF2-40B4-BE49-F238E27FC236}">
+                <a16:creationId xmlns:a16="http://schemas.microsoft.com/office/drawing/2014/main" id="{275F1611-8287-4D30-B69B-D416BCCC496E}"/>
+              </a:ext>
+            </a:extLst>
+          </p:cNvPr>
+          <p:cNvSpPr txBox="1"/>
+          <p:nvPr/>
+        </p:nvSpPr>
+        <p:spPr>
+          <a:xfrm>
+            <a:off x="2188509" y="2398426"/>
+            <a:ext cx="867545" cy="369332"/>
+          </a:xfrm>
+          <a:prstGeom prst="rect">
+            <a:avLst/>
+          </a:prstGeom>
+          <a:noFill/>
+        </p:spPr>
+        <p:txBody>
+          <a:bodyPr wrap="none" rtlCol="0">
+            <a:spAutoFit/>
+          </a:bodyPr>
+          <a:lstStyle/>
+          <a:p>
+            <a:r>
+              <a:rPr lang="en-US" dirty="0"/>
+              <a:t>publish</a:t>
+            </a:r>
+          </a:p>
+        </p:txBody>
+      </p:sp>
+      <p:sp>
+        <p:nvSpPr>
+          <p:cNvPr id="8" name="TextBox 7">
+            <a:extLst>
+              <a:ext uri="{FF2B5EF4-FFF2-40B4-BE49-F238E27FC236}">
+                <a16:creationId xmlns:a16="http://schemas.microsoft.com/office/drawing/2014/main" id="{F1714435-8289-4B0A-AB2E-BEF21750CB6E}"/>
+              </a:ext>
+            </a:extLst>
+          </p:cNvPr>
+          <p:cNvSpPr txBox="1"/>
+          <p:nvPr/>
+        </p:nvSpPr>
+        <p:spPr>
+          <a:xfrm>
+            <a:off x="8741676" y="2328259"/>
+            <a:ext cx="1074781" cy="369332"/>
+          </a:xfrm>
+          <a:prstGeom prst="rect">
+            <a:avLst/>
+          </a:prstGeom>
+          <a:noFill/>
+        </p:spPr>
+        <p:txBody>
+          <a:bodyPr wrap="none" rtlCol="0">
+            <a:spAutoFit/>
+          </a:bodyPr>
+          <a:lstStyle/>
+          <a:p>
+            <a:r>
+              <a:rPr lang="en-US" dirty="0"/>
+              <a:t>subscribe</a:t>
+            </a:r>
           </a:p>
         </p:txBody>
       </p:sp>
@@ -9075,6 +12548,154 @@
     <p:extLst>
       <p:ext uri="{BB962C8B-B14F-4D97-AF65-F5344CB8AC3E}">
         <p14:creationId xmlns:p14="http://schemas.microsoft.com/office/powerpoint/2010/main" val="3008272244"/>
+      </p:ext>
+    </p:extLst>
+  </p:cSld>
+  <p:clrMapOvr>
+    <a:masterClrMapping/>
+  </p:clrMapOvr>
+</p:sld>
+</file>
+
+<file path=ppt/slides/slide29.xml><?xml version="1.0" encoding="utf-8"?>
+<p:sld xmlns:a="http://schemas.openxmlformats.org/drawingml/2006/main" xmlns:r="http://schemas.openxmlformats.org/officeDocument/2006/relationships" xmlns:p="http://schemas.openxmlformats.org/presentationml/2006/main">
+  <p:cSld>
+    <p:spTree>
+      <p:nvGrpSpPr>
+        <p:cNvPr id="1" name=""/>
+        <p:cNvGrpSpPr/>
+        <p:nvPr/>
+      </p:nvGrpSpPr>
+      <p:grpSpPr>
+        <a:xfrm>
+          <a:off x="0" y="0"/>
+          <a:ext cx="0" cy="0"/>
+          <a:chOff x="0" y="0"/>
+          <a:chExt cx="0" cy="0"/>
+        </a:xfrm>
+      </p:grpSpPr>
+      <p:sp>
+        <p:nvSpPr>
+          <p:cNvPr id="3" name="Content Placeholder 2">
+            <a:extLst>
+              <a:ext uri="{FF2B5EF4-FFF2-40B4-BE49-F238E27FC236}">
+                <a16:creationId xmlns:a16="http://schemas.microsoft.com/office/drawing/2014/main" id="{C53FB7B6-7FD1-4C4C-923C-A29A84D60856}"/>
+              </a:ext>
+            </a:extLst>
+          </p:cNvPr>
+          <p:cNvSpPr>
+            <a:spLocks noGrp="1"/>
+          </p:cNvSpPr>
+          <p:nvPr>
+            <p:ph idx="1"/>
+          </p:nvPr>
+        </p:nvSpPr>
+        <p:spPr>
+          <a:xfrm>
+            <a:off x="838200" y="3192905"/>
+            <a:ext cx="10515600" cy="2984057"/>
+          </a:xfrm>
+        </p:spPr>
+        <p:txBody>
+          <a:bodyPr/>
+          <a:lstStyle/>
+          <a:p>
+            <a:pPr marL="0" indent="0">
+              <a:buNone/>
+            </a:pPr>
+            <a:r>
+              <a:rPr lang="en-US" dirty="0"/>
+              <a:t>Broker </a:t>
+            </a:r>
+            <a:r>
+              <a:rPr lang="en-US" dirty="0" err="1"/>
+              <a:t>mqtt</a:t>
+            </a:r>
+            <a:r>
+              <a:rPr lang="en-US" dirty="0"/>
+              <a:t> : </a:t>
+            </a:r>
+          </a:p>
+          <a:p>
+            <a:pPr marL="0" indent="0">
+              <a:buNone/>
+            </a:pPr>
+            <a:r>
+              <a:rPr lang="en-US" dirty="0"/>
+              <a:t>broker.emqx.io =&gt; port 1883</a:t>
+            </a:r>
+          </a:p>
+          <a:p>
+            <a:pPr marL="0" indent="0">
+              <a:buNone/>
+            </a:pPr>
+            <a:r>
+              <a:rPr lang="en-US" dirty="0"/>
+              <a:t>test.mosquito.org =&gt; port 1883</a:t>
+            </a:r>
+          </a:p>
+          <a:p>
+            <a:pPr marL="0" indent="0">
+              <a:buNone/>
+            </a:pPr>
+            <a:r>
+              <a:rPr lang="en-US" dirty="0"/>
+              <a:t>mqtt.ardumeka.com =&gt; port 11219</a:t>
+            </a:r>
+          </a:p>
+        </p:txBody>
+      </p:sp>
+      <p:pic>
+        <p:nvPicPr>
+          <p:cNvPr id="4" name="Picture 2">
+            <a:extLst>
+              <a:ext uri="{FF2B5EF4-FFF2-40B4-BE49-F238E27FC236}">
+                <a16:creationId xmlns:a16="http://schemas.microsoft.com/office/drawing/2014/main" id="{18841A39-2105-4249-82BD-B5C3B0312B82}"/>
+              </a:ext>
+            </a:extLst>
+          </p:cNvPr>
+          <p:cNvPicPr>
+            <a:picLocks noChangeAspect="1" noChangeArrowheads="1"/>
+          </p:cNvPicPr>
+          <p:nvPr/>
+        </p:nvPicPr>
+        <p:blipFill>
+          <a:blip r:embed="rId2">
+            <a:extLst>
+              <a:ext uri="{28A0092B-C50C-407E-A947-70E740481C1C}">
+                <a14:useLocalDpi xmlns:a14="http://schemas.microsoft.com/office/drawing/2010/main" val="0"/>
+              </a:ext>
+            </a:extLst>
+          </a:blip>
+          <a:srcRect/>
+          <a:stretch>
+            <a:fillRect/>
+          </a:stretch>
+        </p:blipFill>
+        <p:spPr bwMode="auto">
+          <a:xfrm>
+            <a:off x="4907280" y="681038"/>
+            <a:ext cx="2377440" cy="2377440"/>
+          </a:xfrm>
+          <a:prstGeom prst="rect">
+            <a:avLst/>
+          </a:prstGeom>
+          <a:noFill/>
+          <a:extLst>
+            <a:ext uri="{909E8E84-426E-40DD-AFC4-6F175D3DCCD1}">
+              <a14:hiddenFill xmlns:a14="http://schemas.microsoft.com/office/drawing/2010/main">
+                <a:solidFill>
+                  <a:srgbClr val="FFFFFF"/>
+                </a:solidFill>
+              </a14:hiddenFill>
+            </a:ext>
+          </a:extLst>
+        </p:spPr>
+      </p:pic>
+    </p:spTree>
+    <p:extLst>
+      <p:ext uri="{BB962C8B-B14F-4D97-AF65-F5344CB8AC3E}">
+        <p14:creationId xmlns:p14="http://schemas.microsoft.com/office/powerpoint/2010/main" val="2387635146"/>
       </p:ext>
     </p:extLst>
   </p:cSld>
@@ -9106,7 +12727,7 @@
           <p:cNvPr id="2" name="Title 1">
             <a:extLst>
               <a:ext uri="{FF2B5EF4-FFF2-40B4-BE49-F238E27FC236}">
-                <a16:creationId xmlns:a16="http://schemas.microsoft.com/office/drawing/2014/main" id="{5EFF14EE-C472-413B-B78B-41B30295474B}"/>
+                <a16:creationId xmlns:a16="http://schemas.microsoft.com/office/drawing/2014/main" id="{7B7F06B4-AB50-4B79-90FB-F8F07EE0743B}"/>
               </a:ext>
             </a:extLst>
           </p:cNvPr>
@@ -9122,6 +12743,685 @@
           <a:bodyPr/>
           <a:lstStyle/>
           <a:p>
+            <a:endParaRPr lang="en-US"/>
+          </a:p>
+        </p:txBody>
+      </p:sp>
+      <p:sp>
+        <p:nvSpPr>
+          <p:cNvPr id="3" name="Content Placeholder 2">
+            <a:extLst>
+              <a:ext uri="{FF2B5EF4-FFF2-40B4-BE49-F238E27FC236}">
+                <a16:creationId xmlns:a16="http://schemas.microsoft.com/office/drawing/2014/main" id="{F76DAFEB-FBBB-437F-A212-86A51E9CBD00}"/>
+              </a:ext>
+            </a:extLst>
+          </p:cNvPr>
+          <p:cNvSpPr>
+            <a:spLocks noGrp="1"/>
+          </p:cNvSpPr>
+          <p:nvPr>
+            <p:ph idx="1"/>
+          </p:nvPr>
+        </p:nvSpPr>
+        <p:spPr/>
+        <p:txBody>
+          <a:bodyPr/>
+          <a:lstStyle/>
+          <a:p>
+            <a:endParaRPr lang="en-US"/>
+          </a:p>
+        </p:txBody>
+      </p:sp>
+      <p:pic>
+        <p:nvPicPr>
+          <p:cNvPr id="5" name="Picture 4">
+            <a:extLst>
+              <a:ext uri="{FF2B5EF4-FFF2-40B4-BE49-F238E27FC236}">
+                <a16:creationId xmlns:a16="http://schemas.microsoft.com/office/drawing/2014/main" id="{E485D191-12E3-44E8-95CA-9F782BE7FA9A}"/>
+              </a:ext>
+            </a:extLst>
+          </p:cNvPr>
+          <p:cNvPicPr>
+            <a:picLocks noChangeAspect="1"/>
+          </p:cNvPicPr>
+          <p:nvPr/>
+        </p:nvPicPr>
+        <p:blipFill>
+          <a:blip r:embed="rId2"/>
+          <a:stretch>
+            <a:fillRect/>
+          </a:stretch>
+        </p:blipFill>
+        <p:spPr>
+          <a:xfrm>
+            <a:off x="2685577" y="494675"/>
+            <a:ext cx="7307943" cy="6434528"/>
+          </a:xfrm>
+          <a:prstGeom prst="rect">
+            <a:avLst/>
+          </a:prstGeom>
+        </p:spPr>
+      </p:pic>
+    </p:spTree>
+    <p:extLst>
+      <p:ext uri="{BB962C8B-B14F-4D97-AF65-F5344CB8AC3E}">
+        <p14:creationId xmlns:p14="http://schemas.microsoft.com/office/powerpoint/2010/main" val="378572790"/>
+      </p:ext>
+    </p:extLst>
+  </p:cSld>
+  <p:clrMapOvr>
+    <a:masterClrMapping/>
+  </p:clrMapOvr>
+</p:sld>
+</file>
+
+<file path=ppt/slides/slide30.xml><?xml version="1.0" encoding="utf-8"?>
+<p:sld xmlns:a="http://schemas.openxmlformats.org/drawingml/2006/main" xmlns:r="http://schemas.openxmlformats.org/officeDocument/2006/relationships" xmlns:p="http://schemas.openxmlformats.org/presentationml/2006/main">
+  <p:cSld>
+    <p:spTree>
+      <p:nvGrpSpPr>
+        <p:cNvPr id="1" name=""/>
+        <p:cNvGrpSpPr/>
+        <p:nvPr/>
+      </p:nvGrpSpPr>
+      <p:grpSpPr>
+        <a:xfrm>
+          <a:off x="0" y="0"/>
+          <a:ext cx="0" cy="0"/>
+          <a:chOff x="0" y="0"/>
+          <a:chExt cx="0" cy="0"/>
+        </a:xfrm>
+      </p:grpSpPr>
+      <p:sp>
+        <p:nvSpPr>
+          <p:cNvPr id="2" name="Title 1">
+            <a:extLst>
+              <a:ext uri="{FF2B5EF4-FFF2-40B4-BE49-F238E27FC236}">
+                <a16:creationId xmlns:a16="http://schemas.microsoft.com/office/drawing/2014/main" id="{CC0CC6C6-2396-44D7-B8A7-53A9F42A8C53}"/>
+              </a:ext>
+            </a:extLst>
+          </p:cNvPr>
+          <p:cNvSpPr>
+            <a:spLocks noGrp="1"/>
+          </p:cNvSpPr>
+          <p:nvPr>
+            <p:ph type="title"/>
+          </p:nvPr>
+        </p:nvSpPr>
+        <p:spPr>
+          <a:xfrm>
+            <a:off x="838200" y="2766218"/>
+            <a:ext cx="10515600" cy="1325563"/>
+          </a:xfrm>
+        </p:spPr>
+        <p:txBody>
+          <a:bodyPr/>
+          <a:lstStyle/>
+          <a:p>
+            <a:pPr algn="ctr"/>
+            <a:r>
+              <a:rPr lang="en-US" dirty="0"/>
+              <a:t>Let’s see the result </a:t>
+            </a:r>
+            <a:r>
+              <a:rPr lang="en-US" dirty="0">
+                <a:sym typeface="Wingdings" panose="05000000000000000000" pitchFamily="2" charset="2"/>
+              </a:rPr>
+              <a:t></a:t>
+            </a:r>
+            <a:endParaRPr lang="en-US" dirty="0"/>
+          </a:p>
+        </p:txBody>
+      </p:sp>
+    </p:spTree>
+    <p:extLst>
+      <p:ext uri="{BB962C8B-B14F-4D97-AF65-F5344CB8AC3E}">
+        <p14:creationId xmlns:p14="http://schemas.microsoft.com/office/powerpoint/2010/main" val="1742826534"/>
+      </p:ext>
+    </p:extLst>
+  </p:cSld>
+  <p:clrMapOvr>
+    <a:masterClrMapping/>
+  </p:clrMapOvr>
+</p:sld>
+</file>
+
+<file path=ppt/slides/slide31.xml><?xml version="1.0" encoding="utf-8"?>
+<p:sld xmlns:a="http://schemas.openxmlformats.org/drawingml/2006/main" xmlns:r="http://schemas.openxmlformats.org/officeDocument/2006/relationships" xmlns:p="http://schemas.openxmlformats.org/presentationml/2006/main">
+  <p:cSld>
+    <p:spTree>
+      <p:nvGrpSpPr>
+        <p:cNvPr id="1" name=""/>
+        <p:cNvGrpSpPr/>
+        <p:nvPr/>
+      </p:nvGrpSpPr>
+      <p:grpSpPr>
+        <a:xfrm>
+          <a:off x="0" y="0"/>
+          <a:ext cx="0" cy="0"/>
+          <a:chOff x="0" y="0"/>
+          <a:chExt cx="0" cy="0"/>
+        </a:xfrm>
+      </p:grpSpPr>
+      <p:sp>
+        <p:nvSpPr>
+          <p:cNvPr id="2" name="Title 1">
+            <a:extLst>
+              <a:ext uri="{FF2B5EF4-FFF2-40B4-BE49-F238E27FC236}">
+                <a16:creationId xmlns:a16="http://schemas.microsoft.com/office/drawing/2014/main" id="{C501565E-B7E4-4731-B1FB-95451E40D2A4}"/>
+              </a:ext>
+            </a:extLst>
+          </p:cNvPr>
+          <p:cNvSpPr>
+            <a:spLocks noGrp="1"/>
+          </p:cNvSpPr>
+          <p:nvPr>
+            <p:ph type="title"/>
+          </p:nvPr>
+        </p:nvSpPr>
+        <p:spPr>
+          <a:xfrm>
+            <a:off x="838200" y="2766218"/>
+            <a:ext cx="10515600" cy="1325563"/>
+          </a:xfrm>
+        </p:spPr>
+        <p:txBody>
+          <a:bodyPr/>
+          <a:lstStyle/>
+          <a:p>
+            <a:pPr algn="ctr"/>
+            <a:r>
+              <a:rPr lang="en-US" dirty="0"/>
+              <a:t>Thanks for your participation </a:t>
+            </a:r>
+            <a:r>
+              <a:rPr lang="en-US" dirty="0">
+                <a:sym typeface="Wingdings" panose="05000000000000000000" pitchFamily="2" charset="2"/>
+              </a:rPr>
+              <a:t></a:t>
+            </a:r>
+            <a:endParaRPr lang="en-US" dirty="0"/>
+          </a:p>
+        </p:txBody>
+      </p:sp>
+    </p:spTree>
+    <p:extLst>
+      <p:ext uri="{BB962C8B-B14F-4D97-AF65-F5344CB8AC3E}">
+        <p14:creationId xmlns:p14="http://schemas.microsoft.com/office/powerpoint/2010/main" val="258971338"/>
+      </p:ext>
+    </p:extLst>
+  </p:cSld>
+  <p:clrMapOvr>
+    <a:masterClrMapping/>
+  </p:clrMapOvr>
+</p:sld>
+</file>
+
+<file path=ppt/slides/slide32.xml><?xml version="1.0" encoding="utf-8"?>
+<p:sld xmlns:a="http://schemas.openxmlformats.org/drawingml/2006/main" xmlns:r="http://schemas.openxmlformats.org/officeDocument/2006/relationships" xmlns:p="http://schemas.openxmlformats.org/presentationml/2006/main">
+  <p:cSld>
+    <p:spTree>
+      <p:nvGrpSpPr>
+        <p:cNvPr id="1" name=""/>
+        <p:cNvGrpSpPr/>
+        <p:nvPr/>
+      </p:nvGrpSpPr>
+      <p:grpSpPr>
+        <a:xfrm>
+          <a:off x="0" y="0"/>
+          <a:ext cx="0" cy="0"/>
+          <a:chOff x="0" y="0"/>
+          <a:chExt cx="0" cy="0"/>
+        </a:xfrm>
+      </p:grpSpPr>
+      <p:sp>
+        <p:nvSpPr>
+          <p:cNvPr id="2" name="Title 1">
+            <a:extLst>
+              <a:ext uri="{FF2B5EF4-FFF2-40B4-BE49-F238E27FC236}">
+                <a16:creationId xmlns:a16="http://schemas.microsoft.com/office/drawing/2014/main" id="{55C2DFDC-F44F-44B8-8535-825BEBE1FA60}"/>
+              </a:ext>
+            </a:extLst>
+          </p:cNvPr>
+          <p:cNvSpPr>
+            <a:spLocks noGrp="1"/>
+          </p:cNvSpPr>
+          <p:nvPr>
+            <p:ph type="title"/>
+          </p:nvPr>
+        </p:nvSpPr>
+        <p:spPr/>
+        <p:txBody>
+          <a:bodyPr/>
+          <a:lstStyle/>
+          <a:p>
+            <a:r>
+              <a:rPr lang="en-US" dirty="0"/>
+              <a:t>My Instagram</a:t>
+            </a:r>
+          </a:p>
+        </p:txBody>
+      </p:sp>
+      <p:pic>
+        <p:nvPicPr>
+          <p:cNvPr id="4" name="Picture 3">
+            <a:extLst>
+              <a:ext uri="{FF2B5EF4-FFF2-40B4-BE49-F238E27FC236}">
+                <a16:creationId xmlns:a16="http://schemas.microsoft.com/office/drawing/2014/main" id="{526AB39A-C42B-4650-AEAA-C120F4DDF6AB}"/>
+              </a:ext>
+            </a:extLst>
+          </p:cNvPr>
+          <p:cNvPicPr>
+            <a:picLocks noChangeAspect="1"/>
+          </p:cNvPicPr>
+          <p:nvPr/>
+        </p:nvPicPr>
+        <p:blipFill rotWithShape="1">
+          <a:blip r:embed="rId2"/>
+          <a:srcRect l="20239" t="17339" r="23453" b="9911"/>
+          <a:stretch/>
+        </p:blipFill>
+        <p:spPr>
+          <a:xfrm>
+            <a:off x="2931886" y="1562053"/>
+            <a:ext cx="7228113" cy="5250364"/>
+          </a:xfrm>
+          <a:prstGeom prst="rect">
+            <a:avLst/>
+          </a:prstGeom>
+        </p:spPr>
+      </p:pic>
+    </p:spTree>
+    <p:extLst>
+      <p:ext uri="{BB962C8B-B14F-4D97-AF65-F5344CB8AC3E}">
+        <p14:creationId xmlns:p14="http://schemas.microsoft.com/office/powerpoint/2010/main" val="1854919994"/>
+      </p:ext>
+    </p:extLst>
+  </p:cSld>
+  <p:clrMapOvr>
+    <a:masterClrMapping/>
+  </p:clrMapOvr>
+</p:sld>
+</file>
+
+<file path=ppt/slides/slide33.xml><?xml version="1.0" encoding="utf-8"?>
+<p:sld xmlns:a="http://schemas.openxmlformats.org/drawingml/2006/main" xmlns:r="http://schemas.openxmlformats.org/officeDocument/2006/relationships" xmlns:p="http://schemas.openxmlformats.org/presentationml/2006/main">
+  <p:cSld>
+    <p:spTree>
+      <p:nvGrpSpPr>
+        <p:cNvPr id="1" name=""/>
+        <p:cNvGrpSpPr/>
+        <p:nvPr/>
+      </p:nvGrpSpPr>
+      <p:grpSpPr>
+        <a:xfrm>
+          <a:off x="0" y="0"/>
+          <a:ext cx="0" cy="0"/>
+          <a:chOff x="0" y="0"/>
+          <a:chExt cx="0" cy="0"/>
+        </a:xfrm>
+      </p:grpSpPr>
+      <p:sp>
+        <p:nvSpPr>
+          <p:cNvPr id="2" name="Title 1">
+            <a:extLst>
+              <a:ext uri="{FF2B5EF4-FFF2-40B4-BE49-F238E27FC236}">
+                <a16:creationId xmlns:a16="http://schemas.microsoft.com/office/drawing/2014/main" id="{84F89A26-DBFE-4A7D-99B5-694E18F024EC}"/>
+              </a:ext>
+            </a:extLst>
+          </p:cNvPr>
+          <p:cNvSpPr>
+            <a:spLocks noGrp="1"/>
+          </p:cNvSpPr>
+          <p:nvPr>
+            <p:ph type="title"/>
+          </p:nvPr>
+        </p:nvSpPr>
+        <p:spPr/>
+        <p:txBody>
+          <a:bodyPr/>
+          <a:lstStyle/>
+          <a:p>
+            <a:endParaRPr lang="en-US"/>
+          </a:p>
+        </p:txBody>
+      </p:sp>
+      <p:sp>
+        <p:nvSpPr>
+          <p:cNvPr id="3" name="Content Placeholder 2">
+            <a:extLst>
+              <a:ext uri="{FF2B5EF4-FFF2-40B4-BE49-F238E27FC236}">
+                <a16:creationId xmlns:a16="http://schemas.microsoft.com/office/drawing/2014/main" id="{38018A2A-30C7-4815-A1A8-1A503C1FD948}"/>
+              </a:ext>
+            </a:extLst>
+          </p:cNvPr>
+          <p:cNvSpPr>
+            <a:spLocks noGrp="1"/>
+          </p:cNvSpPr>
+          <p:nvPr>
+            <p:ph idx="1"/>
+          </p:nvPr>
+        </p:nvSpPr>
+        <p:spPr>
+          <a:xfrm>
+            <a:off x="703942" y="6141810"/>
+            <a:ext cx="10515600" cy="716189"/>
+          </a:xfrm>
+        </p:spPr>
+        <p:txBody>
+          <a:bodyPr/>
+          <a:lstStyle/>
+          <a:p>
+            <a:pPr marL="0" indent="0" algn="ctr">
+              <a:buNone/>
+            </a:pPr>
+            <a:r>
+              <a:rPr lang="en-US" dirty="0"/>
+              <a:t>SUPPORT US </a:t>
+            </a:r>
+          </a:p>
+        </p:txBody>
+      </p:sp>
+      <p:pic>
+        <p:nvPicPr>
+          <p:cNvPr id="4" name="Picture 3">
+            <a:extLst>
+              <a:ext uri="{FF2B5EF4-FFF2-40B4-BE49-F238E27FC236}">
+                <a16:creationId xmlns:a16="http://schemas.microsoft.com/office/drawing/2014/main" id="{6CDDAEC3-7912-4696-9DA8-08FEEF19F40F}"/>
+              </a:ext>
+            </a:extLst>
+          </p:cNvPr>
+          <p:cNvPicPr>
+            <a:picLocks noChangeAspect="1"/>
+          </p:cNvPicPr>
+          <p:nvPr/>
+        </p:nvPicPr>
+        <p:blipFill rotWithShape="1">
+          <a:blip r:embed="rId2"/>
+          <a:srcRect l="19461" t="6176" r="5315" b="8448"/>
+          <a:stretch/>
+        </p:blipFill>
+        <p:spPr>
+          <a:xfrm>
+            <a:off x="1867651" y="0"/>
+            <a:ext cx="9052921" cy="5776686"/>
+          </a:xfrm>
+          <a:prstGeom prst="rect">
+            <a:avLst/>
+          </a:prstGeom>
+        </p:spPr>
+      </p:pic>
+    </p:spTree>
+    <p:extLst>
+      <p:ext uri="{BB962C8B-B14F-4D97-AF65-F5344CB8AC3E}">
+        <p14:creationId xmlns:p14="http://schemas.microsoft.com/office/powerpoint/2010/main" val="460505747"/>
+      </p:ext>
+    </p:extLst>
+  </p:cSld>
+  <p:clrMapOvr>
+    <a:masterClrMapping/>
+  </p:clrMapOvr>
+</p:sld>
+</file>
+
+<file path=ppt/slides/slide34.xml><?xml version="1.0" encoding="utf-8"?>
+<p:sld xmlns:a="http://schemas.openxmlformats.org/drawingml/2006/main" xmlns:r="http://schemas.openxmlformats.org/officeDocument/2006/relationships" xmlns:p="http://schemas.openxmlformats.org/presentationml/2006/main">
+  <p:cSld>
+    <p:spTree>
+      <p:nvGrpSpPr>
+        <p:cNvPr id="1" name=""/>
+        <p:cNvGrpSpPr/>
+        <p:nvPr/>
+      </p:nvGrpSpPr>
+      <p:grpSpPr>
+        <a:xfrm>
+          <a:off x="0" y="0"/>
+          <a:ext cx="0" cy="0"/>
+          <a:chOff x="0" y="0"/>
+          <a:chExt cx="0" cy="0"/>
+        </a:xfrm>
+      </p:grpSpPr>
+      <p:sp>
+        <p:nvSpPr>
+          <p:cNvPr id="2" name="Title 1">
+            <a:extLst>
+              <a:ext uri="{FF2B5EF4-FFF2-40B4-BE49-F238E27FC236}">
+                <a16:creationId xmlns:a16="http://schemas.microsoft.com/office/drawing/2014/main" id="{BD5826B0-D7C3-4032-A563-51256D792915}"/>
+              </a:ext>
+            </a:extLst>
+          </p:cNvPr>
+          <p:cNvSpPr>
+            <a:spLocks noGrp="1"/>
+          </p:cNvSpPr>
+          <p:nvPr>
+            <p:ph type="title"/>
+          </p:nvPr>
+        </p:nvSpPr>
+        <p:spPr/>
+        <p:txBody>
+          <a:bodyPr/>
+          <a:lstStyle/>
+          <a:p>
+            <a:endParaRPr lang="en-US"/>
+          </a:p>
+        </p:txBody>
+      </p:sp>
+      <p:sp>
+        <p:nvSpPr>
+          <p:cNvPr id="3" name="Content Placeholder 2">
+            <a:extLst>
+              <a:ext uri="{FF2B5EF4-FFF2-40B4-BE49-F238E27FC236}">
+                <a16:creationId xmlns:a16="http://schemas.microsoft.com/office/drawing/2014/main" id="{F198CCB9-D758-40BC-A973-1822751BC69C}"/>
+              </a:ext>
+            </a:extLst>
+          </p:cNvPr>
+          <p:cNvSpPr>
+            <a:spLocks noGrp="1"/>
+          </p:cNvSpPr>
+          <p:nvPr>
+            <p:ph idx="1"/>
+          </p:nvPr>
+        </p:nvSpPr>
+        <p:spPr/>
+        <p:txBody>
+          <a:bodyPr/>
+          <a:lstStyle/>
+          <a:p>
+            <a:endParaRPr lang="en-US"/>
+          </a:p>
+        </p:txBody>
+      </p:sp>
+      <p:pic>
+        <p:nvPicPr>
+          <p:cNvPr id="5" name="Picture 4">
+            <a:extLst>
+              <a:ext uri="{FF2B5EF4-FFF2-40B4-BE49-F238E27FC236}">
+                <a16:creationId xmlns:a16="http://schemas.microsoft.com/office/drawing/2014/main" id="{304B228B-896A-4169-89FF-82813F79633E}"/>
+              </a:ext>
+            </a:extLst>
+          </p:cNvPr>
+          <p:cNvPicPr>
+            <a:picLocks noChangeAspect="1"/>
+          </p:cNvPicPr>
+          <p:nvPr/>
+        </p:nvPicPr>
+        <p:blipFill>
+          <a:blip r:embed="rId2"/>
+          <a:stretch>
+            <a:fillRect/>
+          </a:stretch>
+        </p:blipFill>
+        <p:spPr>
+          <a:xfrm>
+            <a:off x="1133319" y="0"/>
+            <a:ext cx="9715500" cy="5572125"/>
+          </a:xfrm>
+          <a:prstGeom prst="rect">
+            <a:avLst/>
+          </a:prstGeom>
+        </p:spPr>
+      </p:pic>
+    </p:spTree>
+    <p:extLst>
+      <p:ext uri="{BB962C8B-B14F-4D97-AF65-F5344CB8AC3E}">
+        <p14:creationId xmlns:p14="http://schemas.microsoft.com/office/powerpoint/2010/main" val="3851483393"/>
+      </p:ext>
+    </p:extLst>
+  </p:cSld>
+  <p:clrMapOvr>
+    <a:masterClrMapping/>
+  </p:clrMapOvr>
+</p:sld>
+</file>
+
+<file path=ppt/slides/slide4.xml><?xml version="1.0" encoding="utf-8"?>
+<p:sld xmlns:a="http://schemas.openxmlformats.org/drawingml/2006/main" xmlns:r="http://schemas.openxmlformats.org/officeDocument/2006/relationships" xmlns:p="http://schemas.openxmlformats.org/presentationml/2006/main">
+  <p:cSld>
+    <p:spTree>
+      <p:nvGrpSpPr>
+        <p:cNvPr id="1" name=""/>
+        <p:cNvGrpSpPr/>
+        <p:nvPr/>
+      </p:nvGrpSpPr>
+      <p:grpSpPr>
+        <a:xfrm>
+          <a:off x="0" y="0"/>
+          <a:ext cx="0" cy="0"/>
+          <a:chOff x="0" y="0"/>
+          <a:chExt cx="0" cy="0"/>
+        </a:xfrm>
+      </p:grpSpPr>
+      <p:sp>
+        <p:nvSpPr>
+          <p:cNvPr id="2" name="Title 1">
+            <a:extLst>
+              <a:ext uri="{FF2B5EF4-FFF2-40B4-BE49-F238E27FC236}">
+                <a16:creationId xmlns:a16="http://schemas.microsoft.com/office/drawing/2014/main" id="{2D13560F-9D8C-4A60-9C20-FB4664C085D3}"/>
+              </a:ext>
+            </a:extLst>
+          </p:cNvPr>
+          <p:cNvSpPr>
+            <a:spLocks noGrp="1"/>
+          </p:cNvSpPr>
+          <p:nvPr>
+            <p:ph type="title"/>
+          </p:nvPr>
+        </p:nvSpPr>
+        <p:spPr/>
+        <p:txBody>
+          <a:bodyPr/>
+          <a:lstStyle/>
+          <a:p>
+            <a:endParaRPr lang="en-US"/>
+          </a:p>
+        </p:txBody>
+      </p:sp>
+      <p:sp>
+        <p:nvSpPr>
+          <p:cNvPr id="3" name="Content Placeholder 2">
+            <a:extLst>
+              <a:ext uri="{FF2B5EF4-FFF2-40B4-BE49-F238E27FC236}">
+                <a16:creationId xmlns:a16="http://schemas.microsoft.com/office/drawing/2014/main" id="{AD5B3A5F-03F2-4179-9982-2A6E70866D2C}"/>
+              </a:ext>
+            </a:extLst>
+          </p:cNvPr>
+          <p:cNvSpPr>
+            <a:spLocks noGrp="1"/>
+          </p:cNvSpPr>
+          <p:nvPr>
+            <p:ph idx="1"/>
+          </p:nvPr>
+        </p:nvSpPr>
+        <p:spPr/>
+        <p:txBody>
+          <a:bodyPr/>
+          <a:lstStyle/>
+          <a:p>
+            <a:endParaRPr lang="en-US"/>
+          </a:p>
+        </p:txBody>
+      </p:sp>
+      <p:pic>
+        <p:nvPicPr>
+          <p:cNvPr id="7" name="Picture 6">
+            <a:extLst>
+              <a:ext uri="{FF2B5EF4-FFF2-40B4-BE49-F238E27FC236}">
+                <a16:creationId xmlns:a16="http://schemas.microsoft.com/office/drawing/2014/main" id="{E946FDE4-5784-4465-84B3-64B87EF8E229}"/>
+              </a:ext>
+            </a:extLst>
+          </p:cNvPr>
+          <p:cNvPicPr>
+            <a:picLocks noChangeAspect="1"/>
+          </p:cNvPicPr>
+          <p:nvPr/>
+        </p:nvPicPr>
+        <p:blipFill>
+          <a:blip r:embed="rId2"/>
+          <a:stretch>
+            <a:fillRect/>
+          </a:stretch>
+        </p:blipFill>
+        <p:spPr>
+          <a:xfrm>
+            <a:off x="3024854" y="3083993"/>
+            <a:ext cx="5620878" cy="3092970"/>
+          </a:xfrm>
+          <a:prstGeom prst="rect">
+            <a:avLst/>
+          </a:prstGeom>
+        </p:spPr>
+      </p:pic>
+    </p:spTree>
+    <p:extLst>
+      <p:ext uri="{BB962C8B-B14F-4D97-AF65-F5344CB8AC3E}">
+        <p14:creationId xmlns:p14="http://schemas.microsoft.com/office/powerpoint/2010/main" val="3858961753"/>
+      </p:ext>
+    </p:extLst>
+  </p:cSld>
+  <p:clrMapOvr>
+    <a:masterClrMapping/>
+  </p:clrMapOvr>
+</p:sld>
+</file>
+
+<file path=ppt/slides/slide5.xml><?xml version="1.0" encoding="utf-8"?>
+<p:sld xmlns:a="http://schemas.openxmlformats.org/drawingml/2006/main" xmlns:r="http://schemas.openxmlformats.org/officeDocument/2006/relationships" xmlns:p="http://schemas.openxmlformats.org/presentationml/2006/main">
+  <p:cSld>
+    <p:spTree>
+      <p:nvGrpSpPr>
+        <p:cNvPr id="1" name=""/>
+        <p:cNvGrpSpPr/>
+        <p:nvPr/>
+      </p:nvGrpSpPr>
+      <p:grpSpPr>
+        <a:xfrm>
+          <a:off x="0" y="0"/>
+          <a:ext cx="0" cy="0"/>
+          <a:chOff x="0" y="0"/>
+          <a:chExt cx="0" cy="0"/>
+        </a:xfrm>
+      </p:grpSpPr>
+      <p:sp>
+        <p:nvSpPr>
+          <p:cNvPr id="2" name="Title 1">
+            <a:extLst>
+              <a:ext uri="{FF2B5EF4-FFF2-40B4-BE49-F238E27FC236}">
+                <a16:creationId xmlns:a16="http://schemas.microsoft.com/office/drawing/2014/main" id="{5EFF14EE-C472-413B-B78B-41B30295474B}"/>
+              </a:ext>
+            </a:extLst>
+          </p:cNvPr>
+          <p:cNvSpPr>
+            <a:spLocks noGrp="1"/>
+          </p:cNvSpPr>
+          <p:nvPr>
+            <p:ph type="title"/>
+          </p:nvPr>
+        </p:nvSpPr>
+        <p:spPr/>
+        <p:txBody>
+          <a:bodyPr/>
+          <a:lstStyle/>
+          <a:p>
             <a:endParaRPr lang="en-US" dirty="0"/>
           </a:p>
         </p:txBody>
@@ -9145,7 +13445,7 @@
         <p:spPr/>
         <p:txBody>
           <a:bodyPr>
-            <a:normAutofit/>
+            <a:normAutofit lnSpcReduction="10000"/>
           </a:bodyPr>
           <a:lstStyle/>
           <a:p>
@@ -9155,6 +13455,19 @@
             <a:r>
               <a:rPr lang="en-US" dirty="0"/>
               <a:t>Ppt, example code</a:t>
+            </a:r>
+          </a:p>
+          <a:p>
+            <a:pPr marL="0" indent="0">
+              <a:buNone/>
+            </a:pPr>
+            <a:r>
+              <a:rPr lang="en-US" dirty="0">
+                <a:solidFill>
+                  <a:srgbClr val="0563C1"/>
+                </a:solidFill>
+              </a:rPr>
+              <a:t>https://github.com/muhammadhusni777/Ardumeka-Pygame</a:t>
             </a:r>
           </a:p>
           <a:p>
@@ -9212,18 +13525,12 @@
               <a:rPr lang="en-US" dirty="0">
                 <a:hlinkClick r:id="rId3"/>
               </a:rPr>
-              <a:t>https://wokwi.com/projects/345223004701065810</a:t>
+              <a:t>https://wokwi.com/projects/348094453680964179</a:t>
             </a:r>
             <a:r>
               <a:rPr lang="en-US" dirty="0"/>
               <a:t> </a:t>
             </a:r>
-          </a:p>
-          <a:p>
-            <a:pPr marL="0" indent="0">
-              <a:buNone/>
-            </a:pPr>
-            <a:endParaRPr lang="en-US" dirty="0"/>
           </a:p>
         </p:txBody>
       </p:sp>
@@ -9240,7 +13547,7 @@
 </p:sld>
 </file>
 
-<file path=ppt/slides/slide4.xml><?xml version="1.0" encoding="utf-8"?>
+<file path=ppt/slides/slide6.xml><?xml version="1.0" encoding="utf-8"?>
 <p:sld xmlns:a="http://schemas.openxmlformats.org/drawingml/2006/main" xmlns:r="http://schemas.openxmlformats.org/officeDocument/2006/relationships" xmlns:p="http://schemas.openxmlformats.org/presentationml/2006/main">
   <p:cSld>
     <p:spTree>
@@ -9350,7 +13657,7 @@
 </p:sld>
 </file>
 
-<file path=ppt/slides/slide5.xml><?xml version="1.0" encoding="utf-8"?>
+<file path=ppt/slides/slide7.xml><?xml version="1.0" encoding="utf-8"?>
 <p:sld xmlns:a="http://schemas.openxmlformats.org/drawingml/2006/main" xmlns:r="http://schemas.openxmlformats.org/officeDocument/2006/relationships" xmlns:p="http://schemas.openxmlformats.org/presentationml/2006/main">
   <p:cSld>
     <p:spTree>
@@ -9457,36 +13764,6 @@
                 </a:solidFill>
               </a:rPr>
               <a:t>MQTT Broker</a:t>
-            </a:r>
-          </a:p>
-          <a:p>
-            <a:pPr algn="ctr"/>
-            <a:r>
-              <a:rPr lang="en-US" dirty="0">
-                <a:solidFill>
-                  <a:schemeClr val="tx1"/>
-                </a:solidFill>
-              </a:rPr>
-              <a:t>mqtt.ardumeka.com</a:t>
-            </a:r>
-          </a:p>
-          <a:p>
-            <a:pPr algn="ctr"/>
-            <a:endParaRPr lang="en-US" dirty="0">
-              <a:solidFill>
-                <a:schemeClr val="tx1"/>
-              </a:solidFill>
-            </a:endParaRPr>
-          </a:p>
-          <a:p>
-            <a:pPr algn="ctr"/>
-            <a:r>
-              <a:rPr lang="en-US" dirty="0">
-                <a:solidFill>
-                  <a:schemeClr val="tx1"/>
-                </a:solidFill>
-              </a:rPr>
-              <a:t>Port : 11219</a:t>
             </a:r>
           </a:p>
         </p:txBody>
@@ -10787,7 +15064,7 @@
 </p:sld>
 </file>
 
-<file path=ppt/slides/slide6.xml><?xml version="1.0" encoding="utf-8"?>
+<file path=ppt/slides/slide8.xml><?xml version="1.0" encoding="utf-8"?>
 <p:sld xmlns:a="http://schemas.openxmlformats.org/drawingml/2006/main" xmlns:r="http://schemas.openxmlformats.org/officeDocument/2006/relationships" xmlns:p="http://schemas.openxmlformats.org/presentationml/2006/main">
   <p:cSld>
     <p:spTree>
@@ -10908,7 +15185,7 @@
 </p:sld>
 </file>
 
-<file path=ppt/slides/slide7.xml><?xml version="1.0" encoding="utf-8"?>
+<file path=ppt/slides/slide9.xml><?xml version="1.0" encoding="utf-8"?>
 <p:sld xmlns:a="http://schemas.openxmlformats.org/drawingml/2006/main" xmlns:r="http://schemas.openxmlformats.org/officeDocument/2006/relationships" xmlns:p="http://schemas.openxmlformats.org/presentationml/2006/main">
   <p:cSld>
     <p:spTree>
@@ -11021,260 +15298,6 @@
     <p:extLst>
       <p:ext uri="{BB962C8B-B14F-4D97-AF65-F5344CB8AC3E}">
         <p14:creationId xmlns:p14="http://schemas.microsoft.com/office/powerpoint/2010/main" val="2637060032"/>
-      </p:ext>
-    </p:extLst>
-  </p:cSld>
-  <p:clrMapOvr>
-    <a:masterClrMapping/>
-  </p:clrMapOvr>
-</p:sld>
-</file>
-
-<file path=ppt/slides/slide8.xml><?xml version="1.0" encoding="utf-8"?>
-<p:sld xmlns:a="http://schemas.openxmlformats.org/drawingml/2006/main" xmlns:r="http://schemas.openxmlformats.org/officeDocument/2006/relationships" xmlns:p="http://schemas.openxmlformats.org/presentationml/2006/main">
-  <p:cSld>
-    <p:spTree>
-      <p:nvGrpSpPr>
-        <p:cNvPr id="1" name=""/>
-        <p:cNvGrpSpPr/>
-        <p:nvPr/>
-      </p:nvGrpSpPr>
-      <p:grpSpPr>
-        <a:xfrm>
-          <a:off x="0" y="0"/>
-          <a:ext cx="0" cy="0"/>
-          <a:chOff x="0" y="0"/>
-          <a:chExt cx="0" cy="0"/>
-        </a:xfrm>
-      </p:grpSpPr>
-      <p:sp>
-        <p:nvSpPr>
-          <p:cNvPr id="2" name="Title 1">
-            <a:extLst>
-              <a:ext uri="{FF2B5EF4-FFF2-40B4-BE49-F238E27FC236}">
-                <a16:creationId xmlns:a16="http://schemas.microsoft.com/office/drawing/2014/main" id="{F7B5E246-E7F1-4BD9-BD1C-4EDA0B05CE2C}"/>
-              </a:ext>
-            </a:extLst>
-          </p:cNvPr>
-          <p:cNvSpPr>
-            <a:spLocks noGrp="1"/>
-          </p:cNvSpPr>
-          <p:nvPr>
-            <p:ph type="title"/>
-          </p:nvPr>
-        </p:nvSpPr>
-        <p:spPr/>
-        <p:txBody>
-          <a:bodyPr/>
-          <a:lstStyle/>
-          <a:p>
-            <a:r>
-              <a:rPr lang="en-US" dirty="0"/>
-              <a:t>Python Library Install</a:t>
-            </a:r>
-          </a:p>
-        </p:txBody>
-      </p:sp>
-      <p:sp>
-        <p:nvSpPr>
-          <p:cNvPr id="3" name="Content Placeholder 2">
-            <a:extLst>
-              <a:ext uri="{FF2B5EF4-FFF2-40B4-BE49-F238E27FC236}">
-                <a16:creationId xmlns:a16="http://schemas.microsoft.com/office/drawing/2014/main" id="{9E4DE34C-9D69-436E-8E34-025E390E762E}"/>
-              </a:ext>
-            </a:extLst>
-          </p:cNvPr>
-          <p:cNvSpPr>
-            <a:spLocks noGrp="1"/>
-          </p:cNvSpPr>
-          <p:nvPr>
-            <p:ph idx="1"/>
-          </p:nvPr>
-        </p:nvSpPr>
-        <p:spPr>
-          <a:xfrm>
-            <a:off x="838200" y="1825625"/>
-            <a:ext cx="10515600" cy="622300"/>
-          </a:xfrm>
-        </p:spPr>
-        <p:txBody>
-          <a:bodyPr/>
-          <a:lstStyle/>
-          <a:p>
-            <a:r>
-              <a:rPr lang="en-US" dirty="0" err="1"/>
-              <a:t>Paho-mqtt</a:t>
-            </a:r>
-            <a:endParaRPr lang="en-US" dirty="0"/>
-          </a:p>
-        </p:txBody>
-      </p:sp>
-      <p:pic>
-        <p:nvPicPr>
-          <p:cNvPr id="5" name="Picture 4">
-            <a:extLst>
-              <a:ext uri="{FF2B5EF4-FFF2-40B4-BE49-F238E27FC236}">
-                <a16:creationId xmlns:a16="http://schemas.microsoft.com/office/drawing/2014/main" id="{0B22CA94-2747-48FF-8D70-913C75B59E84}"/>
-              </a:ext>
-            </a:extLst>
-          </p:cNvPr>
-          <p:cNvPicPr>
-            <a:picLocks noChangeAspect="1"/>
-          </p:cNvPicPr>
-          <p:nvPr/>
-        </p:nvPicPr>
-        <p:blipFill>
-          <a:blip r:embed="rId2"/>
-          <a:stretch>
-            <a:fillRect/>
-          </a:stretch>
-        </p:blipFill>
-        <p:spPr>
-          <a:xfrm>
-            <a:off x="3286593" y="2447925"/>
-            <a:ext cx="6248400" cy="4410075"/>
-          </a:xfrm>
-          <a:prstGeom prst="rect">
-            <a:avLst/>
-          </a:prstGeom>
-        </p:spPr>
-      </p:pic>
-    </p:spTree>
-    <p:extLst>
-      <p:ext uri="{BB962C8B-B14F-4D97-AF65-F5344CB8AC3E}">
-        <p14:creationId xmlns:p14="http://schemas.microsoft.com/office/powerpoint/2010/main" val="1859008385"/>
-      </p:ext>
-    </p:extLst>
-  </p:cSld>
-  <p:clrMapOvr>
-    <a:masterClrMapping/>
-  </p:clrMapOvr>
-</p:sld>
-</file>
-
-<file path=ppt/slides/slide9.xml><?xml version="1.0" encoding="utf-8"?>
-<p:sld xmlns:a="http://schemas.openxmlformats.org/drawingml/2006/main" xmlns:r="http://schemas.openxmlformats.org/officeDocument/2006/relationships" xmlns:p="http://schemas.openxmlformats.org/presentationml/2006/main">
-  <p:cSld>
-    <p:spTree>
-      <p:nvGrpSpPr>
-        <p:cNvPr id="1" name=""/>
-        <p:cNvGrpSpPr/>
-        <p:nvPr/>
-      </p:nvGrpSpPr>
-      <p:grpSpPr>
-        <a:xfrm>
-          <a:off x="0" y="0"/>
-          <a:ext cx="0" cy="0"/>
-          <a:chOff x="0" y="0"/>
-          <a:chExt cx="0" cy="0"/>
-        </a:xfrm>
-      </p:grpSpPr>
-      <p:sp>
-        <p:nvSpPr>
-          <p:cNvPr id="3" name="Content Placeholder 2">
-            <a:extLst>
-              <a:ext uri="{FF2B5EF4-FFF2-40B4-BE49-F238E27FC236}">
-                <a16:creationId xmlns:a16="http://schemas.microsoft.com/office/drawing/2014/main" id="{0B319795-8C2A-4F0F-BEA8-EE043A276DAB}"/>
-              </a:ext>
-            </a:extLst>
-          </p:cNvPr>
-          <p:cNvSpPr>
-            <a:spLocks noGrp="1"/>
-          </p:cNvSpPr>
-          <p:nvPr>
-            <p:ph idx="1"/>
-          </p:nvPr>
-        </p:nvSpPr>
-        <p:spPr>
-          <a:xfrm>
-            <a:off x="8799226" y="1825625"/>
-            <a:ext cx="2983043" cy="4351338"/>
-          </a:xfrm>
-        </p:spPr>
-        <p:txBody>
-          <a:bodyPr/>
-          <a:lstStyle/>
-          <a:p>
-            <a:endParaRPr lang="en-US" dirty="0"/>
-          </a:p>
-        </p:txBody>
-      </p:sp>
-      <p:pic>
-        <p:nvPicPr>
-          <p:cNvPr id="1026" name="Picture 2" descr="types of joystick A Cybercomputing Page">
-            <a:extLst>
-              <a:ext uri="{FF2B5EF4-FFF2-40B4-BE49-F238E27FC236}">
-                <a16:creationId xmlns:a16="http://schemas.microsoft.com/office/drawing/2014/main" id="{2D486B0B-98C4-44A0-8BF5-0ABFCFFB4E1E}"/>
-              </a:ext>
-            </a:extLst>
-          </p:cNvPr>
-          <p:cNvPicPr>
-            <a:picLocks noChangeAspect="1" noChangeArrowheads="1"/>
-          </p:cNvPicPr>
-          <p:nvPr/>
-        </p:nvPicPr>
-        <p:blipFill>
-          <a:blip r:embed="rId2">
-            <a:extLst>
-              <a:ext uri="{28A0092B-C50C-407E-A947-70E740481C1C}">
-                <a14:useLocalDpi xmlns:a14="http://schemas.microsoft.com/office/drawing/2010/main" val="0"/>
-              </a:ext>
-            </a:extLst>
-          </a:blip>
-          <a:srcRect/>
-          <a:stretch>
-            <a:fillRect/>
-          </a:stretch>
-        </p:blipFill>
-        <p:spPr bwMode="auto">
-          <a:xfrm>
-            <a:off x="409731" y="1869787"/>
-            <a:ext cx="6365823" cy="4623087"/>
-          </a:xfrm>
-          <a:prstGeom prst="rect">
-            <a:avLst/>
-          </a:prstGeom>
-          <a:noFill/>
-          <a:extLst>
-            <a:ext uri="{909E8E84-426E-40DD-AFC4-6F175D3DCCD1}">
-              <a14:hiddenFill xmlns:a14="http://schemas.microsoft.com/office/drawing/2010/main">
-                <a:solidFill>
-                  <a:srgbClr val="FFFFFF"/>
-                </a:solidFill>
-              </a14:hiddenFill>
-            </a:ext>
-          </a:extLst>
-        </p:spPr>
-      </p:pic>
-      <p:sp>
-        <p:nvSpPr>
-          <p:cNvPr id="5" name="Title 4">
-            <a:extLst>
-              <a:ext uri="{FF2B5EF4-FFF2-40B4-BE49-F238E27FC236}">
-                <a16:creationId xmlns:a16="http://schemas.microsoft.com/office/drawing/2014/main" id="{CFF92CCB-4A8F-417F-96B6-4CE9457A89D5}"/>
-              </a:ext>
-            </a:extLst>
-          </p:cNvPr>
-          <p:cNvSpPr>
-            <a:spLocks noGrp="1"/>
-          </p:cNvSpPr>
-          <p:nvPr>
-            <p:ph type="title"/>
-          </p:nvPr>
-        </p:nvSpPr>
-        <p:spPr/>
-        <p:txBody>
-          <a:bodyPr/>
-          <a:lstStyle/>
-          <a:p>
-            <a:endParaRPr lang="en-US"/>
-          </a:p>
-        </p:txBody>
-      </p:sp>
-    </p:spTree>
-    <p:extLst>
-      <p:ext uri="{BB962C8B-B14F-4D97-AF65-F5344CB8AC3E}">
-        <p14:creationId xmlns:p14="http://schemas.microsoft.com/office/powerpoint/2010/main" val="2708025259"/>
       </p:ext>
     </p:extLst>
   </p:cSld>
